--- a/tutorials/PlusTutorialfCalCalibrationProcess.pptx
+++ b/tutorials/PlusTutorialfCalCalibrationProcess.pptx
@@ -200,7 +200,7 @@
             <a:fld id="{08AE2C8F-80C9-49EC-8D3E-1E16295FA588}" type="datetimeFigureOut">
               <a:rPr lang="en-US" smtClean="0"/>
               <a:pPr/>
-              <a:t>1/27/2012</a:t>
+              <a:t>11/3/2012</a:t>
             </a:fld>
             <a:endParaRPr lang="en-US"/>
           </a:p>
@@ -369,7 +369,7 @@
     </p:spTree>
     <p:extLst>
       <p:ext uri="{BB962C8B-B14F-4D97-AF65-F5344CB8AC3E}">
-        <p14:creationId xmlns:p14="http://schemas.microsoft.com/office/powerpoint/2010/main" xmlns="" val="1721994723"/>
+        <p14:creationId xmlns:p14="http://schemas.microsoft.com/office/powerpoint/2010/main" val="1721994723"/>
       </p:ext>
     </p:extLst>
   </p:cSld>
@@ -702,7 +702,7 @@
     </p:spTree>
     <p:extLst>
       <p:ext uri="{BB962C8B-B14F-4D97-AF65-F5344CB8AC3E}">
-        <p14:creationId xmlns:p14="http://schemas.microsoft.com/office/powerpoint/2010/main" xmlns="" val="3892539312"/>
+        <p14:creationId xmlns:p14="http://schemas.microsoft.com/office/powerpoint/2010/main" val="3892539312"/>
       </p:ext>
     </p:extLst>
   </p:cSld>
@@ -873,7 +873,7 @@
     </p:spTree>
     <p:extLst>
       <p:ext uri="{BB962C8B-B14F-4D97-AF65-F5344CB8AC3E}">
-        <p14:creationId xmlns:p14="http://schemas.microsoft.com/office/powerpoint/2010/main" xmlns="" val="3423903465"/>
+        <p14:creationId xmlns:p14="http://schemas.microsoft.com/office/powerpoint/2010/main" val="3423903465"/>
       </p:ext>
     </p:extLst>
   </p:cSld>
@@ -1054,7 +1054,7 @@
     </p:spTree>
     <p:extLst>
       <p:ext uri="{BB962C8B-B14F-4D97-AF65-F5344CB8AC3E}">
-        <p14:creationId xmlns:p14="http://schemas.microsoft.com/office/powerpoint/2010/main" xmlns="" val="1745478568"/>
+        <p14:creationId xmlns:p14="http://schemas.microsoft.com/office/powerpoint/2010/main" val="1745478568"/>
       </p:ext>
     </p:extLst>
   </p:cSld>
@@ -1212,7 +1212,7 @@
     </p:spTree>
     <p:extLst>
       <p:ext uri="{BB962C8B-B14F-4D97-AF65-F5344CB8AC3E}">
-        <p14:creationId xmlns:p14="http://schemas.microsoft.com/office/powerpoint/2010/main" xmlns="" val="3785962744"/>
+        <p14:creationId xmlns:p14="http://schemas.microsoft.com/office/powerpoint/2010/main" val="3785962744"/>
       </p:ext>
     </p:extLst>
   </p:cSld>
@@ -1459,7 +1459,7 @@
     </p:spTree>
     <p:extLst>
       <p:ext uri="{BB962C8B-B14F-4D97-AF65-F5344CB8AC3E}">
-        <p14:creationId xmlns:p14="http://schemas.microsoft.com/office/powerpoint/2010/main" xmlns="" val="1492444062"/>
+        <p14:creationId xmlns:p14="http://schemas.microsoft.com/office/powerpoint/2010/main" val="1492444062"/>
       </p:ext>
     </p:extLst>
   </p:cSld>
@@ -1748,7 +1748,7 @@
     </p:spTree>
     <p:extLst>
       <p:ext uri="{BB962C8B-B14F-4D97-AF65-F5344CB8AC3E}">
-        <p14:creationId xmlns:p14="http://schemas.microsoft.com/office/powerpoint/2010/main" xmlns="" val="4261488272"/>
+        <p14:creationId xmlns:p14="http://schemas.microsoft.com/office/powerpoint/2010/main" val="4261488272"/>
       </p:ext>
     </p:extLst>
   </p:cSld>
@@ -2171,7 +2171,7 @@
     </p:spTree>
     <p:extLst>
       <p:ext uri="{BB962C8B-B14F-4D97-AF65-F5344CB8AC3E}">
-        <p14:creationId xmlns:p14="http://schemas.microsoft.com/office/powerpoint/2010/main" xmlns="" val="1796189605"/>
+        <p14:creationId xmlns:p14="http://schemas.microsoft.com/office/powerpoint/2010/main" val="1796189605"/>
       </p:ext>
     </p:extLst>
   </p:cSld>
@@ -2290,7 +2290,7 @@
     </p:spTree>
     <p:extLst>
       <p:ext uri="{BB962C8B-B14F-4D97-AF65-F5344CB8AC3E}">
-        <p14:creationId xmlns:p14="http://schemas.microsoft.com/office/powerpoint/2010/main" xmlns="" val="2010297597"/>
+        <p14:creationId xmlns:p14="http://schemas.microsoft.com/office/powerpoint/2010/main" val="2010297597"/>
       </p:ext>
     </p:extLst>
   </p:cSld>
@@ -2386,7 +2386,7 @@
     </p:spTree>
     <p:extLst>
       <p:ext uri="{BB962C8B-B14F-4D97-AF65-F5344CB8AC3E}">
-        <p14:creationId xmlns:p14="http://schemas.microsoft.com/office/powerpoint/2010/main" xmlns="" val="2172930321"/>
+        <p14:creationId xmlns:p14="http://schemas.microsoft.com/office/powerpoint/2010/main" val="2172930321"/>
       </p:ext>
     </p:extLst>
   </p:cSld>
@@ -2664,7 +2664,7 @@
     </p:spTree>
     <p:extLst>
       <p:ext uri="{BB962C8B-B14F-4D97-AF65-F5344CB8AC3E}">
-        <p14:creationId xmlns:p14="http://schemas.microsoft.com/office/powerpoint/2010/main" xmlns="" val="1511297989"/>
+        <p14:creationId xmlns:p14="http://schemas.microsoft.com/office/powerpoint/2010/main" val="1511297989"/>
       </p:ext>
     </p:extLst>
   </p:cSld>
@@ -2918,7 +2918,7 @@
     </p:spTree>
     <p:extLst>
       <p:ext uri="{BB962C8B-B14F-4D97-AF65-F5344CB8AC3E}">
-        <p14:creationId xmlns:p14="http://schemas.microsoft.com/office/powerpoint/2010/main" xmlns="" val="1927584635"/>
+        <p14:creationId xmlns:p14="http://schemas.microsoft.com/office/powerpoint/2010/main" val="1927584635"/>
       </p:ext>
     </p:extLst>
   </p:cSld>
@@ -3168,7 +3168,7 @@
     </p:spTree>
     <p:extLst>
       <p:ext uri="{BB962C8B-B14F-4D97-AF65-F5344CB8AC3E}">
-        <p14:creationId xmlns:p14="http://schemas.microsoft.com/office/powerpoint/2010/main" xmlns="" val="2161496115"/>
+        <p14:creationId xmlns:p14="http://schemas.microsoft.com/office/powerpoint/2010/main" val="2161496115"/>
       </p:ext>
     </p:extLst>
   </p:cSld>
@@ -3512,8 +3512,8 @@
         </p:nvSpPr>
         <p:spPr>
           <a:xfrm>
-            <a:off x="1371600" y="4800600"/>
-            <a:ext cx="6400800" cy="1066800"/>
+            <a:off x="533400" y="4800600"/>
+            <a:ext cx="8077200" cy="1066800"/>
           </a:xfrm>
         </p:spPr>
         <p:txBody>
@@ -3538,8 +3538,8 @@
               <a:defRPr/>
             </a:pPr>
             <a:r>
-              <a:rPr lang="en-US" sz="2000" dirty="0" smtClean="0"/>
-              <a:t>Author: Tamas Ungi, Andras Lasso</a:t>
+              <a:rPr lang="en-US" sz="2000" dirty="0"/>
+              <a:t>Source: doc\tutorials\PlusTutorialfCalCalibrationProcess.pptx </a:t>
             </a:r>
           </a:p>
         </p:txBody>
@@ -3547,7 +3547,7 @@
     </p:spTree>
     <p:extLst>
       <p:ext uri="{BB962C8B-B14F-4D97-AF65-F5344CB8AC3E}">
-        <p14:creationId xmlns:p14="http://schemas.microsoft.com/office/powerpoint/2010/main" xmlns="" val="69688651"/>
+        <p14:creationId xmlns:p14="http://schemas.microsoft.com/office/powerpoint/2010/main" val="69688651"/>
       </p:ext>
     </p:extLst>
   </p:cSld>
@@ -3646,17 +3646,19 @@
           <a:p>
             <a:r>
               <a:rPr lang="en-CA" dirty="0" smtClean="0"/>
-              <a:t>N-wires are attached to a precisely manufactured calibration phantom (see image below) – see </a:t>
-            </a:r>
-            <a:r>
-              <a:rPr lang="en-CA" dirty="0" smtClean="0">
-                <a:hlinkClick r:id="rId2"/>
-              </a:rPr>
-              <a:t>phantom building tutorial </a:t>
+              <a:t>N-wires are attached to a precisely manufactured calibration phantom (see image below) – see phantom building tutorial </a:t>
+            </a:r>
+            <a:r>
+              <a:rPr lang="en-CA" dirty="0"/>
+              <a:t>(PlusTutorialBuildingfCalPhantom.pptx </a:t>
             </a:r>
             <a:r>
               <a:rPr lang="en-CA" dirty="0" smtClean="0"/>
-              <a:t>for instructions for building a phantom</a:t>
+              <a:t>) for phantom building </a:t>
+            </a:r>
+            <a:r>
+              <a:rPr lang="en-CA" dirty="0" smtClean="0"/>
+              <a:t>instructions.</a:t>
             </a:r>
             <a:endParaRPr lang="en-CA" dirty="0"/>
           </a:p>
@@ -3671,10 +3673,10 @@
           <p:nvPr/>
         </p:nvPicPr>
         <p:blipFill rotWithShape="1">
-          <a:blip r:embed="rId3" cstate="print">
+          <a:blip r:embed="rId2" cstate="print">
             <a:extLst>
               <a:ext uri="{28A0092B-C50C-407E-A947-70E740481C1C}">
-                <a14:useLocalDpi xmlns:a14="http://schemas.microsoft.com/office/drawing/2010/main" xmlns="" val="0"/>
+                <a14:useLocalDpi xmlns:a14="http://schemas.microsoft.com/office/drawing/2010/main" val="0"/>
               </a:ext>
             </a:extLst>
           </a:blip>
@@ -3683,8 +3685,8 @@
         </p:blipFill>
         <p:spPr bwMode="auto">
           <a:xfrm>
-            <a:off x="1219200" y="3581400"/>
-            <a:ext cx="6772478" cy="2851485"/>
+            <a:off x="1667078" y="3886200"/>
+            <a:ext cx="5876722" cy="2474334"/>
           </a:xfrm>
           <a:prstGeom prst="rect">
             <a:avLst/>
@@ -3696,14 +3698,14 @@
           <a:effectLst/>
           <a:extLst>
             <a:ext uri="{909E8E84-426E-40DD-AFC4-6F175D3DCCD1}">
-              <a14:hiddenFill xmlns:a14="http://schemas.microsoft.com/office/drawing/2010/main" xmlns="">
+              <a14:hiddenFill xmlns:a14="http://schemas.microsoft.com/office/drawing/2010/main">
                 <a:solidFill>
                   <a:schemeClr val="accent1"/>
                 </a:solidFill>
               </a14:hiddenFill>
             </a:ext>
             <a:ext uri="{91240B29-F687-4F45-9708-019B960494DF}">
-              <a14:hiddenLine xmlns:a14="http://schemas.microsoft.com/office/drawing/2010/main" xmlns="" w="9525">
+              <a14:hiddenLine xmlns:a14="http://schemas.microsoft.com/office/drawing/2010/main" w="9525">
                 <a:solidFill>
                   <a:schemeClr val="tx1"/>
                 </a:solidFill>
@@ -3713,7 +3715,7 @@
               </a14:hiddenLine>
             </a:ext>
             <a:ext uri="{AF507438-7753-43E0-B8FC-AC1667EBCBE1}">
-              <a14:hiddenEffects xmlns:a14="http://schemas.microsoft.com/office/drawing/2010/main" xmlns="">
+              <a14:hiddenEffects xmlns:a14="http://schemas.microsoft.com/office/drawing/2010/main">
                 <a:effectLst>
                   <a:outerShdw dist="35921" dir="2700000" algn="ctr" rotWithShape="0">
                     <a:schemeClr val="bg2"/>
@@ -3752,7 +3754,7 @@
     </p:spTree>
     <p:extLst>
       <p:ext uri="{BB962C8B-B14F-4D97-AF65-F5344CB8AC3E}">
-        <p14:creationId xmlns:p14="http://schemas.microsoft.com/office/powerpoint/2010/main" xmlns="" val="2239487779"/>
+        <p14:creationId xmlns:p14="http://schemas.microsoft.com/office/powerpoint/2010/main" val="2239487779"/>
       </p:ext>
     </p:extLst>
   </p:cSld>
@@ -3903,7 +3905,7 @@
     </p:spTree>
     <p:extLst>
       <p:ext uri="{BB962C8B-B14F-4D97-AF65-F5344CB8AC3E}">
-        <p14:creationId xmlns:p14="http://schemas.microsoft.com/office/powerpoint/2010/main" xmlns="" val="2239487779"/>
+        <p14:creationId xmlns:p14="http://schemas.microsoft.com/office/powerpoint/2010/main" val="2239487779"/>
       </p:ext>
     </p:extLst>
   </p:cSld>
@@ -4053,7 +4055,7 @@
           <a:blip r:embed="rId2" cstate="print">
             <a:extLst>
               <a:ext uri="{BEBA8EAE-BF5A-486C-A8C5-ECC9F3942E4B}">
-                <a14:imgProps xmlns:a14="http://schemas.microsoft.com/office/drawing/2010/main" xmlns="">
+                <a14:imgProps xmlns:a14="http://schemas.microsoft.com/office/drawing/2010/main">
                   <a14:imgLayer r:embed="rId3">
                     <a14:imgEffect>
                       <a14:brightnessContrast bright="40000" contrast="-20000"/>
@@ -4062,7 +4064,7 @@
                 </a14:imgProps>
               </a:ext>
               <a:ext uri="{28A0092B-C50C-407E-A947-70E740481C1C}">
-                <a14:useLocalDpi xmlns:a14="http://schemas.microsoft.com/office/drawing/2010/main" xmlns="" val="0"/>
+                <a14:useLocalDpi xmlns:a14="http://schemas.microsoft.com/office/drawing/2010/main" val="0"/>
               </a:ext>
             </a:extLst>
           </a:blip>
@@ -4092,7 +4094,7 @@
           <a:blip r:embed="rId4" cstate="print">
             <a:extLst>
               <a:ext uri="{28A0092B-C50C-407E-A947-70E740481C1C}">
-                <a14:useLocalDpi xmlns:a14="http://schemas.microsoft.com/office/drawing/2010/main" xmlns="" val="0"/>
+                <a14:useLocalDpi xmlns:a14="http://schemas.microsoft.com/office/drawing/2010/main" val="0"/>
               </a:ext>
             </a:extLst>
           </a:blip>
@@ -4138,7 +4140,7 @@
     </p:spTree>
     <p:extLst>
       <p:ext uri="{BB962C8B-B14F-4D97-AF65-F5344CB8AC3E}">
-        <p14:creationId xmlns:p14="http://schemas.microsoft.com/office/powerpoint/2010/main" xmlns="" val="1352437256"/>
+        <p14:creationId xmlns:p14="http://schemas.microsoft.com/office/powerpoint/2010/main" val="1352437256"/>
       </p:ext>
     </p:extLst>
   </p:cSld>
@@ -4292,7 +4294,7 @@
     </p:spTree>
     <p:extLst>
       <p:ext uri="{BB962C8B-B14F-4D97-AF65-F5344CB8AC3E}">
-        <p14:creationId xmlns:p14="http://schemas.microsoft.com/office/powerpoint/2010/main" xmlns="" val="1352437256"/>
+        <p14:creationId xmlns:p14="http://schemas.microsoft.com/office/powerpoint/2010/main" val="1352437256"/>
       </p:ext>
     </p:extLst>
   </p:cSld>
@@ -4405,7 +4407,7 @@
           <a:blip r:embed="rId2" cstate="print">
             <a:extLst>
               <a:ext uri="{BEBA8EAE-BF5A-486C-A8C5-ECC9F3942E4B}">
-                <a14:imgProps xmlns:a14="http://schemas.microsoft.com/office/drawing/2010/main" xmlns="">
+                <a14:imgProps xmlns:a14="http://schemas.microsoft.com/office/drawing/2010/main">
                   <a14:imgLayer r:embed="rId3">
                     <a14:imgEffect>
                       <a14:brightnessContrast bright="20000" contrast="-20000"/>
@@ -4414,7 +4416,7 @@
                 </a14:imgProps>
               </a:ext>
               <a:ext uri="{28A0092B-C50C-407E-A947-70E740481C1C}">
-                <a14:useLocalDpi xmlns:a14="http://schemas.microsoft.com/office/drawing/2010/main" xmlns="" val="0"/>
+                <a14:useLocalDpi xmlns:a14="http://schemas.microsoft.com/office/drawing/2010/main" val="0"/>
               </a:ext>
             </a:extLst>
           </a:blip>
@@ -4460,7 +4462,7 @@
     </p:spTree>
     <p:extLst>
       <p:ext uri="{BB962C8B-B14F-4D97-AF65-F5344CB8AC3E}">
-        <p14:creationId xmlns:p14="http://schemas.microsoft.com/office/powerpoint/2010/main" xmlns="" val="1962539014"/>
+        <p14:creationId xmlns:p14="http://schemas.microsoft.com/office/powerpoint/2010/main" val="1962539014"/>
       </p:ext>
     </p:extLst>
   </p:cSld>
@@ -4569,7 +4571,7 @@
           <a:blip r:embed="rId2" cstate="print">
             <a:extLst>
               <a:ext uri="{28A0092B-C50C-407E-A947-70E740481C1C}">
-                <a14:useLocalDpi xmlns:a14="http://schemas.microsoft.com/office/drawing/2010/main" xmlns="" val="0"/>
+                <a14:useLocalDpi xmlns:a14="http://schemas.microsoft.com/office/drawing/2010/main" val="0"/>
               </a:ext>
             </a:extLst>
           </a:blip>
@@ -4615,7 +4617,7 @@
     </p:spTree>
     <p:extLst>
       <p:ext uri="{BB962C8B-B14F-4D97-AF65-F5344CB8AC3E}">
-        <p14:creationId xmlns:p14="http://schemas.microsoft.com/office/powerpoint/2010/main" xmlns="" val="3455682234"/>
+        <p14:creationId xmlns:p14="http://schemas.microsoft.com/office/powerpoint/2010/main" val="3455682234"/>
       </p:ext>
     </p:extLst>
   </p:cSld>
@@ -4711,7 +4713,7 @@
           <a:blip r:embed="rId2" cstate="print">
             <a:extLst>
               <a:ext uri="{BEBA8EAE-BF5A-486C-A8C5-ECC9F3942E4B}">
-                <a14:imgProps xmlns:a14="http://schemas.microsoft.com/office/drawing/2010/main" xmlns="">
+                <a14:imgProps xmlns:a14="http://schemas.microsoft.com/office/drawing/2010/main">
                   <a14:imgLayer r:embed="rId3">
                     <a14:imgEffect>
                       <a14:brightnessContrast bright="20000" contrast="-20000"/>
@@ -4720,7 +4722,7 @@
                 </a14:imgProps>
               </a:ext>
               <a:ext uri="{28A0092B-C50C-407E-A947-70E740481C1C}">
-                <a14:useLocalDpi xmlns:a14="http://schemas.microsoft.com/office/drawing/2010/main" xmlns="" val="0"/>
+                <a14:useLocalDpi xmlns:a14="http://schemas.microsoft.com/office/drawing/2010/main" val="0"/>
               </a:ext>
             </a:extLst>
           </a:blip>
@@ -4754,7 +4756,7 @@
           <a:blip r:embed="rId4" cstate="print">
             <a:extLst>
               <a:ext uri="{28A0092B-C50C-407E-A947-70E740481C1C}">
-                <a14:useLocalDpi xmlns:a14="http://schemas.microsoft.com/office/drawing/2010/main" xmlns="" val="0"/>
+                <a14:useLocalDpi xmlns:a14="http://schemas.microsoft.com/office/drawing/2010/main" val="0"/>
               </a:ext>
             </a:extLst>
           </a:blip>
@@ -4842,7 +4844,7 @@
         </p:spPr>
         <p:txBody>
           <a:bodyPr vert="horz" lIns="91440" tIns="45720" rIns="91440" bIns="45720" rtlCol="0">
-            <a:normAutofit fontScale="92500" lnSpcReduction="10000"/>
+            <a:normAutofit fontScale="85000" lnSpcReduction="20000"/>
           </a:bodyPr>
           <a:lstStyle/>
           <a:p>
@@ -4986,8 +4988,56 @@
                 <a:ea typeface="+mn-ea"/>
                 <a:cs typeface="+mn-cs"/>
               </a:rPr>
-              <a:t>Use all degrees of freedom.</a:t>
-            </a:r>
+              <a:t>Keep the transducer</a:t>
+            </a:r>
+            <a:r>
+              <a:rPr kumimoji="0" lang="en-US" sz="2400" b="0" i="0" u="none" strike="noStrike" kern="1200" cap="none" spc="0" normalizeH="0" noProof="0" dirty="0" smtClean="0">
+                <a:ln>
+                  <a:noFill/>
+                </a:ln>
+                <a:solidFill>
+                  <a:schemeClr val="tx1"/>
+                </a:solidFill>
+                <a:effectLst/>
+                <a:uLnTx/>
+                <a:uFillTx/>
+                <a:latin typeface="+mn-lt"/>
+                <a:ea typeface="+mn-ea"/>
+                <a:cs typeface="+mn-cs"/>
+              </a:rPr>
+              <a:t> orthogonal to the wires to have optimal image quality</a:t>
+            </a:r>
+            <a:r>
+              <a:rPr kumimoji="0" lang="en-US" sz="2400" b="0" i="0" u="none" strike="noStrike" kern="1200" cap="none" spc="0" normalizeH="0" baseline="0" noProof="0" dirty="0" smtClean="0">
+                <a:ln>
+                  <a:noFill/>
+                </a:ln>
+                <a:solidFill>
+                  <a:schemeClr val="tx1"/>
+                </a:solidFill>
+                <a:effectLst/>
+                <a:uLnTx/>
+                <a:uFillTx/>
+                <a:latin typeface="+mn-lt"/>
+                <a:ea typeface="+mn-ea"/>
+                <a:cs typeface="+mn-cs"/>
+              </a:rPr>
+              <a:t>.</a:t>
+            </a:r>
+            <a:endParaRPr kumimoji="0" lang="en-US" sz="2400" b="0" i="0" u="none" strike="noStrike" kern="1200" cap="none" spc="0" normalizeH="0" baseline="0" noProof="0" dirty="0" smtClean="0">
+              <a:ln>
+                <a:noFill/>
+              </a:ln>
+              <a:solidFill>
+                <a:schemeClr val="tx1"/>
+              </a:solidFill>
+              <a:effectLst/>
+              <a:uLnTx/>
+              <a:uFillTx/>
+              <a:latin typeface="+mn-lt"/>
+              <a:ea typeface="+mn-ea"/>
+              <a:cs typeface="+mn-cs"/>
+            </a:endParaRPr>
           </a:p>
         </p:txBody>
       </p:sp>
@@ -5250,7 +5300,7 @@
     </p:spTree>
     <p:extLst>
       <p:ext uri="{BB962C8B-B14F-4D97-AF65-F5344CB8AC3E}">
-        <p14:creationId xmlns:p14="http://schemas.microsoft.com/office/powerpoint/2010/main" xmlns="" val="192657947"/>
+        <p14:creationId xmlns:p14="http://schemas.microsoft.com/office/powerpoint/2010/main" val="192657947"/>
       </p:ext>
     </p:extLst>
   </p:cSld>

--- a/tutorials/PlusTutorialfCalCalibrationProcess.pptx
+++ b/tutorials/PlusTutorialfCalCalibrationProcess.pptx
@@ -3537,10 +3537,35 @@
             <a:pPr>
               <a:defRPr/>
             </a:pPr>
-            <a:r>
-              <a:rPr lang="en-US" sz="2000" dirty="0"/>
-              <a:t>Source: doc\tutorials\PlusTutorialfCalCalibrationProcess.pptx </a:t>
-            </a:r>
+            <a:endParaRPr lang="en-US" sz="1800" dirty="0" smtClean="0"/>
+          </a:p>
+          <a:p>
+            <a:pPr>
+              <a:defRPr/>
+            </a:pPr>
+            <a:r>
+              <a:rPr lang="en-US" sz="1300" dirty="0"/>
+              <a:t>Source: </a:t>
+            </a:r>
+            <a:r>
+              <a:rPr lang="en-US" sz="1300" dirty="0">
+                <a:hlinkClick r:id="rId3"/>
+              </a:rPr>
+              <a:t>https://</a:t>
+            </a:r>
+            <a:r>
+              <a:rPr lang="en-US" sz="1300" dirty="0" smtClean="0">
+                <a:hlinkClick r:id="rId3"/>
+              </a:rPr>
+              <a:t>subversion.assembla.com/svn/plus/trunk/doc/tutorials/PlusTutorialfCalCalibrationProcess.pptx</a:t>
+            </a:r>
+            <a:endParaRPr lang="en-US" sz="1300" dirty="0" smtClean="0"/>
+          </a:p>
+          <a:p>
+            <a:pPr>
+              <a:defRPr/>
+            </a:pPr>
+            <a:endParaRPr lang="en-US" sz="2000" dirty="0"/>
           </a:p>
         </p:txBody>
       </p:sp>
@@ -3654,11 +3679,7 @@
             </a:r>
             <a:r>
               <a:rPr lang="en-CA" dirty="0" smtClean="0"/>
-              <a:t>) for phantom building </a:t>
-            </a:r>
-            <a:r>
-              <a:rPr lang="en-CA" dirty="0" smtClean="0"/>
-              <a:t>instructions.</a:t>
+              <a:t>) for phantom building instructions.</a:t>
             </a:r>
             <a:endParaRPr lang="en-CA" dirty="0"/>
           </a:p>
@@ -3830,18 +3851,24 @@
               <a:buNone/>
             </a:pPr>
             <a:r>
-              <a:rPr lang="en-CA" sz="1600" dirty="0" smtClean="0">
+              <a:rPr lang="en-CA" sz="1100" dirty="0">
                 <a:hlinkClick r:id="rId2"/>
               </a:rPr>
-              <a:t>https://www.assembla.com/code/plus/subversion/nodes/trunk/PlusLib/docs/fCAL/CoordinateSystems/FreehandCalibration_CoordinateRepresentation.png</a:t>
-            </a:r>
+              <a:t>https://</a:t>
+            </a:r>
+            <a:r>
+              <a:rPr lang="en-CA" sz="1100" dirty="0" smtClean="0">
+                <a:hlinkClick r:id="rId2"/>
+              </a:rPr>
+              <a:t>subversion.assembla.com/svn/plus/trunk/doc/specifications/CoordinateSystems/FreehandCalibration_CoordinateRepresentation.png</a:t>
+            </a:r>
+            <a:endParaRPr lang="en-CA" sz="1100" dirty="0"/>
+          </a:p>
+          <a:p>
+            <a:pPr>
+              <a:buNone/>
+            </a:pPr>
             <a:endParaRPr lang="en-CA" sz="1600" dirty="0" smtClean="0"/>
-          </a:p>
-          <a:p>
-            <a:pPr>
-              <a:buNone/>
-            </a:pPr>
-            <a:endParaRPr lang="en-CA" sz="1600" dirty="0"/>
           </a:p>
         </p:txBody>
       </p:sp>
@@ -5024,20 +5051,6 @@
               </a:rPr>
               <a:t>.</a:t>
             </a:r>
-            <a:endParaRPr kumimoji="0" lang="en-US" sz="2400" b="0" i="0" u="none" strike="noStrike" kern="1200" cap="none" spc="0" normalizeH="0" baseline="0" noProof="0" dirty="0" smtClean="0">
-              <a:ln>
-                <a:noFill/>
-              </a:ln>
-              <a:solidFill>
-                <a:schemeClr val="tx1"/>
-              </a:solidFill>
-              <a:effectLst/>
-              <a:uLnTx/>
-              <a:uFillTx/>
-              <a:latin typeface="+mn-lt"/>
-              <a:ea typeface="+mn-ea"/>
-              <a:cs typeface="+mn-cs"/>
-            </a:endParaRPr>
           </a:p>
         </p:txBody>
       </p:sp>

--- a/tutorials/PlusTutorialfCalCalibrationProcess.pptx
+++ b/tutorials/PlusTutorialfCalCalibrationProcess.pptx
@@ -5,7 +5,7 @@
     <p:sldMasterId id="2147483648" r:id="rId1"/>
   </p:sldMasterIdLst>
   <p:notesMasterIdLst>
-    <p:notesMasterId r:id="rId10"/>
+    <p:notesMasterId r:id="rId17"/>
   </p:notesMasterIdLst>
   <p:sldIdLst>
     <p:sldId id="263" r:id="rId2"/>
@@ -13,9 +13,16 @@
     <p:sldId id="264" r:id="rId4"/>
     <p:sldId id="259" r:id="rId5"/>
     <p:sldId id="265" r:id="rId6"/>
-    <p:sldId id="258" r:id="rId7"/>
-    <p:sldId id="260" r:id="rId8"/>
-    <p:sldId id="261" r:id="rId9"/>
+    <p:sldId id="272" r:id="rId7"/>
+    <p:sldId id="267" r:id="rId8"/>
+    <p:sldId id="266" r:id="rId9"/>
+    <p:sldId id="268" r:id="rId10"/>
+    <p:sldId id="269" r:id="rId11"/>
+    <p:sldId id="270" r:id="rId12"/>
+    <p:sldId id="271" r:id="rId13"/>
+    <p:sldId id="273" r:id="rId14"/>
+    <p:sldId id="275" r:id="rId15"/>
+    <p:sldId id="274" r:id="rId16"/>
   </p:sldIdLst>
   <p:sldSz cx="9144000" cy="6858000" type="screen4x3"/>
   <p:notesSz cx="6858000" cy="9144000"/>
@@ -200,7 +207,7 @@
             <a:fld id="{08AE2C8F-80C9-49EC-8D3E-1E16295FA588}" type="datetimeFigureOut">
               <a:rPr lang="en-US" smtClean="0"/>
               <a:pPr/>
-              <a:t>11/3/2012</a:t>
+              <a:t>1/23/2013</a:t>
             </a:fld>
             <a:endParaRPr lang="en-US"/>
           </a:p>
@@ -3512,13 +3519,13 @@
         </p:nvSpPr>
         <p:spPr>
           <a:xfrm>
-            <a:off x="533400" y="4800600"/>
-            <a:ext cx="8077200" cy="1066800"/>
+            <a:off x="1371600" y="4800600"/>
+            <a:ext cx="6400800" cy="1066800"/>
           </a:xfrm>
         </p:spPr>
         <p:txBody>
           <a:bodyPr>
-            <a:normAutofit/>
+            <a:normAutofit lnSpcReduction="10000"/>
           </a:bodyPr>
           <a:lstStyle/>
           <a:p>
@@ -3537,35 +3544,35 @@
             <a:pPr>
               <a:defRPr/>
             </a:pPr>
-            <a:endParaRPr lang="en-US" sz="1800" dirty="0" smtClean="0"/>
+            <a:r>
+              <a:rPr lang="en-US" sz="2000" dirty="0" smtClean="0"/>
+              <a:t>Last Updated:  12/06/2012</a:t>
+            </a:r>
           </a:p>
           <a:p>
             <a:pPr>
               <a:defRPr/>
             </a:pPr>
             <a:r>
-              <a:rPr lang="en-US" sz="1300" dirty="0"/>
-              <a:t>Source: </a:t>
-            </a:r>
-            <a:r>
-              <a:rPr lang="en-US" sz="1300" dirty="0">
-                <a:hlinkClick r:id="rId3"/>
-              </a:rPr>
-              <a:t>https://</a:t>
-            </a:r>
-            <a:r>
-              <a:rPr lang="en-US" sz="1300" dirty="0" smtClean="0">
-                <a:hlinkClick r:id="rId3"/>
-              </a:rPr>
-              <a:t>subversion.assembla.com/svn/plus/trunk/doc/tutorials/PlusTutorialfCalCalibrationProcess.pptx</a:t>
-            </a:r>
-            <a:endParaRPr lang="en-US" sz="1300" dirty="0" smtClean="0"/>
-          </a:p>
-          <a:p>
-            <a:pPr>
-              <a:defRPr/>
-            </a:pPr>
-            <a:endParaRPr lang="en-US" sz="2000" dirty="0"/>
+              <a:rPr lang="en-US" sz="2000" dirty="0" smtClean="0"/>
+              <a:t>By </a:t>
+            </a:r>
+            <a:r>
+              <a:rPr lang="en-US" sz="2000" dirty="0" err="1" smtClean="0"/>
+              <a:t>Paweena</a:t>
+            </a:r>
+            <a:r>
+              <a:rPr lang="en-US" sz="2000" dirty="0" smtClean="0"/>
+              <a:t> U-</a:t>
+            </a:r>
+            <a:r>
+              <a:rPr lang="en-US" sz="2000" dirty="0" err="1" smtClean="0"/>
+              <a:t>Thainual</a:t>
+            </a:r>
+            <a:r>
+              <a:rPr lang="en-US" sz="2000" dirty="0" smtClean="0"/>
+              <a:t> (Sue Sue)</a:t>
+            </a:r>
           </a:p>
         </p:txBody>
       </p:sp>
@@ -3589,6 +3596,5153 @@
 </p:sld>
 </file>
 
+<file path=ppt/slides/slide10.xml><?xml version="1.0" encoding="utf-8"?>
+<p:sld xmlns:a="http://schemas.openxmlformats.org/drawingml/2006/main" xmlns:r="http://schemas.openxmlformats.org/officeDocument/2006/relationships" xmlns:p="http://schemas.openxmlformats.org/presentationml/2006/main">
+  <p:cSld>
+    <p:spTree>
+      <p:nvGrpSpPr>
+        <p:cNvPr id="1" name=""/>
+        <p:cNvGrpSpPr/>
+        <p:nvPr/>
+      </p:nvGrpSpPr>
+      <p:grpSpPr>
+        <a:xfrm>
+          <a:off x="0" y="0"/>
+          <a:ext cx="0" cy="0"/>
+          <a:chOff x="0" y="0"/>
+          <a:chExt cx="0" cy="0"/>
+        </a:xfrm>
+      </p:grpSpPr>
+      <p:sp>
+        <p:nvSpPr>
+          <p:cNvPr id="2" name="Title 1"/>
+          <p:cNvSpPr>
+            <a:spLocks noGrp="1"/>
+          </p:cNvSpPr>
+          <p:nvPr>
+            <p:ph type="title"/>
+          </p:nvPr>
+        </p:nvSpPr>
+        <p:spPr/>
+        <p:txBody>
+          <a:bodyPr/>
+          <a:lstStyle/>
+          <a:p>
+            <a:r>
+              <a:rPr lang="en-US" dirty="0" smtClean="0"/>
+              <a:t>Temporal calibration</a:t>
+            </a:r>
+            <a:endParaRPr lang="en-US" dirty="0"/>
+          </a:p>
+        </p:txBody>
+      </p:sp>
+      <p:sp>
+        <p:nvSpPr>
+          <p:cNvPr id="4" name="Footer Placeholder 3"/>
+          <p:cNvSpPr>
+            <a:spLocks noGrp="1"/>
+          </p:cNvSpPr>
+          <p:nvPr>
+            <p:ph type="ftr" sz="quarter" idx="11"/>
+          </p:nvPr>
+        </p:nvSpPr>
+        <p:spPr/>
+        <p:txBody>
+          <a:bodyPr/>
+          <a:lstStyle/>
+          <a:p>
+            <a:r>
+              <a:rPr lang="en-US" dirty="0" smtClean="0"/>
+              <a:t>Laboratory for Percutaneous Surgery (The Perk Lab) – Copyright © Queen’s University, 2012</a:t>
+            </a:r>
+          </a:p>
+          <a:p>
+            <a:endParaRPr lang="en-US" dirty="0"/>
+          </a:p>
+        </p:txBody>
+      </p:sp>
+      <p:pic>
+        <p:nvPicPr>
+          <p:cNvPr id="6149" name="Picture 5" descr="S:\data\Sue\SueSue\UserGuideCapture\11-13-2012 3-01-54 PMs.tif"/>
+          <p:cNvPicPr>
+            <a:picLocks noChangeAspect="1" noChangeArrowheads="1"/>
+          </p:cNvPicPr>
+          <p:nvPr/>
+        </p:nvPicPr>
+        <p:blipFill>
+          <a:blip r:embed="rId2">
+            <a:extLst>
+              <a:ext uri="{28A0092B-C50C-407E-A947-70E740481C1C}">
+                <a14:useLocalDpi xmlns:a14="http://schemas.microsoft.com/office/drawing/2010/main" val="0"/>
+              </a:ext>
+            </a:extLst>
+          </a:blip>
+          <a:srcRect/>
+          <a:stretch>
+            <a:fillRect/>
+          </a:stretch>
+        </p:blipFill>
+        <p:spPr bwMode="auto">
+          <a:xfrm>
+            <a:off x="4648200" y="1247775"/>
+            <a:ext cx="4271367" cy="3200400"/>
+          </a:xfrm>
+          <a:prstGeom prst="rect">
+            <a:avLst/>
+          </a:prstGeom>
+          <a:noFill/>
+          <a:extLst>
+            <a:ext uri="{909E8E84-426E-40DD-AFC4-6F175D3DCCD1}">
+              <a14:hiddenFill xmlns:a14="http://schemas.microsoft.com/office/drawing/2010/main">
+                <a:solidFill>
+                  <a:srgbClr val="FFFFFF"/>
+                </a:solidFill>
+              </a14:hiddenFill>
+            </a:ext>
+          </a:extLst>
+        </p:spPr>
+      </p:pic>
+      <p:pic>
+        <p:nvPicPr>
+          <p:cNvPr id="6150" name="Picture 6" descr="S:\data\Sue\DSC01327s.jpg"/>
+          <p:cNvPicPr>
+            <a:picLocks noChangeAspect="1" noChangeArrowheads="1"/>
+          </p:cNvPicPr>
+          <p:nvPr/>
+        </p:nvPicPr>
+        <p:blipFill>
+          <a:blip r:embed="rId3">
+            <a:extLst>
+              <a:ext uri="{28A0092B-C50C-407E-A947-70E740481C1C}">
+                <a14:useLocalDpi xmlns:a14="http://schemas.microsoft.com/office/drawing/2010/main" val="0"/>
+              </a:ext>
+            </a:extLst>
+          </a:blip>
+          <a:srcRect/>
+          <a:stretch>
+            <a:fillRect/>
+          </a:stretch>
+        </p:blipFill>
+        <p:spPr bwMode="auto">
+          <a:xfrm>
+            <a:off x="304800" y="1228725"/>
+            <a:ext cx="4267200" cy="3200400"/>
+          </a:xfrm>
+          <a:prstGeom prst="rect">
+            <a:avLst/>
+          </a:prstGeom>
+          <a:noFill/>
+          <a:extLst>
+            <a:ext uri="{909E8E84-426E-40DD-AFC4-6F175D3DCCD1}">
+              <a14:hiddenFill xmlns:a14="http://schemas.microsoft.com/office/drawing/2010/main">
+                <a:solidFill>
+                  <a:srgbClr val="FFFFFF"/>
+                </a:solidFill>
+              </a14:hiddenFill>
+            </a:ext>
+          </a:extLst>
+        </p:spPr>
+      </p:pic>
+      <p:sp>
+        <p:nvSpPr>
+          <p:cNvPr id="34" name="Content Placeholder 2"/>
+          <p:cNvSpPr txBox="1">
+            <a:spLocks/>
+          </p:cNvSpPr>
+          <p:nvPr/>
+        </p:nvSpPr>
+        <p:spPr>
+          <a:xfrm>
+            <a:off x="381000" y="4648200"/>
+            <a:ext cx="8458201" cy="1600200"/>
+          </a:xfrm>
+          <a:prstGeom prst="rect">
+            <a:avLst/>
+          </a:prstGeom>
+          <a:ln w="38100">
+            <a:solidFill>
+              <a:srgbClr val="FF0000"/>
+            </a:solidFill>
+          </a:ln>
+        </p:spPr>
+        <p:txBody>
+          <a:bodyPr vert="horz" lIns="91440" tIns="45720" rIns="91440" bIns="45720" rtlCol="0">
+            <a:normAutofit fontScale="92500" lnSpcReduction="10000"/>
+          </a:bodyPr>
+          <a:lstStyle/>
+          <a:p>
+            <a:pPr marL="342900" marR="0" lvl="0" indent="-342900" algn="l" defTabSz="914400" rtl="0" eaLnBrk="1" fontAlgn="auto" latinLnBrk="0" hangingPunct="1">
+              <a:lnSpc>
+                <a:spcPct val="100000"/>
+              </a:lnSpc>
+              <a:spcBef>
+                <a:spcPct val="20000"/>
+              </a:spcBef>
+              <a:spcAft>
+                <a:spcPts val="0"/>
+              </a:spcAft>
+              <a:buClrTx/>
+              <a:buSzTx/>
+              <a:buFont typeface="+mj-lt"/>
+              <a:buAutoNum type="arabicPeriod" startAt="11"/>
+              <a:tabLst/>
+              <a:defRPr/>
+            </a:pPr>
+            <a:r>
+              <a:rPr kumimoji="0" lang="en-US" b="0" i="0" u="none" strike="noStrike" kern="1200" cap="none" spc="0" normalizeH="0" baseline="0" noProof="0" dirty="0" smtClean="0">
+                <a:ln>
+                  <a:noFill/>
+                </a:ln>
+                <a:solidFill>
+                  <a:srgbClr val="00B0F0"/>
+                </a:solidFill>
+                <a:effectLst/>
+                <a:uLnTx/>
+                <a:uFillTx/>
+                <a:latin typeface="+mn-lt"/>
+                <a:ea typeface="+mn-ea"/>
+                <a:cs typeface="+mn-cs"/>
+              </a:rPr>
+              <a:t>Place transducer in a water tank</a:t>
+            </a:r>
+            <a:r>
+              <a:rPr lang="en-US" dirty="0">
+                <a:solidFill>
+                  <a:srgbClr val="00B0F0"/>
+                </a:solidFill>
+              </a:rPr>
+              <a:t> </a:t>
+            </a:r>
+            <a:r>
+              <a:rPr lang="en-US" dirty="0" smtClean="0">
+                <a:solidFill>
+                  <a:srgbClr val="00B0F0"/>
+                </a:solidFill>
+              </a:rPr>
+              <a:t>and slowly move the transducer up-down until a bright line appears on the screen. Check if the depth is set as desired (10 cm, 12 cm ,etc…)</a:t>
+            </a:r>
+            <a:endParaRPr kumimoji="0" lang="en-US" b="0" i="0" u="none" strike="noStrike" kern="1200" cap="none" spc="0" normalizeH="0" baseline="0" noProof="0" dirty="0" smtClean="0">
+              <a:ln>
+                <a:noFill/>
+              </a:ln>
+              <a:solidFill>
+                <a:srgbClr val="00B0F0"/>
+              </a:solidFill>
+              <a:effectLst/>
+              <a:uLnTx/>
+              <a:uFillTx/>
+            </a:endParaRPr>
+          </a:p>
+          <a:p>
+            <a:pPr marL="342900" marR="0" lvl="0" indent="-342900" algn="l" defTabSz="914400" rtl="0" eaLnBrk="1" fontAlgn="auto" latinLnBrk="0" hangingPunct="1">
+              <a:lnSpc>
+                <a:spcPct val="100000"/>
+              </a:lnSpc>
+              <a:spcBef>
+                <a:spcPct val="20000"/>
+              </a:spcBef>
+              <a:spcAft>
+                <a:spcPts val="0"/>
+              </a:spcAft>
+              <a:buClrTx/>
+              <a:buSzTx/>
+              <a:buFont typeface="+mj-lt"/>
+              <a:buAutoNum type="arabicPeriod" startAt="11"/>
+              <a:tabLst/>
+              <a:defRPr/>
+            </a:pPr>
+            <a:r>
+              <a:rPr kumimoji="0" lang="en-US" b="0" i="0" u="none" strike="noStrike" kern="1200" cap="none" spc="0" normalizeH="0" baseline="0" noProof="0" dirty="0" smtClean="0">
+                <a:ln>
+                  <a:noFill/>
+                </a:ln>
+                <a:solidFill>
+                  <a:srgbClr val="FF0000"/>
+                </a:solidFill>
+                <a:effectLst/>
+                <a:uLnTx/>
+                <a:uFillTx/>
+                <a:latin typeface="+mn-lt"/>
+                <a:ea typeface="+mn-ea"/>
+                <a:cs typeface="+mn-cs"/>
+              </a:rPr>
+              <a:t>Continue moving</a:t>
+            </a:r>
+            <a:r>
+              <a:rPr kumimoji="0" lang="en-US" b="0" i="0" u="none" strike="noStrike" kern="1200" cap="none" spc="0" normalizeH="0" noProof="0" dirty="0" smtClean="0">
+                <a:ln>
+                  <a:noFill/>
+                </a:ln>
+                <a:solidFill>
+                  <a:srgbClr val="FF0000"/>
+                </a:solidFill>
+                <a:effectLst/>
+                <a:uLnTx/>
+                <a:uFillTx/>
+                <a:latin typeface="+mn-lt"/>
+                <a:ea typeface="+mn-ea"/>
+                <a:cs typeface="+mn-cs"/>
+              </a:rPr>
+              <a:t> the transducer and then </a:t>
+            </a:r>
+            <a:r>
+              <a:rPr kumimoji="0" lang="en-US" b="0" i="0" u="none" strike="noStrike" kern="1200" cap="none" spc="0" normalizeH="0" baseline="0" noProof="0" dirty="0" smtClean="0">
+                <a:ln>
+                  <a:noFill/>
+                </a:ln>
+                <a:solidFill>
+                  <a:srgbClr val="FF0000"/>
+                </a:solidFill>
+                <a:effectLst/>
+                <a:uLnTx/>
+                <a:uFillTx/>
+                <a:latin typeface="+mn-lt"/>
+                <a:ea typeface="+mn-ea"/>
+                <a:cs typeface="+mn-cs"/>
+              </a:rPr>
+              <a:t>click “</a:t>
+            </a:r>
+            <a:r>
+              <a:rPr lang="en-US" dirty="0" smtClean="0">
+                <a:solidFill>
+                  <a:srgbClr val="FF0000"/>
+                </a:solidFill>
+              </a:rPr>
+              <a:t>Start” m</a:t>
+            </a:r>
+            <a:r>
+              <a:rPr kumimoji="0" lang="en-US" b="0" i="0" u="none" strike="noStrike" kern="1200" cap="none" spc="0" normalizeH="0" baseline="0" noProof="0" dirty="0" err="1" smtClean="0">
+                <a:ln>
+                  <a:noFill/>
+                </a:ln>
+                <a:solidFill>
+                  <a:srgbClr val="FF0000"/>
+                </a:solidFill>
+                <a:effectLst/>
+                <a:uLnTx/>
+                <a:uFillTx/>
+                <a:latin typeface="+mn-lt"/>
+                <a:ea typeface="+mn-ea"/>
+                <a:cs typeface="+mn-cs"/>
+              </a:rPr>
+              <a:t>odule</a:t>
+            </a:r>
+            <a:r>
+              <a:rPr kumimoji="0" lang="en-US" b="0" i="0" u="none" strike="noStrike" kern="1200" cap="none" spc="0" normalizeH="0" baseline="0" noProof="0" dirty="0" smtClean="0">
+                <a:ln>
+                  <a:noFill/>
+                </a:ln>
+                <a:solidFill>
+                  <a:srgbClr val="FF0000"/>
+                </a:solidFill>
+                <a:effectLst/>
+                <a:uLnTx/>
+                <a:uFillTx/>
+                <a:latin typeface="+mn-lt"/>
+                <a:ea typeface="+mn-ea"/>
+                <a:cs typeface="+mn-cs"/>
+              </a:rPr>
+              <a:t> automatically collects 100 images for validation, 200 images for calibration</a:t>
+            </a:r>
+            <a:r>
+              <a:rPr lang="en-US" noProof="0" dirty="0" smtClean="0">
+                <a:solidFill>
+                  <a:srgbClr val="FF0000"/>
+                </a:solidFill>
+              </a:rPr>
+              <a:t>. </a:t>
+            </a:r>
+            <a:r>
+              <a:rPr kumimoji="0" lang="en-US" b="0" i="0" u="none" strike="noStrike" kern="1200" cap="none" spc="0" normalizeH="0" baseline="0" noProof="0" dirty="0" smtClean="0">
+                <a:ln>
+                  <a:noFill/>
+                </a:ln>
+                <a:solidFill>
+                  <a:srgbClr val="FF0000"/>
+                </a:solidFill>
+                <a:effectLst/>
+                <a:uLnTx/>
+                <a:uFillTx/>
+                <a:latin typeface="+mn-lt"/>
+                <a:ea typeface="+mn-ea"/>
+                <a:cs typeface="+mn-cs"/>
+              </a:rPr>
+              <a:t>Images with failed registration are discarded. </a:t>
+            </a:r>
+          </a:p>
+          <a:p>
+            <a:pPr marL="342900" marR="0" lvl="0" indent="-342900" algn="l" defTabSz="914400" rtl="0" eaLnBrk="1" fontAlgn="auto" latinLnBrk="0" hangingPunct="1">
+              <a:lnSpc>
+                <a:spcPct val="100000"/>
+              </a:lnSpc>
+              <a:spcBef>
+                <a:spcPct val="20000"/>
+              </a:spcBef>
+              <a:spcAft>
+                <a:spcPts val="0"/>
+              </a:spcAft>
+              <a:buClrTx/>
+              <a:buSzTx/>
+              <a:buFont typeface="+mj-lt"/>
+              <a:buAutoNum type="arabicPeriod" startAt="11"/>
+              <a:tabLst/>
+              <a:defRPr/>
+            </a:pPr>
+            <a:r>
+              <a:rPr kumimoji="0" lang="en-US" b="0" i="0" u="none" strike="noStrike" kern="1200" cap="none" spc="0" normalizeH="0" baseline="0" noProof="0" dirty="0" smtClean="0">
+                <a:ln>
+                  <a:noFill/>
+                </a:ln>
+                <a:solidFill>
+                  <a:srgbClr val="00B050"/>
+                </a:solidFill>
+                <a:effectLst/>
+                <a:uLnTx/>
+                <a:uFillTx/>
+                <a:latin typeface="+mn-lt"/>
+                <a:ea typeface="+mn-ea"/>
+                <a:cs typeface="+mn-cs"/>
+              </a:rPr>
+              <a:t>Click “Show Plots” to check result.</a:t>
+            </a:r>
+          </a:p>
+        </p:txBody>
+      </p:sp>
+      <p:cxnSp>
+        <p:nvCxnSpPr>
+          <p:cNvPr id="35" name="Elbow Connector 34"/>
+          <p:cNvCxnSpPr>
+            <a:stCxn id="39" idx="1"/>
+            <a:endCxn id="38" idx="2"/>
+          </p:cNvCxnSpPr>
+          <p:nvPr/>
+        </p:nvCxnSpPr>
+        <p:spPr>
+          <a:xfrm rot="10800000">
+            <a:off x="1118904" y="2209801"/>
+            <a:ext cx="1548096" cy="1514475"/>
+          </a:xfrm>
+          <a:prstGeom prst="bentConnector2">
+            <a:avLst/>
+          </a:prstGeom>
+          <a:ln w="38100">
+            <a:solidFill>
+              <a:srgbClr val="00B0F0"/>
+            </a:solidFill>
+            <a:tailEnd type="arrow"/>
+          </a:ln>
+        </p:spPr>
+        <p:style>
+          <a:lnRef idx="1">
+            <a:schemeClr val="accent1"/>
+          </a:lnRef>
+          <a:fillRef idx="0">
+            <a:schemeClr val="accent1"/>
+          </a:fillRef>
+          <a:effectRef idx="0">
+            <a:schemeClr val="accent1"/>
+          </a:effectRef>
+          <a:fontRef idx="minor">
+            <a:schemeClr val="tx1"/>
+          </a:fontRef>
+        </p:style>
+      </p:cxnSp>
+      <p:sp>
+        <p:nvSpPr>
+          <p:cNvPr id="36" name="Rectangle 35"/>
+          <p:cNvSpPr/>
+          <p:nvPr/>
+        </p:nvSpPr>
+        <p:spPr>
+          <a:xfrm>
+            <a:off x="5638800" y="4038600"/>
+            <a:ext cx="3124200" cy="390525"/>
+          </a:xfrm>
+          <a:prstGeom prst="rect">
+            <a:avLst/>
+          </a:prstGeom>
+          <a:noFill/>
+          <a:ln w="38100">
+            <a:solidFill>
+              <a:srgbClr val="FF0000"/>
+            </a:solidFill>
+          </a:ln>
+        </p:spPr>
+        <p:style>
+          <a:lnRef idx="2">
+            <a:schemeClr val="accent1">
+              <a:shade val="50000"/>
+            </a:schemeClr>
+          </a:lnRef>
+          <a:fillRef idx="1">
+            <a:schemeClr val="accent1"/>
+          </a:fillRef>
+          <a:effectRef idx="0">
+            <a:schemeClr val="accent1"/>
+          </a:effectRef>
+          <a:fontRef idx="minor">
+            <a:schemeClr val="lt1"/>
+          </a:fontRef>
+        </p:style>
+        <p:txBody>
+          <a:bodyPr rtlCol="0" anchor="ctr"/>
+          <a:lstStyle/>
+          <a:p>
+            <a:pPr algn="ctr"/>
+            <a:endParaRPr lang="en-US"/>
+          </a:p>
+        </p:txBody>
+      </p:sp>
+      <p:sp>
+        <p:nvSpPr>
+          <p:cNvPr id="37" name="Rectangle 36"/>
+          <p:cNvSpPr/>
+          <p:nvPr/>
+        </p:nvSpPr>
+        <p:spPr>
+          <a:xfrm>
+            <a:off x="4648200" y="2133600"/>
+            <a:ext cx="1066800" cy="533400"/>
+          </a:xfrm>
+          <a:prstGeom prst="rect">
+            <a:avLst/>
+          </a:prstGeom>
+          <a:noFill/>
+          <a:ln w="38100">
+            <a:solidFill>
+              <a:srgbClr val="FF0000"/>
+            </a:solidFill>
+          </a:ln>
+        </p:spPr>
+        <p:style>
+          <a:lnRef idx="2">
+            <a:schemeClr val="accent1">
+              <a:shade val="50000"/>
+            </a:schemeClr>
+          </a:lnRef>
+          <a:fillRef idx="1">
+            <a:schemeClr val="accent1"/>
+          </a:fillRef>
+          <a:effectRef idx="0">
+            <a:schemeClr val="accent1"/>
+          </a:effectRef>
+          <a:fontRef idx="minor">
+            <a:schemeClr val="lt1"/>
+          </a:fontRef>
+        </p:style>
+        <p:txBody>
+          <a:bodyPr rtlCol="0" anchor="ctr"/>
+          <a:lstStyle/>
+          <a:p>
+            <a:pPr algn="ctr"/>
+            <a:endParaRPr lang="en-US"/>
+          </a:p>
+        </p:txBody>
+      </p:sp>
+      <p:sp>
+        <p:nvSpPr>
+          <p:cNvPr id="38" name="Rectangle 37"/>
+          <p:cNvSpPr/>
+          <p:nvPr/>
+        </p:nvSpPr>
+        <p:spPr>
+          <a:xfrm>
+            <a:off x="381000" y="1295400"/>
+            <a:ext cx="1475808" cy="914400"/>
+          </a:xfrm>
+          <a:prstGeom prst="rect">
+            <a:avLst/>
+          </a:prstGeom>
+          <a:noFill/>
+          <a:ln w="38100">
+            <a:solidFill>
+              <a:srgbClr val="00B0F0"/>
+            </a:solidFill>
+          </a:ln>
+        </p:spPr>
+        <p:style>
+          <a:lnRef idx="2">
+            <a:schemeClr val="accent1">
+              <a:shade val="50000"/>
+            </a:schemeClr>
+          </a:lnRef>
+          <a:fillRef idx="1">
+            <a:schemeClr val="accent1"/>
+          </a:fillRef>
+          <a:effectRef idx="0">
+            <a:schemeClr val="accent1"/>
+          </a:effectRef>
+          <a:fontRef idx="minor">
+            <a:schemeClr val="lt1"/>
+          </a:fontRef>
+        </p:style>
+        <p:txBody>
+          <a:bodyPr rtlCol="0" anchor="ctr"/>
+          <a:lstStyle/>
+          <a:p>
+            <a:pPr algn="ctr"/>
+            <a:endParaRPr lang="en-US">
+              <a:solidFill>
+                <a:srgbClr val="00B0F0"/>
+              </a:solidFill>
+            </a:endParaRPr>
+          </a:p>
+        </p:txBody>
+      </p:sp>
+      <p:sp>
+        <p:nvSpPr>
+          <p:cNvPr id="39" name="Rectangle 38"/>
+          <p:cNvSpPr/>
+          <p:nvPr/>
+        </p:nvSpPr>
+        <p:spPr>
+          <a:xfrm>
+            <a:off x="2667000" y="3267075"/>
+            <a:ext cx="1475808" cy="914400"/>
+          </a:xfrm>
+          <a:prstGeom prst="rect">
+            <a:avLst/>
+          </a:prstGeom>
+          <a:noFill/>
+          <a:ln w="38100">
+            <a:solidFill>
+              <a:srgbClr val="00B0F0"/>
+            </a:solidFill>
+          </a:ln>
+        </p:spPr>
+        <p:style>
+          <a:lnRef idx="2">
+            <a:schemeClr val="accent1">
+              <a:shade val="50000"/>
+            </a:schemeClr>
+          </a:lnRef>
+          <a:fillRef idx="1">
+            <a:schemeClr val="accent1"/>
+          </a:fillRef>
+          <a:effectRef idx="0">
+            <a:schemeClr val="accent1"/>
+          </a:effectRef>
+          <a:fontRef idx="minor">
+            <a:schemeClr val="lt1"/>
+          </a:fontRef>
+        </p:style>
+        <p:txBody>
+          <a:bodyPr rtlCol="0" anchor="ctr"/>
+          <a:lstStyle/>
+          <a:p>
+            <a:pPr algn="ctr"/>
+            <a:endParaRPr lang="en-US">
+              <a:solidFill>
+                <a:srgbClr val="00B0F0"/>
+              </a:solidFill>
+            </a:endParaRPr>
+          </a:p>
+        </p:txBody>
+      </p:sp>
+      <p:cxnSp>
+        <p:nvCxnSpPr>
+          <p:cNvPr id="45" name="Elbow Connector 44"/>
+          <p:cNvCxnSpPr>
+            <a:stCxn id="36" idx="3"/>
+            <a:endCxn id="34" idx="3"/>
+          </p:cNvCxnSpPr>
+          <p:nvPr/>
+        </p:nvCxnSpPr>
+        <p:spPr>
+          <a:xfrm>
+            <a:off x="8763000" y="4233863"/>
+            <a:ext cx="76201" cy="1214437"/>
+          </a:xfrm>
+          <a:prstGeom prst="bentConnector3">
+            <a:avLst>
+              <a:gd name="adj1" fmla="val 399996"/>
+            </a:avLst>
+          </a:prstGeom>
+          <a:ln w="38100">
+            <a:solidFill>
+              <a:srgbClr val="FF0000"/>
+            </a:solidFill>
+            <a:tailEnd type="arrow"/>
+          </a:ln>
+        </p:spPr>
+        <p:style>
+          <a:lnRef idx="1">
+            <a:schemeClr val="accent1"/>
+          </a:lnRef>
+          <a:fillRef idx="0">
+            <a:schemeClr val="accent1"/>
+          </a:fillRef>
+          <a:effectRef idx="0">
+            <a:schemeClr val="accent1"/>
+          </a:effectRef>
+          <a:fontRef idx="minor">
+            <a:schemeClr val="tx1"/>
+          </a:fontRef>
+        </p:style>
+      </p:cxnSp>
+      <p:cxnSp>
+        <p:nvCxnSpPr>
+          <p:cNvPr id="46" name="Elbow Connector 45"/>
+          <p:cNvCxnSpPr>
+            <a:stCxn id="38" idx="1"/>
+            <a:endCxn id="34" idx="1"/>
+          </p:cNvCxnSpPr>
+          <p:nvPr/>
+        </p:nvCxnSpPr>
+        <p:spPr>
+          <a:xfrm rot="10800000" flipV="1">
+            <a:off x="381000" y="1752600"/>
+            <a:ext cx="12700" cy="3695700"/>
+          </a:xfrm>
+          <a:prstGeom prst="bentConnector3">
+            <a:avLst>
+              <a:gd name="adj1" fmla="val 1800000"/>
+            </a:avLst>
+          </a:prstGeom>
+          <a:ln w="38100">
+            <a:solidFill>
+              <a:srgbClr val="00B0F0"/>
+            </a:solidFill>
+            <a:tailEnd type="arrow"/>
+          </a:ln>
+        </p:spPr>
+        <p:style>
+          <a:lnRef idx="1">
+            <a:schemeClr val="accent1"/>
+          </a:lnRef>
+          <a:fillRef idx="0">
+            <a:schemeClr val="accent1"/>
+          </a:fillRef>
+          <a:effectRef idx="0">
+            <a:schemeClr val="accent1"/>
+          </a:effectRef>
+          <a:fontRef idx="minor">
+            <a:schemeClr val="tx1"/>
+          </a:fontRef>
+        </p:style>
+      </p:cxnSp>
+      <p:cxnSp>
+        <p:nvCxnSpPr>
+          <p:cNvPr id="47" name="Elbow Connector 46"/>
+          <p:cNvCxnSpPr>
+            <a:endCxn id="36" idx="1"/>
+          </p:cNvCxnSpPr>
+          <p:nvPr/>
+        </p:nvCxnSpPr>
+        <p:spPr>
+          <a:xfrm rot="16200000" flipH="1">
+            <a:off x="4626770" y="3221833"/>
+            <a:ext cx="1566862" cy="457198"/>
+          </a:xfrm>
+          <a:prstGeom prst="bentConnector2">
+            <a:avLst/>
+          </a:prstGeom>
+          <a:ln w="38100">
+            <a:solidFill>
+              <a:srgbClr val="FF0000"/>
+            </a:solidFill>
+            <a:tailEnd type="arrow"/>
+          </a:ln>
+        </p:spPr>
+        <p:style>
+          <a:lnRef idx="1">
+            <a:schemeClr val="accent1"/>
+          </a:lnRef>
+          <a:fillRef idx="0">
+            <a:schemeClr val="accent1"/>
+          </a:fillRef>
+          <a:effectRef idx="0">
+            <a:schemeClr val="accent1"/>
+          </a:effectRef>
+          <a:fontRef idx="minor">
+            <a:schemeClr val="tx1"/>
+          </a:fontRef>
+        </p:style>
+      </p:cxnSp>
+      <p:pic>
+        <p:nvPicPr>
+          <p:cNvPr id="6151" name="Picture 7" descr="S:\data\Sue\SueSue\UserGuideCapture\11-13-2012 3-04-26 PMs.tif"/>
+          <p:cNvPicPr>
+            <a:picLocks noChangeAspect="1" noChangeArrowheads="1"/>
+          </p:cNvPicPr>
+          <p:nvPr/>
+        </p:nvPicPr>
+        <p:blipFill>
+          <a:blip r:embed="rId4" cstate="print">
+            <a:extLst>
+              <a:ext uri="{28A0092B-C50C-407E-A947-70E740481C1C}">
+                <a14:useLocalDpi xmlns:a14="http://schemas.microsoft.com/office/drawing/2010/main" val="0"/>
+              </a:ext>
+            </a:extLst>
+          </a:blip>
+          <a:srcRect/>
+          <a:stretch>
+            <a:fillRect/>
+          </a:stretch>
+        </p:blipFill>
+        <p:spPr bwMode="auto">
+          <a:xfrm>
+            <a:off x="6440984" y="1089660"/>
+            <a:ext cx="1708547" cy="1280160"/>
+          </a:xfrm>
+          <a:prstGeom prst="rect">
+            <a:avLst/>
+          </a:prstGeom>
+          <a:noFill/>
+          <a:ln w="38100">
+            <a:solidFill>
+              <a:srgbClr val="00B050"/>
+            </a:solidFill>
+          </a:ln>
+          <a:extLst>
+            <a:ext uri="{909E8E84-426E-40DD-AFC4-6F175D3DCCD1}">
+              <a14:hiddenFill xmlns:a14="http://schemas.microsoft.com/office/drawing/2010/main">
+                <a:solidFill>
+                  <a:srgbClr val="FFFFFF"/>
+                </a:solidFill>
+              </a14:hiddenFill>
+            </a:ext>
+          </a:extLst>
+        </p:spPr>
+      </p:pic>
+      <p:cxnSp>
+        <p:nvCxnSpPr>
+          <p:cNvPr id="60" name="Straight Arrow Connector 59"/>
+          <p:cNvCxnSpPr>
+            <a:stCxn id="69" idx="3"/>
+            <a:endCxn id="6151" idx="1"/>
+          </p:cNvCxnSpPr>
+          <p:nvPr/>
+        </p:nvCxnSpPr>
+        <p:spPr>
+          <a:xfrm flipV="1">
+            <a:off x="5410201" y="1729740"/>
+            <a:ext cx="1030783" cy="822960"/>
+          </a:xfrm>
+          <a:prstGeom prst="straightConnector1">
+            <a:avLst/>
+          </a:prstGeom>
+          <a:ln w="38100">
+            <a:solidFill>
+              <a:srgbClr val="00B050"/>
+            </a:solidFill>
+            <a:tailEnd type="arrow"/>
+          </a:ln>
+        </p:spPr>
+        <p:style>
+          <a:lnRef idx="1">
+            <a:schemeClr val="accent1"/>
+          </a:lnRef>
+          <a:fillRef idx="0">
+            <a:schemeClr val="accent1"/>
+          </a:fillRef>
+          <a:effectRef idx="0">
+            <a:schemeClr val="accent1"/>
+          </a:effectRef>
+          <a:fontRef idx="minor">
+            <a:schemeClr val="tx1"/>
+          </a:fontRef>
+        </p:style>
+      </p:cxnSp>
+      <p:sp>
+        <p:nvSpPr>
+          <p:cNvPr id="69" name="Rectangle 68"/>
+          <p:cNvSpPr/>
+          <p:nvPr/>
+        </p:nvSpPr>
+        <p:spPr>
+          <a:xfrm>
+            <a:off x="4876800" y="2486025"/>
+            <a:ext cx="533401" cy="133350"/>
+          </a:xfrm>
+          <a:prstGeom prst="rect">
+            <a:avLst/>
+          </a:prstGeom>
+          <a:noFill/>
+          <a:ln w="38100">
+            <a:solidFill>
+              <a:srgbClr val="00B050"/>
+            </a:solidFill>
+          </a:ln>
+        </p:spPr>
+        <p:style>
+          <a:lnRef idx="2">
+            <a:schemeClr val="accent1">
+              <a:shade val="50000"/>
+            </a:schemeClr>
+          </a:lnRef>
+          <a:fillRef idx="1">
+            <a:schemeClr val="accent1"/>
+          </a:fillRef>
+          <a:effectRef idx="0">
+            <a:schemeClr val="accent1"/>
+          </a:effectRef>
+          <a:fontRef idx="minor">
+            <a:schemeClr val="lt1"/>
+          </a:fontRef>
+        </p:style>
+        <p:txBody>
+          <a:bodyPr rtlCol="0" anchor="ctr"/>
+          <a:lstStyle/>
+          <a:p>
+            <a:pPr algn="ctr"/>
+            <a:endParaRPr lang="en-US"/>
+          </a:p>
+        </p:txBody>
+      </p:sp>
+    </p:spTree>
+    <p:extLst>
+      <p:ext uri="{BB962C8B-B14F-4D97-AF65-F5344CB8AC3E}">
+        <p14:creationId xmlns:p14="http://schemas.microsoft.com/office/powerpoint/2010/main" val="4203361905"/>
+      </p:ext>
+    </p:extLst>
+  </p:cSld>
+  <p:clrMapOvr>
+    <a:masterClrMapping/>
+  </p:clrMapOvr>
+</p:sld>
+</file>
+
+<file path=ppt/slides/slide11.xml><?xml version="1.0" encoding="utf-8"?>
+<p:sld xmlns:a="http://schemas.openxmlformats.org/drawingml/2006/main" xmlns:r="http://schemas.openxmlformats.org/officeDocument/2006/relationships" xmlns:p="http://schemas.openxmlformats.org/presentationml/2006/main">
+  <p:cSld>
+    <p:spTree>
+      <p:nvGrpSpPr>
+        <p:cNvPr id="1" name=""/>
+        <p:cNvGrpSpPr/>
+        <p:nvPr/>
+      </p:nvGrpSpPr>
+      <p:grpSpPr>
+        <a:xfrm>
+          <a:off x="0" y="0"/>
+          <a:ext cx="0" cy="0"/>
+          <a:chOff x="0" y="0"/>
+          <a:chExt cx="0" cy="0"/>
+        </a:xfrm>
+      </p:grpSpPr>
+      <p:pic>
+        <p:nvPicPr>
+          <p:cNvPr id="7170" name="Picture 2" descr="S:\data\Sue\DSC01331s.jpg"/>
+          <p:cNvPicPr>
+            <a:picLocks noChangeAspect="1" noChangeArrowheads="1"/>
+          </p:cNvPicPr>
+          <p:nvPr/>
+        </p:nvPicPr>
+        <p:blipFill rotWithShape="1">
+          <a:blip r:embed="rId2">
+            <a:extLst>
+              <a:ext uri="{28A0092B-C50C-407E-A947-70E740481C1C}">
+                <a14:useLocalDpi xmlns:a14="http://schemas.microsoft.com/office/drawing/2010/main" val="0"/>
+              </a:ext>
+            </a:extLst>
+          </a:blip>
+          <a:srcRect l="-125" t="-1230" r="8375" b="23397"/>
+          <a:stretch/>
+        </p:blipFill>
+        <p:spPr bwMode="auto">
+          <a:xfrm>
+            <a:off x="4572000" y="1143000"/>
+            <a:ext cx="4311582" cy="2743200"/>
+          </a:xfrm>
+          <a:prstGeom prst="rect">
+            <a:avLst/>
+          </a:prstGeom>
+          <a:noFill/>
+          <a:extLst>
+            <a:ext uri="{909E8E84-426E-40DD-AFC4-6F175D3DCCD1}">
+              <a14:hiddenFill xmlns:a14="http://schemas.microsoft.com/office/drawing/2010/main">
+                <a:solidFill>
+                  <a:srgbClr val="FFFFFF"/>
+                </a:solidFill>
+              </a14:hiddenFill>
+            </a:ext>
+          </a:extLst>
+        </p:spPr>
+      </p:pic>
+      <p:sp>
+        <p:nvSpPr>
+          <p:cNvPr id="2" name="Title 1"/>
+          <p:cNvSpPr>
+            <a:spLocks noGrp="1"/>
+          </p:cNvSpPr>
+          <p:nvPr>
+            <p:ph type="title"/>
+          </p:nvPr>
+        </p:nvSpPr>
+        <p:spPr/>
+        <p:txBody>
+          <a:bodyPr/>
+          <a:lstStyle/>
+          <a:p>
+            <a:r>
+              <a:rPr lang="en-US" dirty="0" smtClean="0"/>
+              <a:t>Spatial calibration</a:t>
+            </a:r>
+            <a:endParaRPr lang="en-US" dirty="0"/>
+          </a:p>
+        </p:txBody>
+      </p:sp>
+      <p:sp>
+        <p:nvSpPr>
+          <p:cNvPr id="4" name="Footer Placeholder 3"/>
+          <p:cNvSpPr>
+            <a:spLocks noGrp="1"/>
+          </p:cNvSpPr>
+          <p:nvPr>
+            <p:ph type="ftr" sz="quarter" idx="11"/>
+          </p:nvPr>
+        </p:nvSpPr>
+        <p:spPr/>
+        <p:txBody>
+          <a:bodyPr/>
+          <a:lstStyle/>
+          <a:p>
+            <a:r>
+              <a:rPr lang="en-US" dirty="0" smtClean="0"/>
+              <a:t>Laboratory for Percutaneous Surgery (The Perk Lab) – Copyright © Queen’s University, 2012</a:t>
+            </a:r>
+          </a:p>
+          <a:p>
+            <a:endParaRPr lang="en-US" dirty="0"/>
+          </a:p>
+        </p:txBody>
+      </p:sp>
+      <p:pic>
+        <p:nvPicPr>
+          <p:cNvPr id="7" name="Picture 2" descr="H:\DCIM\100OLYMP\PA250554.JPG"/>
+          <p:cNvPicPr>
+            <a:picLocks noChangeAspect="1" noChangeArrowheads="1"/>
+          </p:cNvPicPr>
+          <p:nvPr/>
+        </p:nvPicPr>
+        <p:blipFill>
+          <a:blip r:embed="rId3" cstate="print"/>
+          <a:srcRect l="4314" t="23011" r="774" b="11792"/>
+          <a:stretch>
+            <a:fillRect/>
+          </a:stretch>
+        </p:blipFill>
+        <p:spPr bwMode="auto">
+          <a:xfrm>
+            <a:off x="6172200" y="4454167"/>
+            <a:ext cx="2667000" cy="1373909"/>
+          </a:xfrm>
+          <a:prstGeom prst="rect">
+            <a:avLst/>
+          </a:prstGeom>
+          <a:noFill/>
+        </p:spPr>
+      </p:pic>
+      <p:cxnSp>
+        <p:nvCxnSpPr>
+          <p:cNvPr id="10" name="Straight Arrow Connector 9"/>
+          <p:cNvCxnSpPr/>
+          <p:nvPr/>
+        </p:nvCxnSpPr>
+        <p:spPr>
+          <a:xfrm>
+            <a:off x="6499191" y="4181475"/>
+            <a:ext cx="87296" cy="737034"/>
+          </a:xfrm>
+          <a:prstGeom prst="straightConnector1">
+            <a:avLst/>
+          </a:prstGeom>
+          <a:ln w="19050">
+            <a:solidFill>
+              <a:schemeClr val="tx1"/>
+            </a:solidFill>
+            <a:tailEnd type="arrow"/>
+          </a:ln>
+        </p:spPr>
+        <p:style>
+          <a:lnRef idx="1">
+            <a:schemeClr val="accent1"/>
+          </a:lnRef>
+          <a:fillRef idx="0">
+            <a:schemeClr val="accent1"/>
+          </a:fillRef>
+          <a:effectRef idx="0">
+            <a:schemeClr val="accent1"/>
+          </a:effectRef>
+          <a:fontRef idx="minor">
+            <a:schemeClr val="tx1"/>
+          </a:fontRef>
+        </p:style>
+      </p:cxnSp>
+      <p:sp>
+        <p:nvSpPr>
+          <p:cNvPr id="14" name="Content Placeholder 2"/>
+          <p:cNvSpPr txBox="1">
+            <a:spLocks/>
+          </p:cNvSpPr>
+          <p:nvPr/>
+        </p:nvSpPr>
+        <p:spPr>
+          <a:xfrm>
+            <a:off x="442912" y="1295400"/>
+            <a:ext cx="3824288" cy="1905000"/>
+          </a:xfrm>
+          <a:prstGeom prst="rect">
+            <a:avLst/>
+          </a:prstGeom>
+        </p:spPr>
+        <p:txBody>
+          <a:bodyPr vert="horz" lIns="91440" tIns="45720" rIns="91440" bIns="45720" rtlCol="0">
+            <a:normAutofit lnSpcReduction="10000"/>
+          </a:bodyPr>
+          <a:lstStyle>
+            <a:lvl1pPr marL="342900" indent="-342900" algn="l" defTabSz="914400" rtl="0" eaLnBrk="1" latinLnBrk="0" hangingPunct="1">
+              <a:spcBef>
+                <a:spcPct val="20000"/>
+              </a:spcBef>
+              <a:buFont typeface="Arial" pitchFamily="34" charset="0"/>
+              <a:buChar char="•"/>
+              <a:defRPr sz="2400" kern="1200">
+                <a:solidFill>
+                  <a:schemeClr val="tx1"/>
+                </a:solidFill>
+                <a:latin typeface="+mn-lt"/>
+                <a:ea typeface="+mn-ea"/>
+                <a:cs typeface="+mn-cs"/>
+              </a:defRPr>
+            </a:lvl1pPr>
+            <a:lvl2pPr marL="742950" indent="-285750" algn="l" defTabSz="914400" rtl="0" eaLnBrk="1" latinLnBrk="0" hangingPunct="1">
+              <a:spcBef>
+                <a:spcPct val="20000"/>
+              </a:spcBef>
+              <a:buFont typeface="Arial" pitchFamily="34" charset="0"/>
+              <a:buChar char="–"/>
+              <a:defRPr sz="2000" kern="1200">
+                <a:solidFill>
+                  <a:schemeClr val="tx1"/>
+                </a:solidFill>
+                <a:latin typeface="+mn-lt"/>
+                <a:ea typeface="+mn-ea"/>
+                <a:cs typeface="+mn-cs"/>
+              </a:defRPr>
+            </a:lvl2pPr>
+            <a:lvl3pPr marL="1143000" indent="-228600" algn="l" defTabSz="914400" rtl="0" eaLnBrk="1" latinLnBrk="0" hangingPunct="1">
+              <a:spcBef>
+                <a:spcPct val="20000"/>
+              </a:spcBef>
+              <a:buFont typeface="Arial" pitchFamily="34" charset="0"/>
+              <a:buChar char="•"/>
+              <a:defRPr sz="1800" kern="1200">
+                <a:solidFill>
+                  <a:schemeClr val="tx1"/>
+                </a:solidFill>
+                <a:latin typeface="+mn-lt"/>
+                <a:ea typeface="+mn-ea"/>
+                <a:cs typeface="+mn-cs"/>
+              </a:defRPr>
+            </a:lvl3pPr>
+            <a:lvl4pPr marL="1600200" indent="-228600" algn="l" defTabSz="914400" rtl="0" eaLnBrk="1" latinLnBrk="0" hangingPunct="1">
+              <a:spcBef>
+                <a:spcPct val="20000"/>
+              </a:spcBef>
+              <a:buFont typeface="Arial" pitchFamily="34" charset="0"/>
+              <a:buChar char="–"/>
+              <a:defRPr sz="1600" kern="1200">
+                <a:solidFill>
+                  <a:schemeClr val="tx1"/>
+                </a:solidFill>
+                <a:latin typeface="+mn-lt"/>
+                <a:ea typeface="+mn-ea"/>
+                <a:cs typeface="+mn-cs"/>
+              </a:defRPr>
+            </a:lvl4pPr>
+            <a:lvl5pPr marL="2057400" indent="-228600" algn="l" defTabSz="914400" rtl="0" eaLnBrk="1" latinLnBrk="0" hangingPunct="1">
+              <a:spcBef>
+                <a:spcPct val="20000"/>
+              </a:spcBef>
+              <a:buFont typeface="Arial" pitchFamily="34" charset="0"/>
+              <a:buChar char="»"/>
+              <a:defRPr sz="1600" kern="1200">
+                <a:solidFill>
+                  <a:schemeClr val="tx1"/>
+                </a:solidFill>
+                <a:latin typeface="+mn-lt"/>
+                <a:ea typeface="+mn-ea"/>
+                <a:cs typeface="+mn-cs"/>
+              </a:defRPr>
+            </a:lvl5pPr>
+            <a:lvl6pPr marL="2514600" indent="-228600" algn="l" defTabSz="914400" rtl="0" eaLnBrk="1" latinLnBrk="0" hangingPunct="1">
+              <a:spcBef>
+                <a:spcPct val="20000"/>
+              </a:spcBef>
+              <a:buFont typeface="Arial" pitchFamily="34" charset="0"/>
+              <a:buChar char="•"/>
+              <a:defRPr sz="2000" kern="1200">
+                <a:solidFill>
+                  <a:schemeClr val="tx1"/>
+                </a:solidFill>
+                <a:latin typeface="+mn-lt"/>
+                <a:ea typeface="+mn-ea"/>
+                <a:cs typeface="+mn-cs"/>
+              </a:defRPr>
+            </a:lvl6pPr>
+            <a:lvl7pPr marL="2971800" indent="-228600" algn="l" defTabSz="914400" rtl="0" eaLnBrk="1" latinLnBrk="0" hangingPunct="1">
+              <a:spcBef>
+                <a:spcPct val="20000"/>
+              </a:spcBef>
+              <a:buFont typeface="Arial" pitchFamily="34" charset="0"/>
+              <a:buChar char="•"/>
+              <a:defRPr sz="2000" kern="1200">
+                <a:solidFill>
+                  <a:schemeClr val="tx1"/>
+                </a:solidFill>
+                <a:latin typeface="+mn-lt"/>
+                <a:ea typeface="+mn-ea"/>
+                <a:cs typeface="+mn-cs"/>
+              </a:defRPr>
+            </a:lvl7pPr>
+            <a:lvl8pPr marL="3429000" indent="-228600" algn="l" defTabSz="914400" rtl="0" eaLnBrk="1" latinLnBrk="0" hangingPunct="1">
+              <a:spcBef>
+                <a:spcPct val="20000"/>
+              </a:spcBef>
+              <a:buFont typeface="Arial" pitchFamily="34" charset="0"/>
+              <a:buChar char="•"/>
+              <a:defRPr sz="2000" kern="1200">
+                <a:solidFill>
+                  <a:schemeClr val="tx1"/>
+                </a:solidFill>
+                <a:latin typeface="+mn-lt"/>
+                <a:ea typeface="+mn-ea"/>
+                <a:cs typeface="+mn-cs"/>
+              </a:defRPr>
+            </a:lvl8pPr>
+            <a:lvl9pPr marL="3886200" indent="-228600" algn="l" defTabSz="914400" rtl="0" eaLnBrk="1" latinLnBrk="0" hangingPunct="1">
+              <a:spcBef>
+                <a:spcPct val="20000"/>
+              </a:spcBef>
+              <a:buFont typeface="Arial" pitchFamily="34" charset="0"/>
+              <a:buChar char="•"/>
+              <a:defRPr sz="2000" kern="1200">
+                <a:solidFill>
+                  <a:schemeClr val="tx1"/>
+                </a:solidFill>
+                <a:latin typeface="+mn-lt"/>
+                <a:ea typeface="+mn-ea"/>
+                <a:cs typeface="+mn-cs"/>
+              </a:defRPr>
+            </a:lvl9pPr>
+          </a:lstStyle>
+          <a:p>
+            <a:pPr>
+              <a:buFont typeface="+mj-lt"/>
+              <a:buAutoNum type="arabicPeriod" startAt="14"/>
+            </a:pPr>
+            <a:r>
+              <a:rPr lang="en-US" sz="2000" dirty="0" smtClean="0"/>
+              <a:t>Place the phantom in the water tank</a:t>
+            </a:r>
+          </a:p>
+          <a:p>
+            <a:pPr>
+              <a:buFont typeface="+mj-lt"/>
+              <a:buAutoNum type="arabicPeriod" startAt="14"/>
+            </a:pPr>
+            <a:r>
+              <a:rPr lang="en-US" sz="2000" dirty="0" smtClean="0"/>
+              <a:t>Align the transducer to have the marked side face to letter “M” on the phantom </a:t>
+            </a:r>
+            <a:endParaRPr lang="en-US" sz="2000" dirty="0"/>
+          </a:p>
+          <a:p>
+            <a:pPr>
+              <a:buFont typeface="+mj-lt"/>
+              <a:buAutoNum type="arabicPeriod" startAt="14"/>
+            </a:pPr>
+            <a:r>
+              <a:rPr lang="en-US" sz="2000" dirty="0" smtClean="0"/>
+              <a:t>Select “Spatial calibration”</a:t>
+            </a:r>
+          </a:p>
+        </p:txBody>
+      </p:sp>
+      <p:pic>
+        <p:nvPicPr>
+          <p:cNvPr id="1026" name="Picture 2" descr="S:\data\Sue\DSC01322s.jpg"/>
+          <p:cNvPicPr>
+            <a:picLocks noChangeAspect="1" noChangeArrowheads="1"/>
+          </p:cNvPicPr>
+          <p:nvPr/>
+        </p:nvPicPr>
+        <p:blipFill>
+          <a:blip r:embed="rId4">
+            <a:extLst>
+              <a:ext uri="{28A0092B-C50C-407E-A947-70E740481C1C}">
+                <a14:useLocalDpi xmlns:a14="http://schemas.microsoft.com/office/drawing/2010/main" val="0"/>
+              </a:ext>
+            </a:extLst>
+          </a:blip>
+          <a:srcRect/>
+          <a:stretch>
+            <a:fillRect/>
+          </a:stretch>
+        </p:blipFill>
+        <p:spPr bwMode="auto">
+          <a:xfrm>
+            <a:off x="1905000" y="3581401"/>
+            <a:ext cx="3657600" cy="2743200"/>
+          </a:xfrm>
+          <a:prstGeom prst="rect">
+            <a:avLst/>
+          </a:prstGeom>
+          <a:noFill/>
+          <a:extLst>
+            <a:ext uri="{909E8E84-426E-40DD-AFC4-6F175D3DCCD1}">
+              <a14:hiddenFill xmlns:a14="http://schemas.microsoft.com/office/drawing/2010/main">
+                <a:solidFill>
+                  <a:srgbClr val="FFFFFF"/>
+                </a:solidFill>
+              </a14:hiddenFill>
+            </a:ext>
+          </a:extLst>
+        </p:spPr>
+      </p:pic>
+      <p:sp>
+        <p:nvSpPr>
+          <p:cNvPr id="12" name="Content Placeholder 2"/>
+          <p:cNvSpPr txBox="1">
+            <a:spLocks/>
+          </p:cNvSpPr>
+          <p:nvPr/>
+        </p:nvSpPr>
+        <p:spPr>
+          <a:xfrm>
+            <a:off x="3518100" y="5412564"/>
+            <a:ext cx="2133600" cy="295275"/>
+          </a:xfrm>
+          <a:prstGeom prst="rect">
+            <a:avLst/>
+          </a:prstGeom>
+          <a:ln>
+            <a:noFill/>
+          </a:ln>
+        </p:spPr>
+        <p:txBody>
+          <a:bodyPr vert="horz" lIns="91440" tIns="45720" rIns="91440" bIns="45720" rtlCol="0">
+            <a:noAutofit/>
+          </a:bodyPr>
+          <a:lstStyle/>
+          <a:p>
+            <a:pPr marR="0" lvl="0" algn="l" defTabSz="914400" rtl="0" eaLnBrk="1" fontAlgn="auto" latinLnBrk="0" hangingPunct="1">
+              <a:lnSpc>
+                <a:spcPct val="100000"/>
+              </a:lnSpc>
+              <a:spcBef>
+                <a:spcPct val="20000"/>
+              </a:spcBef>
+              <a:spcAft>
+                <a:spcPts val="0"/>
+              </a:spcAft>
+              <a:buClrTx/>
+              <a:buSzTx/>
+              <a:tabLst/>
+              <a:defRPr/>
+            </a:pPr>
+            <a:r>
+              <a:rPr kumimoji="0" lang="en-US" sz="1400" b="0" i="0" u="none" strike="noStrike" kern="1200" cap="none" spc="0" normalizeH="0" baseline="0" noProof="0" dirty="0" smtClean="0">
+                <a:ln>
+                  <a:noFill/>
+                </a:ln>
+                <a:effectLst/>
+                <a:uLnTx/>
+                <a:uFillTx/>
+                <a:latin typeface="+mn-lt"/>
+                <a:ea typeface="+mn-ea"/>
+                <a:cs typeface="+mn-cs"/>
+              </a:rPr>
+              <a:t>Marking on the transducer </a:t>
+            </a:r>
+          </a:p>
+        </p:txBody>
+      </p:sp>
+      <p:cxnSp>
+        <p:nvCxnSpPr>
+          <p:cNvPr id="15" name="Straight Arrow Connector 14"/>
+          <p:cNvCxnSpPr>
+            <a:stCxn id="12" idx="3"/>
+            <a:endCxn id="53" idx="1"/>
+          </p:cNvCxnSpPr>
+          <p:nvPr/>
+        </p:nvCxnSpPr>
+        <p:spPr>
+          <a:xfrm flipV="1">
+            <a:off x="5651700" y="4953605"/>
+            <a:ext cx="1206299" cy="606597"/>
+          </a:xfrm>
+          <a:prstGeom prst="straightConnector1">
+            <a:avLst/>
+          </a:prstGeom>
+          <a:ln w="19050">
+            <a:solidFill>
+              <a:schemeClr val="tx1"/>
+            </a:solidFill>
+            <a:tailEnd type="arrow"/>
+          </a:ln>
+        </p:spPr>
+        <p:style>
+          <a:lnRef idx="1">
+            <a:schemeClr val="accent1"/>
+          </a:lnRef>
+          <a:fillRef idx="0">
+            <a:schemeClr val="accent1"/>
+          </a:fillRef>
+          <a:effectRef idx="0">
+            <a:schemeClr val="accent1"/>
+          </a:effectRef>
+          <a:fontRef idx="minor">
+            <a:schemeClr val="tx1"/>
+          </a:fontRef>
+        </p:style>
+      </p:cxnSp>
+      <p:cxnSp>
+        <p:nvCxnSpPr>
+          <p:cNvPr id="16" name="Straight Arrow Connector 15"/>
+          <p:cNvCxnSpPr>
+            <a:stCxn id="12" idx="0"/>
+            <a:endCxn id="58" idx="2"/>
+          </p:cNvCxnSpPr>
+          <p:nvPr/>
+        </p:nvCxnSpPr>
+        <p:spPr>
+          <a:xfrm flipV="1">
+            <a:off x="4584900" y="4836343"/>
+            <a:ext cx="139500" cy="576221"/>
+          </a:xfrm>
+          <a:prstGeom prst="straightConnector1">
+            <a:avLst/>
+          </a:prstGeom>
+          <a:ln w="19050">
+            <a:solidFill>
+              <a:schemeClr val="tx1"/>
+            </a:solidFill>
+            <a:tailEnd type="arrow"/>
+          </a:ln>
+        </p:spPr>
+        <p:style>
+          <a:lnRef idx="1">
+            <a:schemeClr val="accent1"/>
+          </a:lnRef>
+          <a:fillRef idx="0">
+            <a:schemeClr val="accent1"/>
+          </a:fillRef>
+          <a:effectRef idx="0">
+            <a:schemeClr val="accent1"/>
+          </a:effectRef>
+          <a:fontRef idx="minor">
+            <a:schemeClr val="tx1"/>
+          </a:fontRef>
+        </p:style>
+      </p:cxnSp>
+      <p:sp>
+        <p:nvSpPr>
+          <p:cNvPr id="25" name="Content Placeholder 2"/>
+          <p:cNvSpPr txBox="1">
+            <a:spLocks/>
+          </p:cNvSpPr>
+          <p:nvPr/>
+        </p:nvSpPr>
+        <p:spPr>
+          <a:xfrm>
+            <a:off x="6477000" y="3913583"/>
+            <a:ext cx="2514600" cy="535782"/>
+          </a:xfrm>
+          <a:prstGeom prst="rect">
+            <a:avLst/>
+          </a:prstGeom>
+          <a:ln>
+            <a:noFill/>
+          </a:ln>
+        </p:spPr>
+        <p:txBody>
+          <a:bodyPr vert="horz" lIns="91440" tIns="45720" rIns="91440" bIns="45720" rtlCol="0">
+            <a:noAutofit/>
+          </a:bodyPr>
+          <a:lstStyle/>
+          <a:p>
+            <a:pPr marR="0" lvl="0" algn="l" defTabSz="914400" rtl="0" eaLnBrk="1" fontAlgn="auto" latinLnBrk="0" hangingPunct="1">
+              <a:lnSpc>
+                <a:spcPct val="100000"/>
+              </a:lnSpc>
+              <a:spcBef>
+                <a:spcPct val="20000"/>
+              </a:spcBef>
+              <a:spcAft>
+                <a:spcPts val="0"/>
+              </a:spcAft>
+              <a:buClrTx/>
+              <a:buSzTx/>
+              <a:tabLst/>
+              <a:defRPr/>
+            </a:pPr>
+            <a:r>
+              <a:rPr kumimoji="0" lang="en-US" sz="1400" b="0" i="0" u="none" strike="noStrike" kern="1200" cap="none" spc="0" normalizeH="0" baseline="0" noProof="0" dirty="0" smtClean="0">
+                <a:ln>
+                  <a:noFill/>
+                </a:ln>
+                <a:effectLst/>
+                <a:uLnTx/>
+                <a:uFillTx/>
+                <a:latin typeface="+mn-lt"/>
+                <a:ea typeface="+mn-ea"/>
+                <a:cs typeface="+mn-cs"/>
+              </a:rPr>
+              <a:t>Letter</a:t>
+            </a:r>
+            <a:r>
+              <a:rPr kumimoji="0" lang="en-US" sz="1400" b="0" i="0" u="none" strike="noStrike" kern="1200" cap="none" spc="0" normalizeH="0" noProof="0" dirty="0" smtClean="0">
+                <a:ln>
+                  <a:noFill/>
+                </a:ln>
+                <a:effectLst/>
+                <a:uLnTx/>
+                <a:uFillTx/>
+                <a:latin typeface="+mn-lt"/>
+                <a:ea typeface="+mn-ea"/>
+                <a:cs typeface="+mn-cs"/>
+              </a:rPr>
+              <a:t> “M” marked on the phantom</a:t>
+            </a:r>
+            <a:endParaRPr kumimoji="0" lang="en-US" sz="1400" b="0" i="0" u="none" strike="noStrike" kern="1200" cap="none" spc="0" normalizeH="0" baseline="0" noProof="0" dirty="0" smtClean="0">
+              <a:ln>
+                <a:noFill/>
+              </a:ln>
+              <a:effectLst/>
+              <a:uLnTx/>
+              <a:uFillTx/>
+              <a:latin typeface="+mn-lt"/>
+              <a:ea typeface="+mn-ea"/>
+              <a:cs typeface="+mn-cs"/>
+            </a:endParaRPr>
+          </a:p>
+        </p:txBody>
+      </p:sp>
+      <p:cxnSp>
+        <p:nvCxnSpPr>
+          <p:cNvPr id="9" name="Straight Arrow Connector 8"/>
+          <p:cNvCxnSpPr>
+            <a:endCxn id="62" idx="3"/>
+          </p:cNvCxnSpPr>
+          <p:nvPr/>
+        </p:nvCxnSpPr>
+        <p:spPr>
+          <a:xfrm flipH="1">
+            <a:off x="5410200" y="4181474"/>
+            <a:ext cx="1088992" cy="150923"/>
+          </a:xfrm>
+          <a:prstGeom prst="straightConnector1">
+            <a:avLst/>
+          </a:prstGeom>
+          <a:ln w="19050">
+            <a:solidFill>
+              <a:schemeClr val="tx1"/>
+            </a:solidFill>
+            <a:tailEnd type="arrow"/>
+          </a:ln>
+        </p:spPr>
+        <p:style>
+          <a:lnRef idx="1">
+            <a:schemeClr val="accent1"/>
+          </a:lnRef>
+          <a:fillRef idx="0">
+            <a:schemeClr val="accent1"/>
+          </a:fillRef>
+          <a:effectRef idx="0">
+            <a:schemeClr val="accent1"/>
+          </a:effectRef>
+          <a:fontRef idx="minor">
+            <a:schemeClr val="tx1"/>
+          </a:fontRef>
+        </p:style>
+      </p:cxnSp>
+      <p:sp>
+        <p:nvSpPr>
+          <p:cNvPr id="53" name="Rectangle 52"/>
+          <p:cNvSpPr/>
+          <p:nvPr/>
+        </p:nvSpPr>
+        <p:spPr>
+          <a:xfrm>
+            <a:off x="6857999" y="4766089"/>
+            <a:ext cx="278999" cy="375031"/>
+          </a:xfrm>
+          <a:prstGeom prst="rect">
+            <a:avLst/>
+          </a:prstGeom>
+          <a:noFill/>
+          <a:ln w="19050">
+            <a:solidFill>
+              <a:schemeClr val="tx1"/>
+            </a:solidFill>
+          </a:ln>
+        </p:spPr>
+        <p:style>
+          <a:lnRef idx="2">
+            <a:schemeClr val="accent1">
+              <a:shade val="50000"/>
+            </a:schemeClr>
+          </a:lnRef>
+          <a:fillRef idx="1">
+            <a:schemeClr val="accent1"/>
+          </a:fillRef>
+          <a:effectRef idx="0">
+            <a:schemeClr val="accent1"/>
+          </a:effectRef>
+          <a:fontRef idx="minor">
+            <a:schemeClr val="lt1"/>
+          </a:fontRef>
+        </p:style>
+        <p:txBody>
+          <a:bodyPr rtlCol="0" anchor="ctr"/>
+          <a:lstStyle/>
+          <a:p>
+            <a:pPr algn="ctr"/>
+            <a:endParaRPr lang="en-US"/>
+          </a:p>
+        </p:txBody>
+      </p:sp>
+      <p:sp>
+        <p:nvSpPr>
+          <p:cNvPr id="58" name="Rectangle 57"/>
+          <p:cNvSpPr/>
+          <p:nvPr/>
+        </p:nvSpPr>
+        <p:spPr>
+          <a:xfrm>
+            <a:off x="4584900" y="4461312"/>
+            <a:ext cx="278999" cy="375031"/>
+          </a:xfrm>
+          <a:prstGeom prst="rect">
+            <a:avLst/>
+          </a:prstGeom>
+          <a:noFill/>
+          <a:ln w="19050">
+            <a:solidFill>
+              <a:schemeClr val="tx1"/>
+            </a:solidFill>
+          </a:ln>
+        </p:spPr>
+        <p:style>
+          <a:lnRef idx="2">
+            <a:schemeClr val="accent1">
+              <a:shade val="50000"/>
+            </a:schemeClr>
+          </a:lnRef>
+          <a:fillRef idx="1">
+            <a:schemeClr val="accent1"/>
+          </a:fillRef>
+          <a:effectRef idx="0">
+            <a:schemeClr val="accent1"/>
+          </a:effectRef>
+          <a:fontRef idx="minor">
+            <a:schemeClr val="lt1"/>
+          </a:fontRef>
+        </p:style>
+        <p:txBody>
+          <a:bodyPr rtlCol="0" anchor="ctr"/>
+          <a:lstStyle/>
+          <a:p>
+            <a:pPr algn="ctr"/>
+            <a:endParaRPr lang="en-US"/>
+          </a:p>
+        </p:txBody>
+      </p:sp>
+      <p:sp>
+        <p:nvSpPr>
+          <p:cNvPr id="62" name="Rectangle 61"/>
+          <p:cNvSpPr/>
+          <p:nvPr/>
+        </p:nvSpPr>
+        <p:spPr>
+          <a:xfrm>
+            <a:off x="4925996" y="4114801"/>
+            <a:ext cx="484204" cy="435192"/>
+          </a:xfrm>
+          <a:prstGeom prst="rect">
+            <a:avLst/>
+          </a:prstGeom>
+          <a:noFill/>
+          <a:ln w="19050">
+            <a:solidFill>
+              <a:schemeClr val="tx1"/>
+            </a:solidFill>
+          </a:ln>
+        </p:spPr>
+        <p:style>
+          <a:lnRef idx="2">
+            <a:schemeClr val="accent1">
+              <a:shade val="50000"/>
+            </a:schemeClr>
+          </a:lnRef>
+          <a:fillRef idx="1">
+            <a:schemeClr val="accent1"/>
+          </a:fillRef>
+          <a:effectRef idx="0">
+            <a:schemeClr val="accent1"/>
+          </a:effectRef>
+          <a:fontRef idx="minor">
+            <a:schemeClr val="lt1"/>
+          </a:fontRef>
+        </p:style>
+        <p:txBody>
+          <a:bodyPr rtlCol="0" anchor="ctr"/>
+          <a:lstStyle/>
+          <a:p>
+            <a:pPr algn="ctr"/>
+            <a:endParaRPr lang="en-US"/>
+          </a:p>
+        </p:txBody>
+      </p:sp>
+    </p:spTree>
+    <p:extLst>
+      <p:ext uri="{BB962C8B-B14F-4D97-AF65-F5344CB8AC3E}">
+        <p14:creationId xmlns:p14="http://schemas.microsoft.com/office/powerpoint/2010/main" val="4203361905"/>
+      </p:ext>
+    </p:extLst>
+  </p:cSld>
+  <p:clrMapOvr>
+    <a:masterClrMapping/>
+  </p:clrMapOvr>
+</p:sld>
+</file>
+
+<file path=ppt/slides/slide12.xml><?xml version="1.0" encoding="utf-8"?>
+<p:sld xmlns:a="http://schemas.openxmlformats.org/drawingml/2006/main" xmlns:r="http://schemas.openxmlformats.org/officeDocument/2006/relationships" xmlns:p="http://schemas.openxmlformats.org/presentationml/2006/main">
+  <p:cSld>
+    <p:spTree>
+      <p:nvGrpSpPr>
+        <p:cNvPr id="1" name=""/>
+        <p:cNvGrpSpPr/>
+        <p:nvPr/>
+      </p:nvGrpSpPr>
+      <p:grpSpPr>
+        <a:xfrm>
+          <a:off x="0" y="0"/>
+          <a:ext cx="0" cy="0"/>
+          <a:chOff x="0" y="0"/>
+          <a:chExt cx="0" cy="0"/>
+        </a:xfrm>
+      </p:grpSpPr>
+      <p:sp>
+        <p:nvSpPr>
+          <p:cNvPr id="2" name="Title 1"/>
+          <p:cNvSpPr>
+            <a:spLocks noGrp="1"/>
+          </p:cNvSpPr>
+          <p:nvPr>
+            <p:ph type="title"/>
+          </p:nvPr>
+        </p:nvSpPr>
+        <p:spPr/>
+        <p:txBody>
+          <a:bodyPr/>
+          <a:lstStyle/>
+          <a:p>
+            <a:r>
+              <a:rPr lang="en-US" dirty="0" smtClean="0"/>
+              <a:t>Spatial calibration</a:t>
+            </a:r>
+            <a:endParaRPr lang="en-US" dirty="0"/>
+          </a:p>
+        </p:txBody>
+      </p:sp>
+      <p:sp>
+        <p:nvSpPr>
+          <p:cNvPr id="4" name="Footer Placeholder 3"/>
+          <p:cNvSpPr>
+            <a:spLocks noGrp="1"/>
+          </p:cNvSpPr>
+          <p:nvPr>
+            <p:ph type="ftr" sz="quarter" idx="11"/>
+          </p:nvPr>
+        </p:nvSpPr>
+        <p:spPr/>
+        <p:txBody>
+          <a:bodyPr/>
+          <a:lstStyle/>
+          <a:p>
+            <a:r>
+              <a:rPr lang="en-US" dirty="0" smtClean="0"/>
+              <a:t>Laboratory for Percutaneous Surgery (The Perk Lab) – Copyright © Queen’s University, 2012</a:t>
+            </a:r>
+          </a:p>
+          <a:p>
+            <a:endParaRPr lang="en-US" dirty="0"/>
+          </a:p>
+        </p:txBody>
+      </p:sp>
+      <p:pic>
+        <p:nvPicPr>
+          <p:cNvPr id="5" name="Picture 3" descr="S:\data\Sue\SueSue\UserGuideCapture\11-13-2012 3-04-57 PMs.tif"/>
+          <p:cNvPicPr>
+            <a:picLocks noChangeAspect="1" noChangeArrowheads="1"/>
+          </p:cNvPicPr>
+          <p:nvPr/>
+        </p:nvPicPr>
+        <p:blipFill rotWithShape="1">
+          <a:blip r:embed="rId2" cstate="print">
+            <a:extLst>
+              <a:ext uri="{28A0092B-C50C-407E-A947-70E740481C1C}">
+                <a14:useLocalDpi xmlns:a14="http://schemas.microsoft.com/office/drawing/2010/main" val="0"/>
+              </a:ext>
+            </a:extLst>
+          </a:blip>
+          <a:srcRect t="2778" b="6944"/>
+          <a:stretch/>
+        </p:blipFill>
+        <p:spPr bwMode="auto">
+          <a:xfrm>
+            <a:off x="381000" y="1295400"/>
+            <a:ext cx="4745207" cy="3200400"/>
+          </a:xfrm>
+          <a:prstGeom prst="rect">
+            <a:avLst/>
+          </a:prstGeom>
+          <a:noFill/>
+          <a:extLst>
+            <a:ext uri="{909E8E84-426E-40DD-AFC4-6F175D3DCCD1}">
+              <a14:hiddenFill xmlns:a14="http://schemas.microsoft.com/office/drawing/2010/main">
+                <a:solidFill>
+                  <a:srgbClr val="FFFFFF"/>
+                </a:solidFill>
+              </a14:hiddenFill>
+            </a:ext>
+          </a:extLst>
+        </p:spPr>
+      </p:pic>
+      <p:pic>
+        <p:nvPicPr>
+          <p:cNvPr id="8194" name="Picture 2" descr="S:\data\Sue\SueSue\UserGuideCapture\11-13-2012 3-08-42 PMs.tif"/>
+          <p:cNvPicPr>
+            <a:picLocks noChangeAspect="1" noChangeArrowheads="1"/>
+          </p:cNvPicPr>
+          <p:nvPr/>
+        </p:nvPicPr>
+        <p:blipFill rotWithShape="1">
+          <a:blip r:embed="rId3" cstate="print">
+            <a:extLst>
+              <a:ext uri="{28A0092B-C50C-407E-A947-70E740481C1C}">
+                <a14:useLocalDpi xmlns:a14="http://schemas.microsoft.com/office/drawing/2010/main" val="0"/>
+              </a:ext>
+            </a:extLst>
+          </a:blip>
+          <a:srcRect t="3472" b="6598"/>
+          <a:stretch/>
+        </p:blipFill>
+        <p:spPr bwMode="auto">
+          <a:xfrm>
+            <a:off x="4170407" y="1304925"/>
+            <a:ext cx="4744993" cy="3200400"/>
+          </a:xfrm>
+          <a:prstGeom prst="rect">
+            <a:avLst/>
+          </a:prstGeom>
+          <a:noFill/>
+          <a:extLst>
+            <a:ext uri="{909E8E84-426E-40DD-AFC4-6F175D3DCCD1}">
+              <a14:hiddenFill xmlns:a14="http://schemas.microsoft.com/office/drawing/2010/main">
+                <a:solidFill>
+                  <a:srgbClr val="FFFFFF"/>
+                </a:solidFill>
+              </a14:hiddenFill>
+            </a:ext>
+          </a:extLst>
+        </p:spPr>
+      </p:pic>
+      <p:sp>
+        <p:nvSpPr>
+          <p:cNvPr id="8" name="Content Placeholder 2"/>
+          <p:cNvSpPr txBox="1">
+            <a:spLocks/>
+          </p:cNvSpPr>
+          <p:nvPr/>
+        </p:nvSpPr>
+        <p:spPr>
+          <a:xfrm>
+            <a:off x="685799" y="4648200"/>
+            <a:ext cx="7924801" cy="1371600"/>
+          </a:xfrm>
+          <a:prstGeom prst="rect">
+            <a:avLst/>
+          </a:prstGeom>
+          <a:ln w="38100">
+            <a:solidFill>
+              <a:srgbClr val="FF0000"/>
+            </a:solidFill>
+          </a:ln>
+        </p:spPr>
+        <p:txBody>
+          <a:bodyPr vert="horz" lIns="91440" tIns="45720" rIns="91440" bIns="45720" rtlCol="0">
+            <a:normAutofit/>
+          </a:bodyPr>
+          <a:lstStyle>
+            <a:lvl1pPr marL="342900" indent="-342900" algn="l" defTabSz="914400" rtl="0" eaLnBrk="1" latinLnBrk="0" hangingPunct="1">
+              <a:spcBef>
+                <a:spcPct val="20000"/>
+              </a:spcBef>
+              <a:buFont typeface="Arial" pitchFamily="34" charset="0"/>
+              <a:buChar char="•"/>
+              <a:defRPr sz="2400" kern="1200">
+                <a:solidFill>
+                  <a:schemeClr val="tx1"/>
+                </a:solidFill>
+                <a:latin typeface="+mn-lt"/>
+                <a:ea typeface="+mn-ea"/>
+                <a:cs typeface="+mn-cs"/>
+              </a:defRPr>
+            </a:lvl1pPr>
+            <a:lvl2pPr marL="742950" indent="-285750" algn="l" defTabSz="914400" rtl="0" eaLnBrk="1" latinLnBrk="0" hangingPunct="1">
+              <a:spcBef>
+                <a:spcPct val="20000"/>
+              </a:spcBef>
+              <a:buFont typeface="Arial" pitchFamily="34" charset="0"/>
+              <a:buChar char="–"/>
+              <a:defRPr sz="2000" kern="1200">
+                <a:solidFill>
+                  <a:schemeClr val="tx1"/>
+                </a:solidFill>
+                <a:latin typeface="+mn-lt"/>
+                <a:ea typeface="+mn-ea"/>
+                <a:cs typeface="+mn-cs"/>
+              </a:defRPr>
+            </a:lvl2pPr>
+            <a:lvl3pPr marL="1143000" indent="-228600" algn="l" defTabSz="914400" rtl="0" eaLnBrk="1" latinLnBrk="0" hangingPunct="1">
+              <a:spcBef>
+                <a:spcPct val="20000"/>
+              </a:spcBef>
+              <a:buFont typeface="Arial" pitchFamily="34" charset="0"/>
+              <a:buChar char="•"/>
+              <a:defRPr sz="1800" kern="1200">
+                <a:solidFill>
+                  <a:schemeClr val="tx1"/>
+                </a:solidFill>
+                <a:latin typeface="+mn-lt"/>
+                <a:ea typeface="+mn-ea"/>
+                <a:cs typeface="+mn-cs"/>
+              </a:defRPr>
+            </a:lvl3pPr>
+            <a:lvl4pPr marL="1600200" indent="-228600" algn="l" defTabSz="914400" rtl="0" eaLnBrk="1" latinLnBrk="0" hangingPunct="1">
+              <a:spcBef>
+                <a:spcPct val="20000"/>
+              </a:spcBef>
+              <a:buFont typeface="Arial" pitchFamily="34" charset="0"/>
+              <a:buChar char="–"/>
+              <a:defRPr sz="1600" kern="1200">
+                <a:solidFill>
+                  <a:schemeClr val="tx1"/>
+                </a:solidFill>
+                <a:latin typeface="+mn-lt"/>
+                <a:ea typeface="+mn-ea"/>
+                <a:cs typeface="+mn-cs"/>
+              </a:defRPr>
+            </a:lvl4pPr>
+            <a:lvl5pPr marL="2057400" indent="-228600" algn="l" defTabSz="914400" rtl="0" eaLnBrk="1" latinLnBrk="0" hangingPunct="1">
+              <a:spcBef>
+                <a:spcPct val="20000"/>
+              </a:spcBef>
+              <a:buFont typeface="Arial" pitchFamily="34" charset="0"/>
+              <a:buChar char="»"/>
+              <a:defRPr sz="1600" kern="1200">
+                <a:solidFill>
+                  <a:schemeClr val="tx1"/>
+                </a:solidFill>
+                <a:latin typeface="+mn-lt"/>
+                <a:ea typeface="+mn-ea"/>
+                <a:cs typeface="+mn-cs"/>
+              </a:defRPr>
+            </a:lvl5pPr>
+            <a:lvl6pPr marL="2514600" indent="-228600" algn="l" defTabSz="914400" rtl="0" eaLnBrk="1" latinLnBrk="0" hangingPunct="1">
+              <a:spcBef>
+                <a:spcPct val="20000"/>
+              </a:spcBef>
+              <a:buFont typeface="Arial" pitchFamily="34" charset="0"/>
+              <a:buChar char="•"/>
+              <a:defRPr sz="2000" kern="1200">
+                <a:solidFill>
+                  <a:schemeClr val="tx1"/>
+                </a:solidFill>
+                <a:latin typeface="+mn-lt"/>
+                <a:ea typeface="+mn-ea"/>
+                <a:cs typeface="+mn-cs"/>
+              </a:defRPr>
+            </a:lvl6pPr>
+            <a:lvl7pPr marL="2971800" indent="-228600" algn="l" defTabSz="914400" rtl="0" eaLnBrk="1" latinLnBrk="0" hangingPunct="1">
+              <a:spcBef>
+                <a:spcPct val="20000"/>
+              </a:spcBef>
+              <a:buFont typeface="Arial" pitchFamily="34" charset="0"/>
+              <a:buChar char="•"/>
+              <a:defRPr sz="2000" kern="1200">
+                <a:solidFill>
+                  <a:schemeClr val="tx1"/>
+                </a:solidFill>
+                <a:latin typeface="+mn-lt"/>
+                <a:ea typeface="+mn-ea"/>
+                <a:cs typeface="+mn-cs"/>
+              </a:defRPr>
+            </a:lvl7pPr>
+            <a:lvl8pPr marL="3429000" indent="-228600" algn="l" defTabSz="914400" rtl="0" eaLnBrk="1" latinLnBrk="0" hangingPunct="1">
+              <a:spcBef>
+                <a:spcPct val="20000"/>
+              </a:spcBef>
+              <a:buFont typeface="Arial" pitchFamily="34" charset="0"/>
+              <a:buChar char="•"/>
+              <a:defRPr sz="2000" kern="1200">
+                <a:solidFill>
+                  <a:schemeClr val="tx1"/>
+                </a:solidFill>
+                <a:latin typeface="+mn-lt"/>
+                <a:ea typeface="+mn-ea"/>
+                <a:cs typeface="+mn-cs"/>
+              </a:defRPr>
+            </a:lvl8pPr>
+            <a:lvl9pPr marL="3886200" indent="-228600" algn="l" defTabSz="914400" rtl="0" eaLnBrk="1" latinLnBrk="0" hangingPunct="1">
+              <a:spcBef>
+                <a:spcPct val="20000"/>
+              </a:spcBef>
+              <a:buFont typeface="Arial" pitchFamily="34" charset="0"/>
+              <a:buChar char="•"/>
+              <a:defRPr sz="2000" kern="1200">
+                <a:solidFill>
+                  <a:schemeClr val="tx1"/>
+                </a:solidFill>
+                <a:latin typeface="+mn-lt"/>
+                <a:ea typeface="+mn-ea"/>
+                <a:cs typeface="+mn-cs"/>
+              </a:defRPr>
+            </a:lvl9pPr>
+          </a:lstStyle>
+          <a:p>
+            <a:pPr>
+              <a:buFont typeface="+mj-lt"/>
+              <a:buAutoNum type="arabicPeriod" startAt="17"/>
+            </a:pPr>
+            <a:r>
+              <a:rPr lang="en-US" sz="1800" dirty="0" smtClean="0">
+                <a:solidFill>
+                  <a:srgbClr val="00B050"/>
+                </a:solidFill>
+              </a:rPr>
+              <a:t>Select to edit parameters</a:t>
+            </a:r>
+            <a:endParaRPr lang="en-US" sz="1800" dirty="0">
+              <a:solidFill>
+                <a:srgbClr val="00B050"/>
+              </a:solidFill>
+            </a:endParaRPr>
+          </a:p>
+          <a:p>
+            <a:pPr>
+              <a:buFont typeface="+mj-lt"/>
+              <a:buAutoNum type="arabicPeriod" startAt="17"/>
+            </a:pPr>
+            <a:r>
+              <a:rPr lang="en-US" sz="1800" dirty="0" smtClean="0">
+                <a:solidFill>
+                  <a:srgbClr val="FF0000"/>
+                </a:solidFill>
+              </a:rPr>
+              <a:t>Select “Region of interest” and pink frame appears on the screen. Move the probe until 9 points of wires appears on the screen. </a:t>
+            </a:r>
+            <a:endParaRPr lang="en-US" sz="1800" dirty="0">
+              <a:solidFill>
+                <a:srgbClr val="FF0000"/>
+              </a:solidFill>
+            </a:endParaRPr>
+          </a:p>
+          <a:p>
+            <a:pPr>
+              <a:buFont typeface="+mj-lt"/>
+              <a:buAutoNum type="arabicPeriod" startAt="17"/>
+            </a:pPr>
+            <a:r>
+              <a:rPr lang="en-US" sz="1800" dirty="0" smtClean="0">
+                <a:solidFill>
+                  <a:srgbClr val="00B0F0"/>
+                </a:solidFill>
+              </a:rPr>
+              <a:t>Click “Freeze Image” then adjust the size of the frame to cover those points.</a:t>
+            </a:r>
+            <a:endParaRPr lang="en-US" sz="1800" dirty="0">
+              <a:solidFill>
+                <a:srgbClr val="00B0F0"/>
+              </a:solidFill>
+            </a:endParaRPr>
+          </a:p>
+        </p:txBody>
+      </p:sp>
+      <p:sp>
+        <p:nvSpPr>
+          <p:cNvPr id="9" name="Rectangle 8"/>
+          <p:cNvSpPr/>
+          <p:nvPr/>
+        </p:nvSpPr>
+        <p:spPr>
+          <a:xfrm>
+            <a:off x="1295400" y="2514600"/>
+            <a:ext cx="304800" cy="200025"/>
+          </a:xfrm>
+          <a:prstGeom prst="rect">
+            <a:avLst/>
+          </a:prstGeom>
+          <a:noFill/>
+          <a:ln w="38100">
+            <a:solidFill>
+              <a:srgbClr val="00B050"/>
+            </a:solidFill>
+          </a:ln>
+        </p:spPr>
+        <p:style>
+          <a:lnRef idx="2">
+            <a:schemeClr val="accent1">
+              <a:shade val="50000"/>
+            </a:schemeClr>
+          </a:lnRef>
+          <a:fillRef idx="1">
+            <a:schemeClr val="accent1"/>
+          </a:fillRef>
+          <a:effectRef idx="0">
+            <a:schemeClr val="accent1"/>
+          </a:effectRef>
+          <a:fontRef idx="minor">
+            <a:schemeClr val="lt1"/>
+          </a:fontRef>
+        </p:style>
+        <p:txBody>
+          <a:bodyPr rtlCol="0" anchor="ctr"/>
+          <a:lstStyle/>
+          <a:p>
+            <a:pPr algn="ctr"/>
+            <a:endParaRPr lang="en-US"/>
+          </a:p>
+        </p:txBody>
+      </p:sp>
+      <p:cxnSp>
+        <p:nvCxnSpPr>
+          <p:cNvPr id="10" name="Elbow Connector 9"/>
+          <p:cNvCxnSpPr>
+            <a:stCxn id="9" idx="2"/>
+          </p:cNvCxnSpPr>
+          <p:nvPr/>
+        </p:nvCxnSpPr>
+        <p:spPr>
+          <a:xfrm rot="16200000" flipH="1">
+            <a:off x="823913" y="3338511"/>
+            <a:ext cx="1933574" cy="685801"/>
+          </a:xfrm>
+          <a:prstGeom prst="bentConnector3">
+            <a:avLst>
+              <a:gd name="adj1" fmla="val 50000"/>
+            </a:avLst>
+          </a:prstGeom>
+          <a:ln w="38100">
+            <a:solidFill>
+              <a:srgbClr val="00B050"/>
+            </a:solidFill>
+            <a:tailEnd type="arrow"/>
+          </a:ln>
+        </p:spPr>
+        <p:style>
+          <a:lnRef idx="1">
+            <a:schemeClr val="accent1"/>
+          </a:lnRef>
+          <a:fillRef idx="0">
+            <a:schemeClr val="accent1"/>
+          </a:fillRef>
+          <a:effectRef idx="0">
+            <a:schemeClr val="accent1"/>
+          </a:effectRef>
+          <a:fontRef idx="minor">
+            <a:schemeClr val="tx1"/>
+          </a:fontRef>
+        </p:style>
+      </p:cxnSp>
+      <p:cxnSp>
+        <p:nvCxnSpPr>
+          <p:cNvPr id="18" name="Elbow Connector 17"/>
+          <p:cNvCxnSpPr>
+            <a:endCxn id="8" idx="3"/>
+          </p:cNvCxnSpPr>
+          <p:nvPr/>
+        </p:nvCxnSpPr>
+        <p:spPr>
+          <a:xfrm>
+            <a:off x="5334001" y="2057402"/>
+            <a:ext cx="3276599" cy="3276598"/>
+          </a:xfrm>
+          <a:prstGeom prst="bentConnector3">
+            <a:avLst>
+              <a:gd name="adj1" fmla="val 106977"/>
+            </a:avLst>
+          </a:prstGeom>
+          <a:ln w="38100">
+            <a:solidFill>
+              <a:srgbClr val="FF0000"/>
+            </a:solidFill>
+            <a:tailEnd type="arrow"/>
+          </a:ln>
+        </p:spPr>
+        <p:style>
+          <a:lnRef idx="1">
+            <a:schemeClr val="accent1"/>
+          </a:lnRef>
+          <a:fillRef idx="0">
+            <a:schemeClr val="accent1"/>
+          </a:fillRef>
+          <a:effectRef idx="0">
+            <a:schemeClr val="accent1"/>
+          </a:effectRef>
+          <a:fontRef idx="minor">
+            <a:schemeClr val="tx1"/>
+          </a:fontRef>
+        </p:style>
+      </p:cxnSp>
+      <p:sp>
+        <p:nvSpPr>
+          <p:cNvPr id="21" name="Rectangle 20"/>
+          <p:cNvSpPr/>
+          <p:nvPr/>
+        </p:nvSpPr>
+        <p:spPr>
+          <a:xfrm>
+            <a:off x="4170406" y="1828800"/>
+            <a:ext cx="1163593" cy="457200"/>
+          </a:xfrm>
+          <a:prstGeom prst="rect">
+            <a:avLst/>
+          </a:prstGeom>
+          <a:noFill/>
+          <a:ln w="38100">
+            <a:solidFill>
+              <a:srgbClr val="FF0000"/>
+            </a:solidFill>
+          </a:ln>
+        </p:spPr>
+        <p:style>
+          <a:lnRef idx="2">
+            <a:schemeClr val="accent1">
+              <a:shade val="50000"/>
+            </a:schemeClr>
+          </a:lnRef>
+          <a:fillRef idx="1">
+            <a:schemeClr val="accent1"/>
+          </a:fillRef>
+          <a:effectRef idx="0">
+            <a:schemeClr val="accent1"/>
+          </a:effectRef>
+          <a:fontRef idx="minor">
+            <a:schemeClr val="lt1"/>
+          </a:fontRef>
+        </p:style>
+        <p:txBody>
+          <a:bodyPr rtlCol="0" anchor="ctr"/>
+          <a:lstStyle/>
+          <a:p>
+            <a:pPr algn="ctr"/>
+            <a:endParaRPr lang="en-US"/>
+          </a:p>
+        </p:txBody>
+      </p:sp>
+      <p:sp>
+        <p:nvSpPr>
+          <p:cNvPr id="23" name="Rectangle 22"/>
+          <p:cNvSpPr/>
+          <p:nvPr/>
+        </p:nvSpPr>
+        <p:spPr>
+          <a:xfrm>
+            <a:off x="4322806" y="1600200"/>
+            <a:ext cx="803402" cy="152400"/>
+          </a:xfrm>
+          <a:prstGeom prst="rect">
+            <a:avLst/>
+          </a:prstGeom>
+          <a:noFill/>
+          <a:ln w="38100">
+            <a:solidFill>
+              <a:srgbClr val="00B0F0"/>
+            </a:solidFill>
+          </a:ln>
+        </p:spPr>
+        <p:style>
+          <a:lnRef idx="2">
+            <a:schemeClr val="accent1">
+              <a:shade val="50000"/>
+            </a:schemeClr>
+          </a:lnRef>
+          <a:fillRef idx="1">
+            <a:schemeClr val="accent1"/>
+          </a:fillRef>
+          <a:effectRef idx="0">
+            <a:schemeClr val="accent1"/>
+          </a:effectRef>
+          <a:fontRef idx="minor">
+            <a:schemeClr val="lt1"/>
+          </a:fontRef>
+        </p:style>
+        <p:txBody>
+          <a:bodyPr rtlCol="0" anchor="ctr"/>
+          <a:lstStyle/>
+          <a:p>
+            <a:pPr algn="ctr"/>
+            <a:endParaRPr lang="en-US"/>
+          </a:p>
+        </p:txBody>
+      </p:sp>
+      <p:cxnSp>
+        <p:nvCxnSpPr>
+          <p:cNvPr id="24" name="Elbow Connector 23"/>
+          <p:cNvCxnSpPr>
+            <a:stCxn id="23" idx="1"/>
+            <a:endCxn id="8" idx="2"/>
+          </p:cNvCxnSpPr>
+          <p:nvPr/>
+        </p:nvCxnSpPr>
+        <p:spPr>
+          <a:xfrm rot="10800000" flipH="1" flipV="1">
+            <a:off x="4322806" y="1676400"/>
+            <a:ext cx="325394" cy="4343400"/>
+          </a:xfrm>
+          <a:prstGeom prst="bentConnector4">
+            <a:avLst>
+              <a:gd name="adj1" fmla="val -1187977"/>
+              <a:gd name="adj2" fmla="val 105263"/>
+            </a:avLst>
+          </a:prstGeom>
+          <a:ln w="38100">
+            <a:solidFill>
+              <a:srgbClr val="00B0F0"/>
+            </a:solidFill>
+            <a:tailEnd type="arrow"/>
+          </a:ln>
+        </p:spPr>
+        <p:style>
+          <a:lnRef idx="1">
+            <a:schemeClr val="accent1"/>
+          </a:lnRef>
+          <a:fillRef idx="0">
+            <a:schemeClr val="accent1"/>
+          </a:fillRef>
+          <a:effectRef idx="0">
+            <a:schemeClr val="accent1"/>
+          </a:effectRef>
+          <a:fontRef idx="minor">
+            <a:schemeClr val="tx1"/>
+          </a:fontRef>
+        </p:style>
+      </p:cxnSp>
+    </p:spTree>
+    <p:extLst>
+      <p:ext uri="{BB962C8B-B14F-4D97-AF65-F5344CB8AC3E}">
+        <p14:creationId xmlns:p14="http://schemas.microsoft.com/office/powerpoint/2010/main" val="4203361905"/>
+      </p:ext>
+    </p:extLst>
+  </p:cSld>
+  <p:clrMapOvr>
+    <a:masterClrMapping/>
+  </p:clrMapOvr>
+</p:sld>
+</file>
+
+<file path=ppt/slides/slide13.xml><?xml version="1.0" encoding="utf-8"?>
+<p:sld xmlns:a="http://schemas.openxmlformats.org/drawingml/2006/main" xmlns:r="http://schemas.openxmlformats.org/officeDocument/2006/relationships" xmlns:p="http://schemas.openxmlformats.org/presentationml/2006/main">
+  <p:cSld>
+    <p:spTree>
+      <p:nvGrpSpPr>
+        <p:cNvPr id="1" name=""/>
+        <p:cNvGrpSpPr/>
+        <p:nvPr/>
+      </p:nvGrpSpPr>
+      <p:grpSpPr>
+        <a:xfrm>
+          <a:off x="0" y="0"/>
+          <a:ext cx="0" cy="0"/>
+          <a:chOff x="0" y="0"/>
+          <a:chExt cx="0" cy="0"/>
+        </a:xfrm>
+      </p:grpSpPr>
+      <p:sp>
+        <p:nvSpPr>
+          <p:cNvPr id="2" name="Title 1"/>
+          <p:cNvSpPr>
+            <a:spLocks noGrp="1"/>
+          </p:cNvSpPr>
+          <p:nvPr>
+            <p:ph type="title"/>
+          </p:nvPr>
+        </p:nvSpPr>
+        <p:spPr/>
+        <p:txBody>
+          <a:bodyPr/>
+          <a:lstStyle/>
+          <a:p>
+            <a:r>
+              <a:rPr lang="en-US" dirty="0" smtClean="0"/>
+              <a:t>Spatial calibration</a:t>
+            </a:r>
+            <a:endParaRPr lang="en-US" dirty="0"/>
+          </a:p>
+        </p:txBody>
+      </p:sp>
+      <p:sp>
+        <p:nvSpPr>
+          <p:cNvPr id="4" name="Footer Placeholder 3"/>
+          <p:cNvSpPr>
+            <a:spLocks noGrp="1"/>
+          </p:cNvSpPr>
+          <p:nvPr>
+            <p:ph type="ftr" sz="quarter" idx="11"/>
+          </p:nvPr>
+        </p:nvSpPr>
+        <p:spPr/>
+        <p:txBody>
+          <a:bodyPr/>
+          <a:lstStyle/>
+          <a:p>
+            <a:r>
+              <a:rPr lang="en-US" dirty="0" smtClean="0"/>
+              <a:t>Laboratory for Percutaneous Surgery (The Perk Lab) – Copyright © Queen’s University, 2012</a:t>
+            </a:r>
+          </a:p>
+          <a:p>
+            <a:endParaRPr lang="en-US" dirty="0"/>
+          </a:p>
+        </p:txBody>
+      </p:sp>
+      <p:pic>
+        <p:nvPicPr>
+          <p:cNvPr id="8195" name="Picture 3" descr="S:\data\Sue\SueSue\UserGuideCapture\12-6-2012 4-27-43 PMs.tif"/>
+          <p:cNvPicPr>
+            <a:picLocks noChangeAspect="1" noChangeArrowheads="1"/>
+          </p:cNvPicPr>
+          <p:nvPr/>
+        </p:nvPicPr>
+        <p:blipFill rotWithShape="1">
+          <a:blip r:embed="rId2" cstate="print">
+            <a:extLst>
+              <a:ext uri="{28A0092B-C50C-407E-A947-70E740481C1C}">
+                <a14:useLocalDpi xmlns:a14="http://schemas.microsoft.com/office/drawing/2010/main" val="0"/>
+              </a:ext>
+            </a:extLst>
+          </a:blip>
+          <a:srcRect t="2778" b="7292"/>
+          <a:stretch/>
+        </p:blipFill>
+        <p:spPr bwMode="auto">
+          <a:xfrm>
+            <a:off x="76200" y="1219200"/>
+            <a:ext cx="4744995" cy="3200400"/>
+          </a:xfrm>
+          <a:prstGeom prst="rect">
+            <a:avLst/>
+          </a:prstGeom>
+          <a:noFill/>
+          <a:extLst>
+            <a:ext uri="{909E8E84-426E-40DD-AFC4-6F175D3DCCD1}">
+              <a14:hiddenFill xmlns:a14="http://schemas.microsoft.com/office/drawing/2010/main">
+                <a:solidFill>
+                  <a:srgbClr val="FFFFFF"/>
+                </a:solidFill>
+              </a14:hiddenFill>
+            </a:ext>
+          </a:extLst>
+        </p:spPr>
+      </p:pic>
+      <p:pic>
+        <p:nvPicPr>
+          <p:cNvPr id="8196" name="Picture 4" descr="S:\data\Sue\SueSue\UserGuideCapture\12-6-2012 4-31-12 PMs.tif"/>
+          <p:cNvPicPr>
+            <a:picLocks noChangeAspect="1" noChangeArrowheads="1"/>
+          </p:cNvPicPr>
+          <p:nvPr/>
+        </p:nvPicPr>
+        <p:blipFill rotWithShape="1">
+          <a:blip r:embed="rId3" cstate="print">
+            <a:extLst>
+              <a:ext uri="{28A0092B-C50C-407E-A947-70E740481C1C}">
+                <a14:useLocalDpi xmlns:a14="http://schemas.microsoft.com/office/drawing/2010/main" val="0"/>
+              </a:ext>
+            </a:extLst>
+          </a:blip>
+          <a:srcRect t="2778" b="4167"/>
+          <a:stretch/>
+        </p:blipFill>
+        <p:spPr bwMode="auto">
+          <a:xfrm>
+            <a:off x="4325608" y="1219200"/>
+            <a:ext cx="4585647" cy="3200400"/>
+          </a:xfrm>
+          <a:prstGeom prst="rect">
+            <a:avLst/>
+          </a:prstGeom>
+          <a:noFill/>
+          <a:extLst>
+            <a:ext uri="{909E8E84-426E-40DD-AFC4-6F175D3DCCD1}">
+              <a14:hiddenFill xmlns:a14="http://schemas.microsoft.com/office/drawing/2010/main">
+                <a:solidFill>
+                  <a:srgbClr val="FFFFFF"/>
+                </a:solidFill>
+              </a14:hiddenFill>
+            </a:ext>
+          </a:extLst>
+        </p:spPr>
+      </p:pic>
+      <p:sp>
+        <p:nvSpPr>
+          <p:cNvPr id="9" name="Content Placeholder 2"/>
+          <p:cNvSpPr txBox="1">
+            <a:spLocks/>
+          </p:cNvSpPr>
+          <p:nvPr/>
+        </p:nvSpPr>
+        <p:spPr>
+          <a:xfrm>
+            <a:off x="609600" y="4619624"/>
+            <a:ext cx="7924801" cy="1857376"/>
+          </a:xfrm>
+          <a:prstGeom prst="rect">
+            <a:avLst/>
+          </a:prstGeom>
+          <a:ln w="38100">
+            <a:solidFill>
+              <a:srgbClr val="FF0000"/>
+            </a:solidFill>
+          </a:ln>
+        </p:spPr>
+        <p:txBody>
+          <a:bodyPr vert="horz" lIns="91440" tIns="45720" rIns="91440" bIns="45720" rtlCol="0">
+            <a:normAutofit/>
+          </a:bodyPr>
+          <a:lstStyle>
+            <a:lvl1pPr marL="342900" indent="-342900" algn="l" defTabSz="914400" rtl="0" eaLnBrk="1" latinLnBrk="0" hangingPunct="1">
+              <a:spcBef>
+                <a:spcPct val="20000"/>
+              </a:spcBef>
+              <a:buFont typeface="Arial" pitchFamily="34" charset="0"/>
+              <a:buChar char="•"/>
+              <a:defRPr sz="2400" kern="1200">
+                <a:solidFill>
+                  <a:schemeClr val="tx1"/>
+                </a:solidFill>
+                <a:latin typeface="+mn-lt"/>
+                <a:ea typeface="+mn-ea"/>
+                <a:cs typeface="+mn-cs"/>
+              </a:defRPr>
+            </a:lvl1pPr>
+            <a:lvl2pPr marL="742950" indent="-285750" algn="l" defTabSz="914400" rtl="0" eaLnBrk="1" latinLnBrk="0" hangingPunct="1">
+              <a:spcBef>
+                <a:spcPct val="20000"/>
+              </a:spcBef>
+              <a:buFont typeface="Arial" pitchFamily="34" charset="0"/>
+              <a:buChar char="–"/>
+              <a:defRPr sz="2000" kern="1200">
+                <a:solidFill>
+                  <a:schemeClr val="tx1"/>
+                </a:solidFill>
+                <a:latin typeface="+mn-lt"/>
+                <a:ea typeface="+mn-ea"/>
+                <a:cs typeface="+mn-cs"/>
+              </a:defRPr>
+            </a:lvl2pPr>
+            <a:lvl3pPr marL="1143000" indent="-228600" algn="l" defTabSz="914400" rtl="0" eaLnBrk="1" latinLnBrk="0" hangingPunct="1">
+              <a:spcBef>
+                <a:spcPct val="20000"/>
+              </a:spcBef>
+              <a:buFont typeface="Arial" pitchFamily="34" charset="0"/>
+              <a:buChar char="•"/>
+              <a:defRPr sz="1800" kern="1200">
+                <a:solidFill>
+                  <a:schemeClr val="tx1"/>
+                </a:solidFill>
+                <a:latin typeface="+mn-lt"/>
+                <a:ea typeface="+mn-ea"/>
+                <a:cs typeface="+mn-cs"/>
+              </a:defRPr>
+            </a:lvl3pPr>
+            <a:lvl4pPr marL="1600200" indent="-228600" algn="l" defTabSz="914400" rtl="0" eaLnBrk="1" latinLnBrk="0" hangingPunct="1">
+              <a:spcBef>
+                <a:spcPct val="20000"/>
+              </a:spcBef>
+              <a:buFont typeface="Arial" pitchFamily="34" charset="0"/>
+              <a:buChar char="–"/>
+              <a:defRPr sz="1600" kern="1200">
+                <a:solidFill>
+                  <a:schemeClr val="tx1"/>
+                </a:solidFill>
+                <a:latin typeface="+mn-lt"/>
+                <a:ea typeface="+mn-ea"/>
+                <a:cs typeface="+mn-cs"/>
+              </a:defRPr>
+            </a:lvl4pPr>
+            <a:lvl5pPr marL="2057400" indent="-228600" algn="l" defTabSz="914400" rtl="0" eaLnBrk="1" latinLnBrk="0" hangingPunct="1">
+              <a:spcBef>
+                <a:spcPct val="20000"/>
+              </a:spcBef>
+              <a:buFont typeface="Arial" pitchFamily="34" charset="0"/>
+              <a:buChar char="»"/>
+              <a:defRPr sz="1600" kern="1200">
+                <a:solidFill>
+                  <a:schemeClr val="tx1"/>
+                </a:solidFill>
+                <a:latin typeface="+mn-lt"/>
+                <a:ea typeface="+mn-ea"/>
+                <a:cs typeface="+mn-cs"/>
+              </a:defRPr>
+            </a:lvl5pPr>
+            <a:lvl6pPr marL="2514600" indent="-228600" algn="l" defTabSz="914400" rtl="0" eaLnBrk="1" latinLnBrk="0" hangingPunct="1">
+              <a:spcBef>
+                <a:spcPct val="20000"/>
+              </a:spcBef>
+              <a:buFont typeface="Arial" pitchFamily="34" charset="0"/>
+              <a:buChar char="•"/>
+              <a:defRPr sz="2000" kern="1200">
+                <a:solidFill>
+                  <a:schemeClr val="tx1"/>
+                </a:solidFill>
+                <a:latin typeface="+mn-lt"/>
+                <a:ea typeface="+mn-ea"/>
+                <a:cs typeface="+mn-cs"/>
+              </a:defRPr>
+            </a:lvl6pPr>
+            <a:lvl7pPr marL="2971800" indent="-228600" algn="l" defTabSz="914400" rtl="0" eaLnBrk="1" latinLnBrk="0" hangingPunct="1">
+              <a:spcBef>
+                <a:spcPct val="20000"/>
+              </a:spcBef>
+              <a:buFont typeface="Arial" pitchFamily="34" charset="0"/>
+              <a:buChar char="•"/>
+              <a:defRPr sz="2000" kern="1200">
+                <a:solidFill>
+                  <a:schemeClr val="tx1"/>
+                </a:solidFill>
+                <a:latin typeface="+mn-lt"/>
+                <a:ea typeface="+mn-ea"/>
+                <a:cs typeface="+mn-cs"/>
+              </a:defRPr>
+            </a:lvl7pPr>
+            <a:lvl8pPr marL="3429000" indent="-228600" algn="l" defTabSz="914400" rtl="0" eaLnBrk="1" latinLnBrk="0" hangingPunct="1">
+              <a:spcBef>
+                <a:spcPct val="20000"/>
+              </a:spcBef>
+              <a:buFont typeface="Arial" pitchFamily="34" charset="0"/>
+              <a:buChar char="•"/>
+              <a:defRPr sz="2000" kern="1200">
+                <a:solidFill>
+                  <a:schemeClr val="tx1"/>
+                </a:solidFill>
+                <a:latin typeface="+mn-lt"/>
+                <a:ea typeface="+mn-ea"/>
+                <a:cs typeface="+mn-cs"/>
+              </a:defRPr>
+            </a:lvl8pPr>
+            <a:lvl9pPr marL="3886200" indent="-228600" algn="l" defTabSz="914400" rtl="0" eaLnBrk="1" latinLnBrk="0" hangingPunct="1">
+              <a:spcBef>
+                <a:spcPct val="20000"/>
+              </a:spcBef>
+              <a:buFont typeface="Arial" pitchFamily="34" charset="0"/>
+              <a:buChar char="•"/>
+              <a:defRPr sz="2000" kern="1200">
+                <a:solidFill>
+                  <a:schemeClr val="tx1"/>
+                </a:solidFill>
+                <a:latin typeface="+mn-lt"/>
+                <a:ea typeface="+mn-ea"/>
+                <a:cs typeface="+mn-cs"/>
+              </a:defRPr>
+            </a:lvl9pPr>
+          </a:lstStyle>
+          <a:p>
+            <a:pPr>
+              <a:buFont typeface="+mj-lt"/>
+              <a:buAutoNum type="arabicPeriod" startAt="20"/>
+            </a:pPr>
+            <a:r>
+              <a:rPr lang="en-US" sz="1800" dirty="0" smtClean="0">
+                <a:solidFill>
+                  <a:srgbClr val="00B050"/>
+                </a:solidFill>
+              </a:rPr>
+              <a:t>Set the mass candidates from “80 to 40”</a:t>
+            </a:r>
+          </a:p>
+          <a:p>
+            <a:pPr>
+              <a:buFont typeface="+mj-lt"/>
+              <a:buAutoNum type="arabicPeriod" startAt="20"/>
+            </a:pPr>
+            <a:r>
+              <a:rPr lang="en-US" sz="1800" dirty="0" smtClean="0">
+                <a:solidFill>
+                  <a:srgbClr val="FF0000"/>
+                </a:solidFill>
+              </a:rPr>
+              <a:t>Select “Spacing” to adjust the distance between points (30x20). Now the dots should be recognized and turn to green. Move the probe up-down, left-right or until the green dots appear to be stable.  Then click “Apply and Close”</a:t>
+            </a:r>
+            <a:endParaRPr lang="en-US" sz="1800" dirty="0">
+              <a:solidFill>
+                <a:srgbClr val="FF0000"/>
+              </a:solidFill>
+            </a:endParaRPr>
+          </a:p>
+          <a:p>
+            <a:pPr>
+              <a:buFont typeface="+mj-lt"/>
+              <a:buAutoNum type="arabicPeriod" startAt="20"/>
+            </a:pPr>
+            <a:r>
+              <a:rPr lang="en-US" sz="1800" dirty="0" smtClean="0">
+                <a:solidFill>
+                  <a:srgbClr val="00B0F0"/>
+                </a:solidFill>
+              </a:rPr>
+              <a:t>Click “Start” and scan the phantom in all degrees of freedom. Until the progress bar is filled. Save the calibration.</a:t>
+            </a:r>
+            <a:endParaRPr lang="en-US" sz="1800" dirty="0">
+              <a:solidFill>
+                <a:srgbClr val="00B0F0"/>
+              </a:solidFill>
+            </a:endParaRPr>
+          </a:p>
+        </p:txBody>
+      </p:sp>
+      <p:sp>
+        <p:nvSpPr>
+          <p:cNvPr id="10" name="Rectangle 9"/>
+          <p:cNvSpPr/>
+          <p:nvPr/>
+        </p:nvSpPr>
+        <p:spPr>
+          <a:xfrm>
+            <a:off x="76200" y="2133600"/>
+            <a:ext cx="1143000" cy="381000"/>
+          </a:xfrm>
+          <a:prstGeom prst="rect">
+            <a:avLst/>
+          </a:prstGeom>
+          <a:noFill/>
+          <a:ln w="38100">
+            <a:solidFill>
+              <a:srgbClr val="FF0000"/>
+            </a:solidFill>
+          </a:ln>
+        </p:spPr>
+        <p:style>
+          <a:lnRef idx="2">
+            <a:schemeClr val="accent1">
+              <a:shade val="50000"/>
+            </a:schemeClr>
+          </a:lnRef>
+          <a:fillRef idx="1">
+            <a:schemeClr val="accent1"/>
+          </a:fillRef>
+          <a:effectRef idx="0">
+            <a:schemeClr val="accent1"/>
+          </a:effectRef>
+          <a:fontRef idx="minor">
+            <a:schemeClr val="lt1"/>
+          </a:fontRef>
+        </p:style>
+        <p:txBody>
+          <a:bodyPr rtlCol="0" anchor="ctr"/>
+          <a:lstStyle/>
+          <a:p>
+            <a:pPr algn="ctr"/>
+            <a:endParaRPr lang="en-US"/>
+          </a:p>
+        </p:txBody>
+      </p:sp>
+      <p:cxnSp>
+        <p:nvCxnSpPr>
+          <p:cNvPr id="11" name="Elbow Connector 10"/>
+          <p:cNvCxnSpPr>
+            <a:stCxn id="17" idx="2"/>
+            <a:endCxn id="15" idx="1"/>
+          </p:cNvCxnSpPr>
+          <p:nvPr/>
+        </p:nvCxnSpPr>
+        <p:spPr>
+          <a:xfrm rot="5400000">
+            <a:off x="1019803" y="1951996"/>
+            <a:ext cx="1524000" cy="2801608"/>
+          </a:xfrm>
+          <a:prstGeom prst="bentConnector4">
+            <a:avLst>
+              <a:gd name="adj1" fmla="val 45000"/>
+              <a:gd name="adj2" fmla="val 108160"/>
+            </a:avLst>
+          </a:prstGeom>
+          <a:ln w="38100">
+            <a:solidFill>
+              <a:srgbClr val="FF0000"/>
+            </a:solidFill>
+            <a:tailEnd type="arrow"/>
+          </a:ln>
+        </p:spPr>
+        <p:style>
+          <a:lnRef idx="1">
+            <a:schemeClr val="accent1"/>
+          </a:lnRef>
+          <a:fillRef idx="0">
+            <a:schemeClr val="accent1"/>
+          </a:fillRef>
+          <a:effectRef idx="0">
+            <a:schemeClr val="accent1"/>
+          </a:effectRef>
+          <a:fontRef idx="minor">
+            <a:schemeClr val="tx1"/>
+          </a:fontRef>
+        </p:style>
+      </p:cxnSp>
+      <p:sp>
+        <p:nvSpPr>
+          <p:cNvPr id="13" name="Rectangle 12"/>
+          <p:cNvSpPr/>
+          <p:nvPr/>
+        </p:nvSpPr>
+        <p:spPr>
+          <a:xfrm>
+            <a:off x="5280684" y="4190999"/>
+            <a:ext cx="3482316" cy="304801"/>
+          </a:xfrm>
+          <a:prstGeom prst="rect">
+            <a:avLst/>
+          </a:prstGeom>
+          <a:noFill/>
+          <a:ln w="38100">
+            <a:solidFill>
+              <a:srgbClr val="00B0F0"/>
+            </a:solidFill>
+          </a:ln>
+        </p:spPr>
+        <p:style>
+          <a:lnRef idx="2">
+            <a:schemeClr val="accent1">
+              <a:shade val="50000"/>
+            </a:schemeClr>
+          </a:lnRef>
+          <a:fillRef idx="1">
+            <a:schemeClr val="accent1"/>
+          </a:fillRef>
+          <a:effectRef idx="0">
+            <a:schemeClr val="accent1"/>
+          </a:effectRef>
+          <a:fontRef idx="minor">
+            <a:schemeClr val="lt1"/>
+          </a:fontRef>
+        </p:style>
+        <p:txBody>
+          <a:bodyPr rtlCol="0" anchor="ctr"/>
+          <a:lstStyle/>
+          <a:p>
+            <a:pPr algn="ctr"/>
+            <a:endParaRPr lang="en-US">
+              <a:solidFill>
+                <a:srgbClr val="00B0F0"/>
+              </a:solidFill>
+            </a:endParaRPr>
+          </a:p>
+        </p:txBody>
+      </p:sp>
+      <p:cxnSp>
+        <p:nvCxnSpPr>
+          <p:cNvPr id="14" name="Elbow Connector 13"/>
+          <p:cNvCxnSpPr>
+            <a:stCxn id="13" idx="0"/>
+            <a:endCxn id="9" idx="3"/>
+          </p:cNvCxnSpPr>
+          <p:nvPr/>
+        </p:nvCxnSpPr>
+        <p:spPr>
+          <a:xfrm rot="16200000" flipH="1">
+            <a:off x="7099464" y="4113376"/>
+            <a:ext cx="1357313" cy="1512559"/>
+          </a:xfrm>
+          <a:prstGeom prst="bentConnector4">
+            <a:avLst>
+              <a:gd name="adj1" fmla="val -16842"/>
+              <a:gd name="adj2" fmla="val 130227"/>
+            </a:avLst>
+          </a:prstGeom>
+          <a:ln w="38100">
+            <a:solidFill>
+              <a:srgbClr val="00B0F0"/>
+            </a:solidFill>
+            <a:tailEnd type="arrow"/>
+          </a:ln>
+        </p:spPr>
+        <p:style>
+          <a:lnRef idx="1">
+            <a:schemeClr val="accent1"/>
+          </a:lnRef>
+          <a:fillRef idx="0">
+            <a:schemeClr val="accent1"/>
+          </a:fillRef>
+          <a:effectRef idx="0">
+            <a:schemeClr val="accent1"/>
+          </a:effectRef>
+          <a:fontRef idx="minor">
+            <a:schemeClr val="tx1"/>
+          </a:fontRef>
+        </p:style>
+      </p:cxnSp>
+      <p:sp>
+        <p:nvSpPr>
+          <p:cNvPr id="15" name="Rectangle 14"/>
+          <p:cNvSpPr/>
+          <p:nvPr/>
+        </p:nvSpPr>
+        <p:spPr>
+          <a:xfrm>
+            <a:off x="380999" y="3962400"/>
+            <a:ext cx="609601" cy="304800"/>
+          </a:xfrm>
+          <a:prstGeom prst="rect">
+            <a:avLst/>
+          </a:prstGeom>
+          <a:noFill/>
+          <a:ln w="38100">
+            <a:solidFill>
+              <a:srgbClr val="FF0000"/>
+            </a:solidFill>
+          </a:ln>
+        </p:spPr>
+        <p:style>
+          <a:lnRef idx="2">
+            <a:schemeClr val="accent1">
+              <a:shade val="50000"/>
+            </a:schemeClr>
+          </a:lnRef>
+          <a:fillRef idx="1">
+            <a:schemeClr val="accent1"/>
+          </a:fillRef>
+          <a:effectRef idx="0">
+            <a:schemeClr val="accent1"/>
+          </a:effectRef>
+          <a:fontRef idx="minor">
+            <a:schemeClr val="lt1"/>
+          </a:fontRef>
+        </p:style>
+        <p:txBody>
+          <a:bodyPr rtlCol="0" anchor="ctr"/>
+          <a:lstStyle/>
+          <a:p>
+            <a:pPr algn="ctr"/>
+            <a:endParaRPr lang="en-US"/>
+          </a:p>
+        </p:txBody>
+      </p:sp>
+      <p:cxnSp>
+        <p:nvCxnSpPr>
+          <p:cNvPr id="16" name="Elbow Connector 15"/>
+          <p:cNvCxnSpPr>
+            <a:stCxn id="15" idx="2"/>
+            <a:endCxn id="9" idx="1"/>
+          </p:cNvCxnSpPr>
+          <p:nvPr/>
+        </p:nvCxnSpPr>
+        <p:spPr>
+          <a:xfrm rot="5400000">
+            <a:off x="7144" y="4869656"/>
+            <a:ext cx="1281112" cy="76200"/>
+          </a:xfrm>
+          <a:prstGeom prst="bentConnector4">
+            <a:avLst>
+              <a:gd name="adj1" fmla="val 13755"/>
+              <a:gd name="adj2" fmla="val 400000"/>
+            </a:avLst>
+          </a:prstGeom>
+          <a:ln w="38100">
+            <a:solidFill>
+              <a:srgbClr val="FF0000"/>
+            </a:solidFill>
+            <a:tailEnd type="arrow"/>
+          </a:ln>
+        </p:spPr>
+        <p:style>
+          <a:lnRef idx="1">
+            <a:schemeClr val="accent1"/>
+          </a:lnRef>
+          <a:fillRef idx="0">
+            <a:schemeClr val="accent1"/>
+          </a:fillRef>
+          <a:effectRef idx="0">
+            <a:schemeClr val="accent1"/>
+          </a:effectRef>
+          <a:fontRef idx="minor">
+            <a:schemeClr val="tx1"/>
+          </a:fontRef>
+        </p:style>
+      </p:cxnSp>
+      <p:sp>
+        <p:nvSpPr>
+          <p:cNvPr id="17" name="Rectangle 16"/>
+          <p:cNvSpPr/>
+          <p:nvPr/>
+        </p:nvSpPr>
+        <p:spPr>
+          <a:xfrm>
+            <a:off x="2611107" y="1809750"/>
+            <a:ext cx="1143000" cy="781050"/>
+          </a:xfrm>
+          <a:prstGeom prst="rect">
+            <a:avLst/>
+          </a:prstGeom>
+          <a:noFill/>
+          <a:ln w="38100">
+            <a:solidFill>
+              <a:srgbClr val="FF0000"/>
+            </a:solidFill>
+          </a:ln>
+        </p:spPr>
+        <p:style>
+          <a:lnRef idx="2">
+            <a:schemeClr val="accent1">
+              <a:shade val="50000"/>
+            </a:schemeClr>
+          </a:lnRef>
+          <a:fillRef idx="1">
+            <a:schemeClr val="accent1"/>
+          </a:fillRef>
+          <a:effectRef idx="0">
+            <a:schemeClr val="accent1"/>
+          </a:effectRef>
+          <a:fontRef idx="minor">
+            <a:schemeClr val="lt1"/>
+          </a:fontRef>
+        </p:style>
+        <p:txBody>
+          <a:bodyPr rtlCol="0" anchor="ctr"/>
+          <a:lstStyle/>
+          <a:p>
+            <a:pPr algn="ctr"/>
+            <a:endParaRPr lang="en-US"/>
+          </a:p>
+        </p:txBody>
+      </p:sp>
+      <p:cxnSp>
+        <p:nvCxnSpPr>
+          <p:cNvPr id="18" name="Elbow Connector 17"/>
+          <p:cNvCxnSpPr>
+            <a:stCxn id="10" idx="3"/>
+            <a:endCxn id="17" idx="1"/>
+          </p:cNvCxnSpPr>
+          <p:nvPr/>
+        </p:nvCxnSpPr>
+        <p:spPr>
+          <a:xfrm flipV="1">
+            <a:off x="1219200" y="2200275"/>
+            <a:ext cx="1391907" cy="123825"/>
+          </a:xfrm>
+          <a:prstGeom prst="bentConnector3">
+            <a:avLst>
+              <a:gd name="adj1" fmla="val 50000"/>
+            </a:avLst>
+          </a:prstGeom>
+          <a:ln w="38100">
+            <a:solidFill>
+              <a:srgbClr val="FF0000"/>
+            </a:solidFill>
+            <a:tailEnd type="arrow"/>
+          </a:ln>
+        </p:spPr>
+        <p:style>
+          <a:lnRef idx="1">
+            <a:schemeClr val="accent1"/>
+          </a:lnRef>
+          <a:fillRef idx="0">
+            <a:schemeClr val="accent1"/>
+          </a:fillRef>
+          <a:effectRef idx="0">
+            <a:schemeClr val="accent1"/>
+          </a:effectRef>
+          <a:fontRef idx="minor">
+            <a:schemeClr val="tx1"/>
+          </a:fontRef>
+        </p:style>
+      </p:cxnSp>
+      <p:sp>
+        <p:nvSpPr>
+          <p:cNvPr id="38" name="Rectangle 37"/>
+          <p:cNvSpPr/>
+          <p:nvPr/>
+        </p:nvSpPr>
+        <p:spPr>
+          <a:xfrm>
+            <a:off x="685799" y="3690938"/>
+            <a:ext cx="466725" cy="195262"/>
+          </a:xfrm>
+          <a:prstGeom prst="rect">
+            <a:avLst/>
+          </a:prstGeom>
+          <a:noFill/>
+          <a:ln w="38100">
+            <a:solidFill>
+              <a:srgbClr val="00B050"/>
+            </a:solidFill>
+          </a:ln>
+        </p:spPr>
+        <p:style>
+          <a:lnRef idx="2">
+            <a:schemeClr val="accent1">
+              <a:shade val="50000"/>
+            </a:schemeClr>
+          </a:lnRef>
+          <a:fillRef idx="1">
+            <a:schemeClr val="accent1"/>
+          </a:fillRef>
+          <a:effectRef idx="0">
+            <a:schemeClr val="accent1"/>
+          </a:effectRef>
+          <a:fontRef idx="minor">
+            <a:schemeClr val="lt1"/>
+          </a:fontRef>
+        </p:style>
+        <p:txBody>
+          <a:bodyPr rtlCol="0" anchor="ctr"/>
+          <a:lstStyle/>
+          <a:p>
+            <a:pPr algn="ctr"/>
+            <a:endParaRPr lang="en-US"/>
+          </a:p>
+        </p:txBody>
+      </p:sp>
+      <p:cxnSp>
+        <p:nvCxnSpPr>
+          <p:cNvPr id="39" name="Elbow Connector 38"/>
+          <p:cNvCxnSpPr>
+            <a:stCxn id="38" idx="3"/>
+          </p:cNvCxnSpPr>
+          <p:nvPr/>
+        </p:nvCxnSpPr>
+        <p:spPr>
+          <a:xfrm>
+            <a:off x="1152524" y="3788569"/>
+            <a:ext cx="447676" cy="831055"/>
+          </a:xfrm>
+          <a:prstGeom prst="bentConnector2">
+            <a:avLst/>
+          </a:prstGeom>
+          <a:ln w="38100">
+            <a:solidFill>
+              <a:srgbClr val="00B050"/>
+            </a:solidFill>
+            <a:tailEnd type="arrow"/>
+          </a:ln>
+        </p:spPr>
+        <p:style>
+          <a:lnRef idx="1">
+            <a:schemeClr val="accent1"/>
+          </a:lnRef>
+          <a:fillRef idx="0">
+            <a:schemeClr val="accent1"/>
+          </a:fillRef>
+          <a:effectRef idx="0">
+            <a:schemeClr val="accent1"/>
+          </a:effectRef>
+          <a:fontRef idx="minor">
+            <a:schemeClr val="tx1"/>
+          </a:fontRef>
+        </p:style>
+      </p:cxnSp>
+    </p:spTree>
+    <p:extLst>
+      <p:ext uri="{BB962C8B-B14F-4D97-AF65-F5344CB8AC3E}">
+        <p14:creationId xmlns:p14="http://schemas.microsoft.com/office/powerpoint/2010/main" val="1701557112"/>
+      </p:ext>
+    </p:extLst>
+  </p:cSld>
+  <p:clrMapOvr>
+    <a:masterClrMapping/>
+  </p:clrMapOvr>
+</p:sld>
+</file>
+
+<file path=ppt/slides/slide14.xml><?xml version="1.0" encoding="utf-8"?>
+<p:sld xmlns:a="http://schemas.openxmlformats.org/drawingml/2006/main" xmlns:r="http://schemas.openxmlformats.org/officeDocument/2006/relationships" xmlns:p="http://schemas.openxmlformats.org/presentationml/2006/main">
+  <p:cSld>
+    <p:spTree>
+      <p:nvGrpSpPr>
+        <p:cNvPr id="1" name=""/>
+        <p:cNvGrpSpPr/>
+        <p:nvPr/>
+      </p:nvGrpSpPr>
+      <p:grpSpPr>
+        <a:xfrm>
+          <a:off x="0" y="0"/>
+          <a:ext cx="0" cy="0"/>
+          <a:chOff x="0" y="0"/>
+          <a:chExt cx="0" cy="0"/>
+        </a:xfrm>
+      </p:grpSpPr>
+      <p:sp>
+        <p:nvSpPr>
+          <p:cNvPr id="55" name="Rectangle 54"/>
+          <p:cNvSpPr/>
+          <p:nvPr/>
+        </p:nvSpPr>
+        <p:spPr>
+          <a:xfrm>
+            <a:off x="0" y="1135084"/>
+            <a:ext cx="9144000" cy="5178860"/>
+          </a:xfrm>
+          <a:prstGeom prst="rect">
+            <a:avLst/>
+          </a:prstGeom>
+          <a:solidFill>
+            <a:schemeClr val="tx1">
+              <a:lumMod val="65000"/>
+              <a:lumOff val="35000"/>
+            </a:schemeClr>
+          </a:solidFill>
+          <a:ln>
+            <a:noFill/>
+          </a:ln>
+        </p:spPr>
+        <p:style>
+          <a:lnRef idx="2">
+            <a:schemeClr val="accent1">
+              <a:shade val="50000"/>
+            </a:schemeClr>
+          </a:lnRef>
+          <a:fillRef idx="1">
+            <a:schemeClr val="accent1"/>
+          </a:fillRef>
+          <a:effectRef idx="0">
+            <a:schemeClr val="accent1"/>
+          </a:effectRef>
+          <a:fontRef idx="minor">
+            <a:schemeClr val="lt1"/>
+          </a:fontRef>
+        </p:style>
+        <p:txBody>
+          <a:bodyPr rtlCol="0" anchor="ctr"/>
+          <a:lstStyle/>
+          <a:p>
+            <a:pPr algn="ctr"/>
+            <a:endParaRPr lang="en-CA"/>
+          </a:p>
+        </p:txBody>
+      </p:sp>
+      <p:pic>
+        <p:nvPicPr>
+          <p:cNvPr id="1026" name="Picture 2" descr="C:\Users\lasso\SkyDrive\Projects\Plus\Bwh\2013-01-22\Screenshot.png"/>
+          <p:cNvPicPr>
+            <a:picLocks noChangeAspect="1" noChangeArrowheads="1"/>
+          </p:cNvPicPr>
+          <p:nvPr/>
+        </p:nvPicPr>
+        <p:blipFill>
+          <a:blip r:embed="rId2">
+            <a:extLst>
+              <a:ext uri="{28A0092B-C50C-407E-A947-70E740481C1C}">
+                <a14:useLocalDpi xmlns:a14="http://schemas.microsoft.com/office/drawing/2010/main" val="0"/>
+              </a:ext>
+            </a:extLst>
+          </a:blip>
+          <a:srcRect/>
+          <a:stretch>
+            <a:fillRect/>
+          </a:stretch>
+        </p:blipFill>
+        <p:spPr bwMode="auto">
+          <a:xfrm>
+            <a:off x="1295400" y="1135084"/>
+            <a:ext cx="6560820" cy="5178860"/>
+          </a:xfrm>
+          <a:prstGeom prst="rect">
+            <a:avLst/>
+          </a:prstGeom>
+          <a:noFill/>
+          <a:extLst>
+            <a:ext uri="{909E8E84-426E-40DD-AFC4-6F175D3DCCD1}">
+              <a14:hiddenFill xmlns:a14="http://schemas.microsoft.com/office/drawing/2010/main">
+                <a:solidFill>
+                  <a:srgbClr val="FFFFFF"/>
+                </a:solidFill>
+              </a14:hiddenFill>
+            </a:ext>
+          </a:extLst>
+        </p:spPr>
+      </p:pic>
+      <p:sp>
+        <p:nvSpPr>
+          <p:cNvPr id="2" name="Title 1"/>
+          <p:cNvSpPr>
+            <a:spLocks noGrp="1"/>
+          </p:cNvSpPr>
+          <p:nvPr>
+            <p:ph type="title"/>
+          </p:nvPr>
+        </p:nvSpPr>
+        <p:spPr/>
+        <p:txBody>
+          <a:bodyPr/>
+          <a:lstStyle/>
+          <a:p>
+            <a:r>
+              <a:rPr lang="en-US" dirty="0" smtClean="0"/>
+              <a:t>Spatial calibration</a:t>
+            </a:r>
+            <a:endParaRPr lang="en-US" dirty="0"/>
+          </a:p>
+        </p:txBody>
+      </p:sp>
+      <p:sp>
+        <p:nvSpPr>
+          <p:cNvPr id="4" name="Footer Placeholder 3"/>
+          <p:cNvSpPr>
+            <a:spLocks noGrp="1"/>
+          </p:cNvSpPr>
+          <p:nvPr>
+            <p:ph type="ftr" sz="quarter" idx="11"/>
+          </p:nvPr>
+        </p:nvSpPr>
+        <p:spPr/>
+        <p:txBody>
+          <a:bodyPr/>
+          <a:lstStyle/>
+          <a:p>
+            <a:r>
+              <a:rPr lang="en-US" dirty="0" smtClean="0"/>
+              <a:t>Laboratory for Percutaneous Surgery (The Perk Lab) – Copyright © Queen’s University, 2012</a:t>
+            </a:r>
+          </a:p>
+          <a:p>
+            <a:endParaRPr lang="en-US" dirty="0"/>
+          </a:p>
+        </p:txBody>
+      </p:sp>
+      <p:sp>
+        <p:nvSpPr>
+          <p:cNvPr id="19" name="Rectangle 18"/>
+          <p:cNvSpPr/>
+          <p:nvPr/>
+        </p:nvSpPr>
+        <p:spPr>
+          <a:xfrm>
+            <a:off x="6629400" y="3283910"/>
+            <a:ext cx="2286000" cy="2677656"/>
+          </a:xfrm>
+          <a:prstGeom prst="rect">
+            <a:avLst/>
+          </a:prstGeom>
+        </p:spPr>
+        <p:txBody>
+          <a:bodyPr wrap="square">
+            <a:spAutoFit/>
+          </a:bodyPr>
+          <a:lstStyle/>
+          <a:p>
+            <a:r>
+              <a:rPr lang="en-CA" sz="1400" dirty="0" smtClean="0">
+                <a:solidFill>
+                  <a:srgbClr val="FFC000"/>
+                </a:solidFill>
+              </a:rPr>
+              <a:t>Only the </a:t>
+            </a:r>
+            <a:r>
+              <a:rPr lang="en-CA" sz="1400" dirty="0" err="1" smtClean="0">
+                <a:solidFill>
+                  <a:srgbClr val="FFC000"/>
+                </a:solidFill>
+              </a:rPr>
+              <a:t>fiducials</a:t>
+            </a:r>
+            <a:r>
+              <a:rPr lang="en-CA" sz="1400" dirty="0" smtClean="0">
+                <a:solidFill>
+                  <a:srgbClr val="FFC000"/>
+                </a:solidFill>
+              </a:rPr>
+              <a:t> should be visible in the image, the background should be almost black.</a:t>
+            </a:r>
+          </a:p>
+          <a:p>
+            <a:endParaRPr lang="en-CA" sz="1400" dirty="0" smtClean="0">
+              <a:solidFill>
+                <a:srgbClr val="FFC000"/>
+              </a:solidFill>
+            </a:endParaRPr>
+          </a:p>
+          <a:p>
+            <a:r>
+              <a:rPr lang="en-CA" sz="1400" dirty="0" smtClean="0">
+                <a:solidFill>
+                  <a:srgbClr val="FFC000"/>
+                </a:solidFill>
+              </a:rPr>
+              <a:t>Background is OK here.</a:t>
+            </a:r>
+            <a:endParaRPr lang="en-CA" sz="1400" dirty="0">
+              <a:solidFill>
+                <a:srgbClr val="FFC000"/>
+              </a:solidFill>
+            </a:endParaRPr>
+          </a:p>
+          <a:p>
+            <a:endParaRPr lang="en-CA" sz="1400" dirty="0">
+              <a:solidFill>
+                <a:srgbClr val="FFC000"/>
+              </a:solidFill>
+            </a:endParaRPr>
+          </a:p>
+          <a:p>
+            <a:r>
+              <a:rPr lang="en-CA" sz="1400" dirty="0" smtClean="0">
+                <a:solidFill>
+                  <a:srgbClr val="FFC000"/>
+                </a:solidFill>
+              </a:rPr>
+              <a:t>Background is way too bright here. Decrease </a:t>
+            </a:r>
+            <a:r>
+              <a:rPr lang="en-CA" sz="1400" dirty="0">
+                <a:solidFill>
+                  <a:srgbClr val="FFC000"/>
+                </a:solidFill>
+              </a:rPr>
+              <a:t>the dynamic </a:t>
+            </a:r>
+            <a:r>
+              <a:rPr lang="en-CA" sz="1400" dirty="0" smtClean="0">
+                <a:solidFill>
+                  <a:srgbClr val="FFC000"/>
+                </a:solidFill>
+              </a:rPr>
+              <a:t>range, decrease gain, adjust TGCs, increase threshold to make the background darker.</a:t>
+            </a:r>
+            <a:endParaRPr lang="en-CA" sz="1400" dirty="0">
+              <a:solidFill>
+                <a:srgbClr val="FFC000"/>
+              </a:solidFill>
+            </a:endParaRPr>
+          </a:p>
+        </p:txBody>
+      </p:sp>
+      <p:sp>
+        <p:nvSpPr>
+          <p:cNvPr id="5" name="Rectangle 4"/>
+          <p:cNvSpPr/>
+          <p:nvPr/>
+        </p:nvSpPr>
+        <p:spPr>
+          <a:xfrm>
+            <a:off x="4876800" y="2437924"/>
+            <a:ext cx="2286000" cy="523220"/>
+          </a:xfrm>
+          <a:prstGeom prst="rect">
+            <a:avLst/>
+          </a:prstGeom>
+        </p:spPr>
+        <p:txBody>
+          <a:bodyPr wrap="square">
+            <a:spAutoFit/>
+          </a:bodyPr>
+          <a:lstStyle/>
+          <a:p>
+            <a:r>
+              <a:rPr lang="en-CA" sz="1400" dirty="0" smtClean="0">
+                <a:solidFill>
+                  <a:srgbClr val="FFC000"/>
+                </a:solidFill>
+              </a:rPr>
+              <a:t>This is way too big. Decrease the gain and dynamic range.</a:t>
+            </a:r>
+            <a:endParaRPr lang="en-CA" sz="1400" dirty="0"/>
+          </a:p>
+        </p:txBody>
+      </p:sp>
+      <p:sp>
+        <p:nvSpPr>
+          <p:cNvPr id="6" name="Oval 5"/>
+          <p:cNvSpPr/>
+          <p:nvPr/>
+        </p:nvSpPr>
+        <p:spPr>
+          <a:xfrm>
+            <a:off x="5334000" y="3723144"/>
+            <a:ext cx="457200" cy="457200"/>
+          </a:xfrm>
+          <a:prstGeom prst="ellipse">
+            <a:avLst/>
+          </a:prstGeom>
+          <a:noFill/>
+          <a:ln>
+            <a:solidFill>
+              <a:srgbClr val="FF0000"/>
+            </a:solidFill>
+          </a:ln>
+        </p:spPr>
+        <p:style>
+          <a:lnRef idx="2">
+            <a:schemeClr val="accent6">
+              <a:shade val="50000"/>
+            </a:schemeClr>
+          </a:lnRef>
+          <a:fillRef idx="1">
+            <a:schemeClr val="accent6"/>
+          </a:fillRef>
+          <a:effectRef idx="0">
+            <a:schemeClr val="accent6"/>
+          </a:effectRef>
+          <a:fontRef idx="minor">
+            <a:schemeClr val="lt1"/>
+          </a:fontRef>
+        </p:style>
+        <p:txBody>
+          <a:bodyPr rtlCol="0" anchor="ctr"/>
+          <a:lstStyle/>
+          <a:p>
+            <a:pPr algn="ctr"/>
+            <a:endParaRPr lang="en-CA"/>
+          </a:p>
+        </p:txBody>
+      </p:sp>
+      <p:cxnSp>
+        <p:nvCxnSpPr>
+          <p:cNvPr id="8" name="Straight Arrow Connector 7"/>
+          <p:cNvCxnSpPr/>
+          <p:nvPr/>
+        </p:nvCxnSpPr>
+        <p:spPr>
+          <a:xfrm>
+            <a:off x="3429000" y="2961144"/>
+            <a:ext cx="0" cy="304800"/>
+          </a:xfrm>
+          <a:prstGeom prst="straightConnector1">
+            <a:avLst/>
+          </a:prstGeom>
+          <a:ln>
+            <a:solidFill>
+              <a:srgbClr val="92D050"/>
+            </a:solidFill>
+            <a:tailEnd type="arrow"/>
+          </a:ln>
+        </p:spPr>
+        <p:style>
+          <a:lnRef idx="1">
+            <a:schemeClr val="accent1"/>
+          </a:lnRef>
+          <a:fillRef idx="0">
+            <a:schemeClr val="accent1"/>
+          </a:fillRef>
+          <a:effectRef idx="0">
+            <a:schemeClr val="accent1"/>
+          </a:effectRef>
+          <a:fontRef idx="minor">
+            <a:schemeClr val="tx1"/>
+          </a:fontRef>
+        </p:style>
+      </p:cxnSp>
+      <p:sp>
+        <p:nvSpPr>
+          <p:cNvPr id="24" name="Oval 23"/>
+          <p:cNvSpPr/>
+          <p:nvPr/>
+        </p:nvSpPr>
+        <p:spPr>
+          <a:xfrm>
+            <a:off x="3200400" y="3265944"/>
+            <a:ext cx="457200" cy="457200"/>
+          </a:xfrm>
+          <a:prstGeom prst="ellipse">
+            <a:avLst/>
+          </a:prstGeom>
+          <a:noFill/>
+          <a:ln>
+            <a:solidFill>
+              <a:srgbClr val="92D050"/>
+            </a:solidFill>
+          </a:ln>
+        </p:spPr>
+        <p:style>
+          <a:lnRef idx="2">
+            <a:schemeClr val="accent6">
+              <a:shade val="50000"/>
+            </a:schemeClr>
+          </a:lnRef>
+          <a:fillRef idx="1">
+            <a:schemeClr val="accent6"/>
+          </a:fillRef>
+          <a:effectRef idx="0">
+            <a:schemeClr val="accent6"/>
+          </a:effectRef>
+          <a:fontRef idx="minor">
+            <a:schemeClr val="lt1"/>
+          </a:fontRef>
+        </p:style>
+        <p:txBody>
+          <a:bodyPr rtlCol="0" anchor="ctr"/>
+          <a:lstStyle/>
+          <a:p>
+            <a:pPr algn="ctr"/>
+            <a:endParaRPr lang="en-CA"/>
+          </a:p>
+        </p:txBody>
+      </p:sp>
+      <p:sp>
+        <p:nvSpPr>
+          <p:cNvPr id="25" name="Rectangle 24"/>
+          <p:cNvSpPr/>
+          <p:nvPr/>
+        </p:nvSpPr>
+        <p:spPr>
+          <a:xfrm>
+            <a:off x="2667000" y="1884164"/>
+            <a:ext cx="4572000" cy="523220"/>
+          </a:xfrm>
+          <a:prstGeom prst="rect">
+            <a:avLst/>
+          </a:prstGeom>
+        </p:spPr>
+        <p:txBody>
+          <a:bodyPr>
+            <a:spAutoFit/>
+          </a:bodyPr>
+          <a:lstStyle/>
+          <a:p>
+            <a:r>
+              <a:rPr lang="en-CA" sz="1400" dirty="0" err="1" smtClean="0">
+                <a:solidFill>
+                  <a:srgbClr val="FFC000"/>
+                </a:solidFill>
+              </a:rPr>
+              <a:t>Fiducial</a:t>
+            </a:r>
+            <a:r>
+              <a:rPr lang="en-CA" sz="1400" dirty="0" smtClean="0">
+                <a:solidFill>
+                  <a:srgbClr val="FFC000"/>
+                </a:solidFill>
+              </a:rPr>
+              <a:t> </a:t>
+            </a:r>
+            <a:r>
+              <a:rPr lang="en-CA" sz="1400" dirty="0">
+                <a:solidFill>
+                  <a:srgbClr val="FFC000"/>
+                </a:solidFill>
+              </a:rPr>
+              <a:t>line intersection points should appear as small circular-shaped </a:t>
+            </a:r>
+            <a:r>
+              <a:rPr lang="en-CA" sz="1400" dirty="0" smtClean="0">
+                <a:solidFill>
+                  <a:srgbClr val="FFC000"/>
+                </a:solidFill>
+              </a:rPr>
+              <a:t>blobs.</a:t>
+            </a:r>
+          </a:p>
+        </p:txBody>
+      </p:sp>
+      <p:cxnSp>
+        <p:nvCxnSpPr>
+          <p:cNvPr id="26" name="Straight Arrow Connector 25"/>
+          <p:cNvCxnSpPr/>
+          <p:nvPr/>
+        </p:nvCxnSpPr>
+        <p:spPr>
+          <a:xfrm>
+            <a:off x="5562600" y="2961144"/>
+            <a:ext cx="0" cy="763370"/>
+          </a:xfrm>
+          <a:prstGeom prst="straightConnector1">
+            <a:avLst/>
+          </a:prstGeom>
+          <a:ln>
+            <a:solidFill>
+              <a:srgbClr val="FF0000"/>
+            </a:solidFill>
+            <a:tailEnd type="arrow"/>
+          </a:ln>
+        </p:spPr>
+        <p:style>
+          <a:lnRef idx="1">
+            <a:schemeClr val="accent1"/>
+          </a:lnRef>
+          <a:fillRef idx="0">
+            <a:schemeClr val="accent1"/>
+          </a:fillRef>
+          <a:effectRef idx="0">
+            <a:schemeClr val="accent1"/>
+          </a:effectRef>
+          <a:fontRef idx="minor">
+            <a:schemeClr val="tx1"/>
+          </a:fontRef>
+        </p:style>
+      </p:cxnSp>
+      <p:sp>
+        <p:nvSpPr>
+          <p:cNvPr id="28" name="Rectangle 27"/>
+          <p:cNvSpPr/>
+          <p:nvPr/>
+        </p:nvSpPr>
+        <p:spPr>
+          <a:xfrm>
+            <a:off x="2667000" y="2437924"/>
+            <a:ext cx="2209800" cy="523220"/>
+          </a:xfrm>
+          <a:prstGeom prst="rect">
+            <a:avLst/>
+          </a:prstGeom>
+        </p:spPr>
+        <p:txBody>
+          <a:bodyPr wrap="square">
+            <a:spAutoFit/>
+          </a:bodyPr>
+          <a:lstStyle/>
+          <a:p>
+            <a:r>
+              <a:rPr lang="en-CA" sz="1400" dirty="0" smtClean="0">
+                <a:solidFill>
+                  <a:srgbClr val="FFC000"/>
+                </a:solidFill>
+              </a:rPr>
+              <a:t>This is about OK size, but could be even smaller.</a:t>
+            </a:r>
+            <a:endParaRPr lang="en-CA" sz="1400" dirty="0"/>
+          </a:p>
+        </p:txBody>
+      </p:sp>
+      <p:sp>
+        <p:nvSpPr>
+          <p:cNvPr id="32" name="Rectangle 31"/>
+          <p:cNvSpPr/>
+          <p:nvPr/>
+        </p:nvSpPr>
+        <p:spPr>
+          <a:xfrm>
+            <a:off x="152400" y="3657600"/>
+            <a:ext cx="2133163" cy="2677656"/>
+          </a:xfrm>
+          <a:prstGeom prst="rect">
+            <a:avLst/>
+          </a:prstGeom>
+        </p:spPr>
+        <p:txBody>
+          <a:bodyPr wrap="square">
+            <a:spAutoFit/>
+          </a:bodyPr>
+          <a:lstStyle/>
+          <a:p>
+            <a:r>
+              <a:rPr lang="en-CA" sz="1400" dirty="0" smtClean="0">
+                <a:solidFill>
+                  <a:srgbClr val="FFC000"/>
+                </a:solidFill>
+              </a:rPr>
+              <a:t>Reduce </a:t>
+            </a:r>
+            <a:r>
+              <a:rPr lang="en-CA" sz="1400" dirty="0">
+                <a:solidFill>
+                  <a:srgbClr val="FFC000"/>
+                </a:solidFill>
+              </a:rPr>
+              <a:t>reflections by slightly changing the transducer angle or putting sound absorbing material in the water container (such as rubber or sponge). </a:t>
+            </a:r>
+            <a:endParaRPr lang="en-CA" sz="1400" dirty="0" smtClean="0">
+              <a:solidFill>
+                <a:srgbClr val="FFC000"/>
+              </a:solidFill>
+            </a:endParaRPr>
+          </a:p>
+          <a:p>
+            <a:endParaRPr lang="en-CA" sz="1400" dirty="0">
+              <a:solidFill>
+                <a:srgbClr val="FFC000"/>
+              </a:solidFill>
+            </a:endParaRPr>
+          </a:p>
+          <a:p>
+            <a:r>
+              <a:rPr lang="en-CA" sz="1400" dirty="0" smtClean="0">
+                <a:solidFill>
+                  <a:srgbClr val="FFC000"/>
+                </a:solidFill>
+              </a:rPr>
+              <a:t>There is a strong reflection from here that brightens up a large section of the image.</a:t>
+            </a:r>
+            <a:endParaRPr lang="en-CA" sz="1400" dirty="0">
+              <a:solidFill>
+                <a:srgbClr val="FFC000"/>
+              </a:solidFill>
+            </a:endParaRPr>
+          </a:p>
+        </p:txBody>
+      </p:sp>
+      <p:cxnSp>
+        <p:nvCxnSpPr>
+          <p:cNvPr id="33" name="Straight Arrow Connector 32"/>
+          <p:cNvCxnSpPr>
+            <a:endCxn id="34" idx="6"/>
+          </p:cNvCxnSpPr>
+          <p:nvPr/>
+        </p:nvCxnSpPr>
+        <p:spPr>
+          <a:xfrm flipH="1" flipV="1">
+            <a:off x="4167554" y="3157506"/>
+            <a:ext cx="373966" cy="91813"/>
+          </a:xfrm>
+          <a:prstGeom prst="straightConnector1">
+            <a:avLst/>
+          </a:prstGeom>
+          <a:ln>
+            <a:solidFill>
+              <a:srgbClr val="92D050"/>
+            </a:solidFill>
+            <a:tailEnd type="arrow"/>
+          </a:ln>
+        </p:spPr>
+        <p:style>
+          <a:lnRef idx="1">
+            <a:schemeClr val="accent1"/>
+          </a:lnRef>
+          <a:fillRef idx="0">
+            <a:schemeClr val="accent1"/>
+          </a:fillRef>
+          <a:effectRef idx="0">
+            <a:schemeClr val="accent1"/>
+          </a:effectRef>
+          <a:fontRef idx="minor">
+            <a:schemeClr val="tx1"/>
+          </a:fontRef>
+        </p:style>
+      </p:cxnSp>
+      <p:sp>
+        <p:nvSpPr>
+          <p:cNvPr id="34" name="Oval 33"/>
+          <p:cNvSpPr/>
+          <p:nvPr/>
+        </p:nvSpPr>
+        <p:spPr>
+          <a:xfrm>
+            <a:off x="3821723" y="2984590"/>
+            <a:ext cx="345831" cy="345831"/>
+          </a:xfrm>
+          <a:prstGeom prst="ellipse">
+            <a:avLst/>
+          </a:prstGeom>
+          <a:noFill/>
+          <a:ln>
+            <a:solidFill>
+              <a:srgbClr val="92D050"/>
+            </a:solidFill>
+          </a:ln>
+        </p:spPr>
+        <p:style>
+          <a:lnRef idx="2">
+            <a:schemeClr val="accent6">
+              <a:shade val="50000"/>
+            </a:schemeClr>
+          </a:lnRef>
+          <a:fillRef idx="1">
+            <a:schemeClr val="accent6"/>
+          </a:fillRef>
+          <a:effectRef idx="0">
+            <a:schemeClr val="accent6"/>
+          </a:effectRef>
+          <a:fontRef idx="minor">
+            <a:schemeClr val="lt1"/>
+          </a:fontRef>
+        </p:style>
+        <p:txBody>
+          <a:bodyPr rtlCol="0" anchor="ctr"/>
+          <a:lstStyle/>
+          <a:p>
+            <a:pPr algn="ctr"/>
+            <a:endParaRPr lang="en-CA"/>
+          </a:p>
+        </p:txBody>
+      </p:sp>
+      <p:sp>
+        <p:nvSpPr>
+          <p:cNvPr id="37" name="Rectangle 36"/>
+          <p:cNvSpPr/>
+          <p:nvPr/>
+        </p:nvSpPr>
+        <p:spPr>
+          <a:xfrm>
+            <a:off x="4518660" y="3101340"/>
+            <a:ext cx="868680" cy="738664"/>
+          </a:xfrm>
+          <a:prstGeom prst="rect">
+            <a:avLst/>
+          </a:prstGeom>
+        </p:spPr>
+        <p:txBody>
+          <a:bodyPr wrap="square">
+            <a:spAutoFit/>
+          </a:bodyPr>
+          <a:lstStyle/>
+          <a:p>
+            <a:r>
+              <a:rPr lang="en-CA" sz="1400" dirty="0" smtClean="0">
+                <a:solidFill>
+                  <a:srgbClr val="FFC000"/>
+                </a:solidFill>
+              </a:rPr>
+              <a:t>Good </a:t>
+            </a:r>
+            <a:r>
+              <a:rPr lang="en-CA" sz="1400" dirty="0" err="1" smtClean="0">
+                <a:solidFill>
+                  <a:srgbClr val="FFC000"/>
+                </a:solidFill>
+              </a:rPr>
+              <a:t>fiducial</a:t>
+            </a:r>
+            <a:r>
+              <a:rPr lang="en-CA" sz="1400" dirty="0" smtClean="0">
+                <a:solidFill>
+                  <a:srgbClr val="FFC000"/>
+                </a:solidFill>
+              </a:rPr>
+              <a:t> size</a:t>
+            </a:r>
+            <a:endParaRPr lang="en-CA" sz="1400" dirty="0"/>
+          </a:p>
+        </p:txBody>
+      </p:sp>
+      <p:cxnSp>
+        <p:nvCxnSpPr>
+          <p:cNvPr id="40" name="Straight Arrow Connector 39"/>
+          <p:cNvCxnSpPr/>
+          <p:nvPr/>
+        </p:nvCxnSpPr>
+        <p:spPr>
+          <a:xfrm flipH="1" flipV="1">
+            <a:off x="6195646" y="3878521"/>
+            <a:ext cx="433754" cy="592793"/>
+          </a:xfrm>
+          <a:prstGeom prst="straightConnector1">
+            <a:avLst/>
+          </a:prstGeom>
+          <a:ln>
+            <a:solidFill>
+              <a:srgbClr val="92D050"/>
+            </a:solidFill>
+            <a:tailEnd type="arrow"/>
+          </a:ln>
+        </p:spPr>
+        <p:style>
+          <a:lnRef idx="1">
+            <a:schemeClr val="accent1"/>
+          </a:lnRef>
+          <a:fillRef idx="0">
+            <a:schemeClr val="accent1"/>
+          </a:fillRef>
+          <a:effectRef idx="0">
+            <a:schemeClr val="accent1"/>
+          </a:effectRef>
+          <a:fontRef idx="minor">
+            <a:schemeClr val="tx1"/>
+          </a:fontRef>
+        </p:style>
+      </p:cxnSp>
+      <p:cxnSp>
+        <p:nvCxnSpPr>
+          <p:cNvPr id="41" name="Straight Arrow Connector 40"/>
+          <p:cNvCxnSpPr/>
+          <p:nvPr/>
+        </p:nvCxnSpPr>
+        <p:spPr>
+          <a:xfrm flipH="1" flipV="1">
+            <a:off x="5791200" y="4713744"/>
+            <a:ext cx="808892" cy="484452"/>
+          </a:xfrm>
+          <a:prstGeom prst="straightConnector1">
+            <a:avLst/>
+          </a:prstGeom>
+          <a:ln>
+            <a:solidFill>
+              <a:srgbClr val="FF0000"/>
+            </a:solidFill>
+            <a:tailEnd type="arrow"/>
+          </a:ln>
+        </p:spPr>
+        <p:style>
+          <a:lnRef idx="1">
+            <a:schemeClr val="accent1"/>
+          </a:lnRef>
+          <a:fillRef idx="0">
+            <a:schemeClr val="accent1"/>
+          </a:fillRef>
+          <a:effectRef idx="0">
+            <a:schemeClr val="accent1"/>
+          </a:effectRef>
+          <a:fontRef idx="minor">
+            <a:schemeClr val="tx1"/>
+          </a:fontRef>
+        </p:style>
+      </p:cxnSp>
+      <p:cxnSp>
+        <p:nvCxnSpPr>
+          <p:cNvPr id="36" name="Straight Connector 35"/>
+          <p:cNvCxnSpPr/>
+          <p:nvPr/>
+        </p:nvCxnSpPr>
+        <p:spPr>
+          <a:xfrm>
+            <a:off x="685800" y="2896667"/>
+            <a:ext cx="5943600" cy="1245989"/>
+          </a:xfrm>
+          <a:prstGeom prst="line">
+            <a:avLst/>
+          </a:prstGeom>
+          <a:ln>
+            <a:solidFill>
+              <a:srgbClr val="FF0000"/>
+            </a:solidFill>
+            <a:prstDash val="dash"/>
+          </a:ln>
+        </p:spPr>
+        <p:style>
+          <a:lnRef idx="1">
+            <a:schemeClr val="accent1"/>
+          </a:lnRef>
+          <a:fillRef idx="0">
+            <a:schemeClr val="accent1"/>
+          </a:fillRef>
+          <a:effectRef idx="0">
+            <a:schemeClr val="accent1"/>
+          </a:effectRef>
+          <a:fontRef idx="minor">
+            <a:schemeClr val="tx1"/>
+          </a:fontRef>
+        </p:style>
+      </p:cxnSp>
+      <p:sp>
+        <p:nvSpPr>
+          <p:cNvPr id="46" name="Rectangle 45"/>
+          <p:cNvSpPr/>
+          <p:nvPr/>
+        </p:nvSpPr>
+        <p:spPr>
+          <a:xfrm>
+            <a:off x="114300" y="1284744"/>
+            <a:ext cx="2362200" cy="1600438"/>
+          </a:xfrm>
+          <a:prstGeom prst="rect">
+            <a:avLst/>
+          </a:prstGeom>
+        </p:spPr>
+        <p:txBody>
+          <a:bodyPr wrap="square">
+            <a:spAutoFit/>
+          </a:bodyPr>
+          <a:lstStyle/>
+          <a:p>
+            <a:r>
+              <a:rPr lang="en-CA" sz="1400" dirty="0">
+                <a:solidFill>
+                  <a:srgbClr val="FFC000"/>
+                </a:solidFill>
+              </a:rPr>
+              <a:t>Keep the transducer's axial (direction of sound travel) axis orthogonal to the wires for optimal reflection from the wires</a:t>
+            </a:r>
+            <a:r>
+              <a:rPr lang="en-CA" sz="1400" dirty="0" smtClean="0">
+                <a:solidFill>
+                  <a:srgbClr val="FFC000"/>
+                </a:solidFill>
+              </a:rPr>
+              <a:t>. This dotted line should be approximately horizontal.</a:t>
+            </a:r>
+            <a:endParaRPr lang="en-CA" sz="1400" dirty="0">
+              <a:solidFill>
+                <a:srgbClr val="FFC000"/>
+              </a:solidFill>
+            </a:endParaRPr>
+          </a:p>
+        </p:txBody>
+      </p:sp>
+      <p:sp>
+        <p:nvSpPr>
+          <p:cNvPr id="50" name="Oval 49"/>
+          <p:cNvSpPr/>
+          <p:nvPr/>
+        </p:nvSpPr>
+        <p:spPr>
+          <a:xfrm rot="925254">
+            <a:off x="2570868" y="5627052"/>
+            <a:ext cx="1199945" cy="457200"/>
+          </a:xfrm>
+          <a:prstGeom prst="ellipse">
+            <a:avLst/>
+          </a:prstGeom>
+          <a:noFill/>
+          <a:ln>
+            <a:solidFill>
+              <a:srgbClr val="FF0000"/>
+            </a:solidFill>
+          </a:ln>
+        </p:spPr>
+        <p:style>
+          <a:lnRef idx="2">
+            <a:schemeClr val="accent6">
+              <a:shade val="50000"/>
+            </a:schemeClr>
+          </a:lnRef>
+          <a:fillRef idx="1">
+            <a:schemeClr val="accent6"/>
+          </a:fillRef>
+          <a:effectRef idx="0">
+            <a:schemeClr val="accent6"/>
+          </a:effectRef>
+          <a:fontRef idx="minor">
+            <a:schemeClr val="lt1"/>
+          </a:fontRef>
+        </p:style>
+        <p:txBody>
+          <a:bodyPr rtlCol="0" anchor="ctr"/>
+          <a:lstStyle/>
+          <a:p>
+            <a:pPr algn="ctr"/>
+            <a:endParaRPr lang="en-CA"/>
+          </a:p>
+        </p:txBody>
+      </p:sp>
+      <p:cxnSp>
+        <p:nvCxnSpPr>
+          <p:cNvPr id="51" name="Straight Arrow Connector 50"/>
+          <p:cNvCxnSpPr/>
+          <p:nvPr/>
+        </p:nvCxnSpPr>
+        <p:spPr>
+          <a:xfrm flipV="1">
+            <a:off x="3162300" y="4331067"/>
+            <a:ext cx="832338" cy="1525678"/>
+          </a:xfrm>
+          <a:prstGeom prst="straightConnector1">
+            <a:avLst/>
+          </a:prstGeom>
+          <a:ln w="38100">
+            <a:solidFill>
+              <a:srgbClr val="FF0000"/>
+            </a:solidFill>
+            <a:prstDash val="sysDot"/>
+            <a:tailEnd type="arrow"/>
+          </a:ln>
+        </p:spPr>
+        <p:style>
+          <a:lnRef idx="1">
+            <a:schemeClr val="accent1"/>
+          </a:lnRef>
+          <a:fillRef idx="0">
+            <a:schemeClr val="accent1"/>
+          </a:fillRef>
+          <a:effectRef idx="0">
+            <a:schemeClr val="accent1"/>
+          </a:effectRef>
+          <a:fontRef idx="minor">
+            <a:schemeClr val="tx1"/>
+          </a:fontRef>
+        </p:style>
+      </p:cxnSp>
+      <p:cxnSp>
+        <p:nvCxnSpPr>
+          <p:cNvPr id="53" name="Straight Arrow Connector 52"/>
+          <p:cNvCxnSpPr/>
+          <p:nvPr/>
+        </p:nvCxnSpPr>
+        <p:spPr>
+          <a:xfrm>
+            <a:off x="2209800" y="5884328"/>
+            <a:ext cx="321881" cy="0"/>
+          </a:xfrm>
+          <a:prstGeom prst="straightConnector1">
+            <a:avLst/>
+          </a:prstGeom>
+          <a:ln>
+            <a:solidFill>
+              <a:srgbClr val="FF0000"/>
+            </a:solidFill>
+            <a:tailEnd type="arrow"/>
+          </a:ln>
+        </p:spPr>
+        <p:style>
+          <a:lnRef idx="1">
+            <a:schemeClr val="accent1"/>
+          </a:lnRef>
+          <a:fillRef idx="0">
+            <a:schemeClr val="accent1"/>
+          </a:fillRef>
+          <a:effectRef idx="0">
+            <a:schemeClr val="accent1"/>
+          </a:effectRef>
+          <a:fontRef idx="minor">
+            <a:schemeClr val="tx1"/>
+          </a:fontRef>
+        </p:style>
+      </p:cxnSp>
+    </p:spTree>
+    <p:extLst>
+      <p:ext uri="{BB962C8B-B14F-4D97-AF65-F5344CB8AC3E}">
+        <p14:creationId xmlns:p14="http://schemas.microsoft.com/office/powerpoint/2010/main" val="3152212490"/>
+      </p:ext>
+    </p:extLst>
+  </p:cSld>
+  <p:clrMapOvr>
+    <a:masterClrMapping/>
+  </p:clrMapOvr>
+</p:sld>
+</file>
+
+<file path=ppt/slides/slide15.xml><?xml version="1.0" encoding="utf-8"?>
+<p:sld xmlns:a="http://schemas.openxmlformats.org/drawingml/2006/main" xmlns:r="http://schemas.openxmlformats.org/officeDocument/2006/relationships" xmlns:p="http://schemas.openxmlformats.org/presentationml/2006/main">
+  <p:cSld>
+    <p:spTree>
+      <p:nvGrpSpPr>
+        <p:cNvPr id="1" name=""/>
+        <p:cNvGrpSpPr/>
+        <p:nvPr/>
+      </p:nvGrpSpPr>
+      <p:grpSpPr>
+        <a:xfrm>
+          <a:off x="0" y="0"/>
+          <a:ext cx="0" cy="0"/>
+          <a:chOff x="0" y="0"/>
+          <a:chExt cx="0" cy="0"/>
+        </a:xfrm>
+      </p:grpSpPr>
+      <p:sp>
+        <p:nvSpPr>
+          <p:cNvPr id="2" name="Title 1"/>
+          <p:cNvSpPr>
+            <a:spLocks noGrp="1"/>
+          </p:cNvSpPr>
+          <p:nvPr>
+            <p:ph type="title"/>
+          </p:nvPr>
+        </p:nvSpPr>
+        <p:spPr/>
+        <p:txBody>
+          <a:bodyPr/>
+          <a:lstStyle/>
+          <a:p>
+            <a:r>
+              <a:rPr lang="en-US" dirty="0" smtClean="0"/>
+              <a:t>Spatial calibration</a:t>
+            </a:r>
+            <a:endParaRPr lang="en-US" dirty="0"/>
+          </a:p>
+        </p:txBody>
+      </p:sp>
+      <p:sp>
+        <p:nvSpPr>
+          <p:cNvPr id="4" name="Footer Placeholder 3"/>
+          <p:cNvSpPr>
+            <a:spLocks noGrp="1"/>
+          </p:cNvSpPr>
+          <p:nvPr>
+            <p:ph type="ftr" sz="quarter" idx="11"/>
+          </p:nvPr>
+        </p:nvSpPr>
+        <p:spPr/>
+        <p:txBody>
+          <a:bodyPr/>
+          <a:lstStyle/>
+          <a:p>
+            <a:r>
+              <a:rPr lang="en-US" dirty="0" smtClean="0"/>
+              <a:t>Laboratory for Percutaneous Surgery (The Perk Lab) – Copyright © Queen’s University, 2012</a:t>
+            </a:r>
+          </a:p>
+          <a:p>
+            <a:endParaRPr lang="en-US" dirty="0"/>
+          </a:p>
+        </p:txBody>
+      </p:sp>
+      <p:pic>
+        <p:nvPicPr>
+          <p:cNvPr id="2050" name="Picture 2" descr="S:\data\Sue\SueSue\UserGuideCapture\12-6-2012 4-29-54 PMs.tif"/>
+          <p:cNvPicPr>
+            <a:picLocks noChangeAspect="1" noChangeArrowheads="1"/>
+          </p:cNvPicPr>
+          <p:nvPr/>
+        </p:nvPicPr>
+        <p:blipFill rotWithShape="1">
+          <a:blip r:embed="rId2" cstate="print">
+            <a:extLst>
+              <a:ext uri="{28A0092B-C50C-407E-A947-70E740481C1C}">
+                <a14:useLocalDpi xmlns:a14="http://schemas.microsoft.com/office/drawing/2010/main" val="0"/>
+              </a:ext>
+            </a:extLst>
+          </a:blip>
+          <a:srcRect t="3333" r="4873" b="3958"/>
+          <a:stretch/>
+        </p:blipFill>
+        <p:spPr bwMode="auto">
+          <a:xfrm>
+            <a:off x="4469258" y="1390652"/>
+            <a:ext cx="3760342" cy="2743200"/>
+          </a:xfrm>
+          <a:prstGeom prst="rect">
+            <a:avLst/>
+          </a:prstGeom>
+          <a:noFill/>
+          <a:extLst>
+            <a:ext uri="{909E8E84-426E-40DD-AFC4-6F175D3DCCD1}">
+              <a14:hiddenFill xmlns:a14="http://schemas.microsoft.com/office/drawing/2010/main">
+                <a:solidFill>
+                  <a:srgbClr val="FFFFFF"/>
+                </a:solidFill>
+              </a14:hiddenFill>
+            </a:ext>
+          </a:extLst>
+        </p:spPr>
+      </p:pic>
+      <p:sp>
+        <p:nvSpPr>
+          <p:cNvPr id="5" name="Content Placeholder 2"/>
+          <p:cNvSpPr txBox="1">
+            <a:spLocks/>
+          </p:cNvSpPr>
+          <p:nvPr/>
+        </p:nvSpPr>
+        <p:spPr>
+          <a:xfrm>
+            <a:off x="685800" y="1676401"/>
+            <a:ext cx="3231008" cy="1981199"/>
+          </a:xfrm>
+          <a:prstGeom prst="rect">
+            <a:avLst/>
+          </a:prstGeom>
+          <a:ln w="38100">
+            <a:solidFill>
+              <a:srgbClr val="FF0000"/>
+            </a:solidFill>
+          </a:ln>
+        </p:spPr>
+        <p:txBody>
+          <a:bodyPr vert="horz" lIns="91440" tIns="45720" rIns="91440" bIns="45720" rtlCol="0">
+            <a:normAutofit/>
+          </a:bodyPr>
+          <a:lstStyle>
+            <a:lvl1pPr marL="342900" indent="-342900" algn="l" defTabSz="914400" rtl="0" eaLnBrk="1" latinLnBrk="0" hangingPunct="1">
+              <a:spcBef>
+                <a:spcPct val="20000"/>
+              </a:spcBef>
+              <a:buFont typeface="Arial" pitchFamily="34" charset="0"/>
+              <a:buChar char="•"/>
+              <a:defRPr sz="2400" kern="1200">
+                <a:solidFill>
+                  <a:schemeClr val="tx1"/>
+                </a:solidFill>
+                <a:latin typeface="+mn-lt"/>
+                <a:ea typeface="+mn-ea"/>
+                <a:cs typeface="+mn-cs"/>
+              </a:defRPr>
+            </a:lvl1pPr>
+            <a:lvl2pPr marL="742950" indent="-285750" algn="l" defTabSz="914400" rtl="0" eaLnBrk="1" latinLnBrk="0" hangingPunct="1">
+              <a:spcBef>
+                <a:spcPct val="20000"/>
+              </a:spcBef>
+              <a:buFont typeface="Arial" pitchFamily="34" charset="0"/>
+              <a:buChar char="–"/>
+              <a:defRPr sz="2000" kern="1200">
+                <a:solidFill>
+                  <a:schemeClr val="tx1"/>
+                </a:solidFill>
+                <a:latin typeface="+mn-lt"/>
+                <a:ea typeface="+mn-ea"/>
+                <a:cs typeface="+mn-cs"/>
+              </a:defRPr>
+            </a:lvl2pPr>
+            <a:lvl3pPr marL="1143000" indent="-228600" algn="l" defTabSz="914400" rtl="0" eaLnBrk="1" latinLnBrk="0" hangingPunct="1">
+              <a:spcBef>
+                <a:spcPct val="20000"/>
+              </a:spcBef>
+              <a:buFont typeface="Arial" pitchFamily="34" charset="0"/>
+              <a:buChar char="•"/>
+              <a:defRPr sz="1800" kern="1200">
+                <a:solidFill>
+                  <a:schemeClr val="tx1"/>
+                </a:solidFill>
+                <a:latin typeface="+mn-lt"/>
+                <a:ea typeface="+mn-ea"/>
+                <a:cs typeface="+mn-cs"/>
+              </a:defRPr>
+            </a:lvl3pPr>
+            <a:lvl4pPr marL="1600200" indent="-228600" algn="l" defTabSz="914400" rtl="0" eaLnBrk="1" latinLnBrk="0" hangingPunct="1">
+              <a:spcBef>
+                <a:spcPct val="20000"/>
+              </a:spcBef>
+              <a:buFont typeface="Arial" pitchFamily="34" charset="0"/>
+              <a:buChar char="–"/>
+              <a:defRPr sz="1600" kern="1200">
+                <a:solidFill>
+                  <a:schemeClr val="tx1"/>
+                </a:solidFill>
+                <a:latin typeface="+mn-lt"/>
+                <a:ea typeface="+mn-ea"/>
+                <a:cs typeface="+mn-cs"/>
+              </a:defRPr>
+            </a:lvl4pPr>
+            <a:lvl5pPr marL="2057400" indent="-228600" algn="l" defTabSz="914400" rtl="0" eaLnBrk="1" latinLnBrk="0" hangingPunct="1">
+              <a:spcBef>
+                <a:spcPct val="20000"/>
+              </a:spcBef>
+              <a:buFont typeface="Arial" pitchFamily="34" charset="0"/>
+              <a:buChar char="»"/>
+              <a:defRPr sz="1600" kern="1200">
+                <a:solidFill>
+                  <a:schemeClr val="tx1"/>
+                </a:solidFill>
+                <a:latin typeface="+mn-lt"/>
+                <a:ea typeface="+mn-ea"/>
+                <a:cs typeface="+mn-cs"/>
+              </a:defRPr>
+            </a:lvl5pPr>
+            <a:lvl6pPr marL="2514600" indent="-228600" algn="l" defTabSz="914400" rtl="0" eaLnBrk="1" latinLnBrk="0" hangingPunct="1">
+              <a:spcBef>
+                <a:spcPct val="20000"/>
+              </a:spcBef>
+              <a:buFont typeface="Arial" pitchFamily="34" charset="0"/>
+              <a:buChar char="•"/>
+              <a:defRPr sz="2000" kern="1200">
+                <a:solidFill>
+                  <a:schemeClr val="tx1"/>
+                </a:solidFill>
+                <a:latin typeface="+mn-lt"/>
+                <a:ea typeface="+mn-ea"/>
+                <a:cs typeface="+mn-cs"/>
+              </a:defRPr>
+            </a:lvl6pPr>
+            <a:lvl7pPr marL="2971800" indent="-228600" algn="l" defTabSz="914400" rtl="0" eaLnBrk="1" latinLnBrk="0" hangingPunct="1">
+              <a:spcBef>
+                <a:spcPct val="20000"/>
+              </a:spcBef>
+              <a:buFont typeface="Arial" pitchFamily="34" charset="0"/>
+              <a:buChar char="•"/>
+              <a:defRPr sz="2000" kern="1200">
+                <a:solidFill>
+                  <a:schemeClr val="tx1"/>
+                </a:solidFill>
+                <a:latin typeface="+mn-lt"/>
+                <a:ea typeface="+mn-ea"/>
+                <a:cs typeface="+mn-cs"/>
+              </a:defRPr>
+            </a:lvl7pPr>
+            <a:lvl8pPr marL="3429000" indent="-228600" algn="l" defTabSz="914400" rtl="0" eaLnBrk="1" latinLnBrk="0" hangingPunct="1">
+              <a:spcBef>
+                <a:spcPct val="20000"/>
+              </a:spcBef>
+              <a:buFont typeface="Arial" pitchFamily="34" charset="0"/>
+              <a:buChar char="•"/>
+              <a:defRPr sz="2000" kern="1200">
+                <a:solidFill>
+                  <a:schemeClr val="tx1"/>
+                </a:solidFill>
+                <a:latin typeface="+mn-lt"/>
+                <a:ea typeface="+mn-ea"/>
+                <a:cs typeface="+mn-cs"/>
+              </a:defRPr>
+            </a:lvl8pPr>
+            <a:lvl9pPr marL="3886200" indent="-228600" algn="l" defTabSz="914400" rtl="0" eaLnBrk="1" latinLnBrk="0" hangingPunct="1">
+              <a:spcBef>
+                <a:spcPct val="20000"/>
+              </a:spcBef>
+              <a:buFont typeface="Arial" pitchFamily="34" charset="0"/>
+              <a:buChar char="•"/>
+              <a:defRPr sz="2000" kern="1200">
+                <a:solidFill>
+                  <a:schemeClr val="tx1"/>
+                </a:solidFill>
+                <a:latin typeface="+mn-lt"/>
+                <a:ea typeface="+mn-ea"/>
+                <a:cs typeface="+mn-cs"/>
+              </a:defRPr>
+            </a:lvl9pPr>
+          </a:lstStyle>
+          <a:p>
+            <a:pPr>
+              <a:buFont typeface="+mj-lt"/>
+              <a:buAutoNum type="arabicPeriod" startAt="23"/>
+            </a:pPr>
+            <a:r>
+              <a:rPr lang="en-US" sz="1800" dirty="0" smtClean="0">
+                <a:solidFill>
+                  <a:srgbClr val="00B050"/>
+                </a:solidFill>
+              </a:rPr>
+              <a:t>The calibration results are shown on the left side.</a:t>
+            </a:r>
+          </a:p>
+          <a:p>
+            <a:pPr>
+              <a:buFont typeface="+mj-lt"/>
+              <a:buAutoNum type="arabicPeriod" startAt="23"/>
+            </a:pPr>
+            <a:r>
+              <a:rPr lang="en-US" sz="1800" dirty="0" smtClean="0">
+                <a:solidFill>
+                  <a:srgbClr val="FF0000"/>
+                </a:solidFill>
+              </a:rPr>
+              <a:t>Select “Show all devices” to view the simulation results</a:t>
+            </a:r>
+            <a:endParaRPr lang="en-US" sz="1800" dirty="0">
+              <a:solidFill>
+                <a:srgbClr val="FF0000"/>
+              </a:solidFill>
+            </a:endParaRPr>
+          </a:p>
+          <a:p>
+            <a:pPr>
+              <a:buFont typeface="+mj-lt"/>
+              <a:buAutoNum type="arabicPeriod" startAt="23"/>
+            </a:pPr>
+            <a:r>
+              <a:rPr lang="en-US" sz="1800" dirty="0" smtClean="0">
+                <a:solidFill>
+                  <a:srgbClr val="00B0F0"/>
+                </a:solidFill>
+              </a:rPr>
+              <a:t>Re-calibrate is the wires are not align properly.</a:t>
+            </a:r>
+            <a:endParaRPr lang="en-US" sz="1800" dirty="0">
+              <a:solidFill>
+                <a:srgbClr val="00B0F0"/>
+              </a:solidFill>
+            </a:endParaRPr>
+          </a:p>
+        </p:txBody>
+      </p:sp>
+      <p:cxnSp>
+        <p:nvCxnSpPr>
+          <p:cNvPr id="6" name="Elbow Connector 5"/>
+          <p:cNvCxnSpPr>
+            <a:stCxn id="7" idx="1"/>
+            <a:endCxn id="5" idx="3"/>
+          </p:cNvCxnSpPr>
+          <p:nvPr/>
+        </p:nvCxnSpPr>
+        <p:spPr>
+          <a:xfrm rot="10800000" flipV="1">
+            <a:off x="3916809" y="1476375"/>
+            <a:ext cx="1228725" cy="1190626"/>
+          </a:xfrm>
+          <a:prstGeom prst="bentConnector3">
+            <a:avLst>
+              <a:gd name="adj1" fmla="val 72481"/>
+            </a:avLst>
+          </a:prstGeom>
+          <a:ln w="38100">
+            <a:solidFill>
+              <a:srgbClr val="FF0000"/>
+            </a:solidFill>
+            <a:tailEnd type="arrow"/>
+          </a:ln>
+        </p:spPr>
+        <p:style>
+          <a:lnRef idx="1">
+            <a:schemeClr val="accent1"/>
+          </a:lnRef>
+          <a:fillRef idx="0">
+            <a:schemeClr val="accent1"/>
+          </a:fillRef>
+          <a:effectRef idx="0">
+            <a:schemeClr val="accent1"/>
+          </a:effectRef>
+          <a:fontRef idx="minor">
+            <a:schemeClr val="tx1"/>
+          </a:fontRef>
+        </p:style>
+      </p:cxnSp>
+      <p:sp>
+        <p:nvSpPr>
+          <p:cNvPr id="7" name="Rectangle 6"/>
+          <p:cNvSpPr/>
+          <p:nvPr/>
+        </p:nvSpPr>
+        <p:spPr>
+          <a:xfrm>
+            <a:off x="5145533" y="1371600"/>
+            <a:ext cx="228600" cy="209550"/>
+          </a:xfrm>
+          <a:prstGeom prst="rect">
+            <a:avLst/>
+          </a:prstGeom>
+          <a:noFill/>
+          <a:ln w="38100">
+            <a:solidFill>
+              <a:srgbClr val="FF0000"/>
+            </a:solidFill>
+          </a:ln>
+        </p:spPr>
+        <p:style>
+          <a:lnRef idx="2">
+            <a:schemeClr val="accent1">
+              <a:shade val="50000"/>
+            </a:schemeClr>
+          </a:lnRef>
+          <a:fillRef idx="1">
+            <a:schemeClr val="accent1"/>
+          </a:fillRef>
+          <a:effectRef idx="0">
+            <a:schemeClr val="accent1"/>
+          </a:effectRef>
+          <a:fontRef idx="minor">
+            <a:schemeClr val="lt1"/>
+          </a:fontRef>
+        </p:style>
+        <p:txBody>
+          <a:bodyPr rtlCol="0" anchor="ctr"/>
+          <a:lstStyle/>
+          <a:p>
+            <a:pPr algn="ctr"/>
+            <a:endParaRPr lang="en-US"/>
+          </a:p>
+        </p:txBody>
+      </p:sp>
+      <p:cxnSp>
+        <p:nvCxnSpPr>
+          <p:cNvPr id="8" name="Elbow Connector 7"/>
+          <p:cNvCxnSpPr>
+            <a:stCxn id="9" idx="0"/>
+            <a:endCxn id="5" idx="0"/>
+          </p:cNvCxnSpPr>
+          <p:nvPr/>
+        </p:nvCxnSpPr>
+        <p:spPr>
+          <a:xfrm rot="16200000" flipV="1">
+            <a:off x="3437669" y="540037"/>
+            <a:ext cx="304801" cy="2577529"/>
+          </a:xfrm>
+          <a:prstGeom prst="bentConnector3">
+            <a:avLst>
+              <a:gd name="adj1" fmla="val 231250"/>
+            </a:avLst>
+          </a:prstGeom>
+          <a:ln w="38100">
+            <a:solidFill>
+              <a:srgbClr val="00B050"/>
+            </a:solidFill>
+            <a:tailEnd type="arrow"/>
+          </a:ln>
+        </p:spPr>
+        <p:style>
+          <a:lnRef idx="1">
+            <a:schemeClr val="accent1"/>
+          </a:lnRef>
+          <a:fillRef idx="0">
+            <a:schemeClr val="accent1"/>
+          </a:fillRef>
+          <a:effectRef idx="0">
+            <a:schemeClr val="accent1"/>
+          </a:effectRef>
+          <a:fontRef idx="minor">
+            <a:schemeClr val="tx1"/>
+          </a:fontRef>
+        </p:style>
+      </p:cxnSp>
+      <p:sp>
+        <p:nvSpPr>
+          <p:cNvPr id="9" name="Rectangle 8"/>
+          <p:cNvSpPr/>
+          <p:nvPr/>
+        </p:nvSpPr>
+        <p:spPr>
+          <a:xfrm>
+            <a:off x="4469257" y="1981202"/>
+            <a:ext cx="819151" cy="1904998"/>
+          </a:xfrm>
+          <a:prstGeom prst="rect">
+            <a:avLst/>
+          </a:prstGeom>
+          <a:noFill/>
+          <a:ln w="38100">
+            <a:solidFill>
+              <a:srgbClr val="00B050"/>
+            </a:solidFill>
+          </a:ln>
+        </p:spPr>
+        <p:style>
+          <a:lnRef idx="2">
+            <a:schemeClr val="accent1">
+              <a:shade val="50000"/>
+            </a:schemeClr>
+          </a:lnRef>
+          <a:fillRef idx="1">
+            <a:schemeClr val="accent1"/>
+          </a:fillRef>
+          <a:effectRef idx="0">
+            <a:schemeClr val="accent1"/>
+          </a:effectRef>
+          <a:fontRef idx="minor">
+            <a:schemeClr val="lt1"/>
+          </a:fontRef>
+        </p:style>
+        <p:txBody>
+          <a:bodyPr rtlCol="0" anchor="ctr"/>
+          <a:lstStyle/>
+          <a:p>
+            <a:pPr algn="ctr"/>
+            <a:endParaRPr lang="en-US"/>
+          </a:p>
+        </p:txBody>
+      </p:sp>
+      <p:pic>
+        <p:nvPicPr>
+          <p:cNvPr id="1026" name="Picture 2" descr="C:\Users\paweena\Downloads\refwdactupdates\goodCalibration.jpg"/>
+          <p:cNvPicPr>
+            <a:picLocks noChangeAspect="1" noChangeArrowheads="1"/>
+          </p:cNvPicPr>
+          <p:nvPr/>
+        </p:nvPicPr>
+        <p:blipFill rotWithShape="1">
+          <a:blip r:embed="rId3" cstate="print">
+            <a:extLst>
+              <a:ext uri="{28A0092B-C50C-407E-A947-70E740481C1C}">
+                <a14:useLocalDpi xmlns:a14="http://schemas.microsoft.com/office/drawing/2010/main" val="0"/>
+              </a:ext>
+            </a:extLst>
+          </a:blip>
+          <a:srcRect l="19901"/>
+          <a:stretch/>
+        </p:blipFill>
+        <p:spPr bwMode="auto">
+          <a:xfrm>
+            <a:off x="1219200" y="4191000"/>
+            <a:ext cx="3162733" cy="2286000"/>
+          </a:xfrm>
+          <a:prstGeom prst="rect">
+            <a:avLst/>
+          </a:prstGeom>
+          <a:noFill/>
+          <a:extLst>
+            <a:ext uri="{909E8E84-426E-40DD-AFC4-6F175D3DCCD1}">
+              <a14:hiddenFill xmlns:a14="http://schemas.microsoft.com/office/drawing/2010/main">
+                <a:solidFill>
+                  <a:srgbClr val="FFFFFF"/>
+                </a:solidFill>
+              </a14:hiddenFill>
+            </a:ext>
+          </a:extLst>
+        </p:spPr>
+      </p:pic>
+      <p:pic>
+        <p:nvPicPr>
+          <p:cNvPr id="1027" name="Picture 3" descr="C:\Users\paweena\Downloads\refwdactupdates\badCalibration.jpg"/>
+          <p:cNvPicPr>
+            <a:picLocks noChangeAspect="1" noChangeArrowheads="1"/>
+          </p:cNvPicPr>
+          <p:nvPr/>
+        </p:nvPicPr>
+        <p:blipFill rotWithShape="1">
+          <a:blip r:embed="rId4" cstate="print">
+            <a:extLst>
+              <a:ext uri="{28A0092B-C50C-407E-A947-70E740481C1C}">
+                <a14:useLocalDpi xmlns:a14="http://schemas.microsoft.com/office/drawing/2010/main" val="0"/>
+              </a:ext>
+            </a:extLst>
+          </a:blip>
+          <a:srcRect l="18563"/>
+          <a:stretch/>
+        </p:blipFill>
+        <p:spPr bwMode="auto">
+          <a:xfrm>
+            <a:off x="4419600" y="4191000"/>
+            <a:ext cx="3230563" cy="2286000"/>
+          </a:xfrm>
+          <a:prstGeom prst="rect">
+            <a:avLst/>
+          </a:prstGeom>
+          <a:noFill/>
+          <a:extLst>
+            <a:ext uri="{909E8E84-426E-40DD-AFC4-6F175D3DCCD1}">
+              <a14:hiddenFill xmlns:a14="http://schemas.microsoft.com/office/drawing/2010/main">
+                <a:solidFill>
+                  <a:srgbClr val="FFFFFF"/>
+                </a:solidFill>
+              </a14:hiddenFill>
+            </a:ext>
+          </a:extLst>
+        </p:spPr>
+      </p:pic>
+      <p:pic>
+        <p:nvPicPr>
+          <p:cNvPr id="35" name="Picture 2" descr="S:\data\Sue\SueSue\UserGuideCapture\12-6-2012 4-29-54 PMs.tif"/>
+          <p:cNvPicPr>
+            <a:picLocks noChangeAspect="1" noChangeArrowheads="1"/>
+          </p:cNvPicPr>
+          <p:nvPr/>
+        </p:nvPicPr>
+        <p:blipFill rotWithShape="1">
+          <a:blip r:embed="rId2">
+            <a:extLst>
+              <a:ext uri="{28A0092B-C50C-407E-A947-70E740481C1C}">
+                <a14:useLocalDpi xmlns:a14="http://schemas.microsoft.com/office/drawing/2010/main" val="0"/>
+              </a:ext>
+            </a:extLst>
+          </a:blip>
+          <a:srcRect l="19047" t="3333" r="78578" b="92804"/>
+          <a:stretch/>
+        </p:blipFill>
+        <p:spPr bwMode="auto">
+          <a:xfrm>
+            <a:off x="5700363" y="1476375"/>
+            <a:ext cx="219075" cy="266699"/>
+          </a:xfrm>
+          <a:prstGeom prst="rect">
+            <a:avLst/>
+          </a:prstGeom>
+          <a:noFill/>
+          <a:extLst>
+            <a:ext uri="{909E8E84-426E-40DD-AFC4-6F175D3DCCD1}">
+              <a14:hiddenFill xmlns:a14="http://schemas.microsoft.com/office/drawing/2010/main">
+                <a:solidFill>
+                  <a:srgbClr val="FFFFFF"/>
+                </a:solidFill>
+              </a14:hiddenFill>
+            </a:ext>
+          </a:extLst>
+        </p:spPr>
+      </p:pic>
+      <p:sp>
+        <p:nvSpPr>
+          <p:cNvPr id="36" name="Rectangle 35"/>
+          <p:cNvSpPr/>
+          <p:nvPr/>
+        </p:nvSpPr>
+        <p:spPr>
+          <a:xfrm>
+            <a:off x="5640832" y="1433511"/>
+            <a:ext cx="338138" cy="352426"/>
+          </a:xfrm>
+          <a:prstGeom prst="rect">
+            <a:avLst/>
+          </a:prstGeom>
+          <a:noFill/>
+          <a:ln w="38100">
+            <a:solidFill>
+              <a:srgbClr val="FF0000"/>
+            </a:solidFill>
+          </a:ln>
+        </p:spPr>
+        <p:style>
+          <a:lnRef idx="2">
+            <a:schemeClr val="accent1">
+              <a:shade val="50000"/>
+            </a:schemeClr>
+          </a:lnRef>
+          <a:fillRef idx="1">
+            <a:schemeClr val="accent1"/>
+          </a:fillRef>
+          <a:effectRef idx="0">
+            <a:schemeClr val="accent1"/>
+          </a:effectRef>
+          <a:fontRef idx="minor">
+            <a:schemeClr val="lt1"/>
+          </a:fontRef>
+        </p:style>
+        <p:txBody>
+          <a:bodyPr rtlCol="0" anchor="ctr"/>
+          <a:lstStyle/>
+          <a:p>
+            <a:pPr algn="ctr"/>
+            <a:endParaRPr lang="en-US"/>
+          </a:p>
+        </p:txBody>
+      </p:sp>
+      <p:cxnSp>
+        <p:nvCxnSpPr>
+          <p:cNvPr id="33" name="Straight Connector 32"/>
+          <p:cNvCxnSpPr>
+            <a:stCxn id="7" idx="2"/>
+          </p:cNvCxnSpPr>
+          <p:nvPr/>
+        </p:nvCxnSpPr>
+        <p:spPr>
+          <a:xfrm>
+            <a:off x="5259833" y="1581150"/>
+            <a:ext cx="380999" cy="204787"/>
+          </a:xfrm>
+          <a:prstGeom prst="line">
+            <a:avLst/>
+          </a:prstGeom>
+          <a:ln w="38100">
+            <a:solidFill>
+              <a:srgbClr val="FF0000"/>
+            </a:solidFill>
+          </a:ln>
+        </p:spPr>
+        <p:style>
+          <a:lnRef idx="1">
+            <a:schemeClr val="accent1"/>
+          </a:lnRef>
+          <a:fillRef idx="0">
+            <a:schemeClr val="accent1"/>
+          </a:fillRef>
+          <a:effectRef idx="0">
+            <a:schemeClr val="accent1"/>
+          </a:effectRef>
+          <a:fontRef idx="minor">
+            <a:schemeClr val="tx1"/>
+          </a:fontRef>
+        </p:style>
+      </p:cxnSp>
+      <p:cxnSp>
+        <p:nvCxnSpPr>
+          <p:cNvPr id="37" name="Straight Connector 36"/>
+          <p:cNvCxnSpPr>
+            <a:stCxn id="7" idx="0"/>
+          </p:cNvCxnSpPr>
+          <p:nvPr/>
+        </p:nvCxnSpPr>
+        <p:spPr>
+          <a:xfrm>
+            <a:off x="5259833" y="1371600"/>
+            <a:ext cx="719137" cy="61911"/>
+          </a:xfrm>
+          <a:prstGeom prst="line">
+            <a:avLst/>
+          </a:prstGeom>
+          <a:ln w="38100">
+            <a:solidFill>
+              <a:srgbClr val="FF0000"/>
+            </a:solidFill>
+          </a:ln>
+        </p:spPr>
+        <p:style>
+          <a:lnRef idx="1">
+            <a:schemeClr val="accent1"/>
+          </a:lnRef>
+          <a:fillRef idx="0">
+            <a:schemeClr val="accent1"/>
+          </a:fillRef>
+          <a:effectRef idx="0">
+            <a:schemeClr val="accent1"/>
+          </a:effectRef>
+          <a:fontRef idx="minor">
+            <a:schemeClr val="tx1"/>
+          </a:fontRef>
+        </p:style>
+      </p:cxnSp>
+      <p:cxnSp>
+        <p:nvCxnSpPr>
+          <p:cNvPr id="55" name="Elbow Connector 54"/>
+          <p:cNvCxnSpPr>
+            <a:stCxn id="5" idx="2"/>
+            <a:endCxn id="1027" idx="0"/>
+          </p:cNvCxnSpPr>
+          <p:nvPr/>
+        </p:nvCxnSpPr>
+        <p:spPr>
+          <a:xfrm rot="16200000" flipH="1">
+            <a:off x="3901393" y="2057511"/>
+            <a:ext cx="533400" cy="3733578"/>
+          </a:xfrm>
+          <a:prstGeom prst="bentConnector3">
+            <a:avLst>
+              <a:gd name="adj1" fmla="val 50000"/>
+            </a:avLst>
+          </a:prstGeom>
+          <a:ln w="38100">
+            <a:solidFill>
+              <a:srgbClr val="00B0F0"/>
+            </a:solidFill>
+            <a:tailEnd type="arrow"/>
+          </a:ln>
+        </p:spPr>
+        <p:style>
+          <a:lnRef idx="1">
+            <a:schemeClr val="accent1"/>
+          </a:lnRef>
+          <a:fillRef idx="0">
+            <a:schemeClr val="accent1"/>
+          </a:fillRef>
+          <a:effectRef idx="0">
+            <a:schemeClr val="accent1"/>
+          </a:effectRef>
+          <a:fontRef idx="minor">
+            <a:schemeClr val="tx1"/>
+          </a:fontRef>
+        </p:style>
+      </p:cxnSp>
+      <p:cxnSp>
+        <p:nvCxnSpPr>
+          <p:cNvPr id="59" name="Elbow Connector 58"/>
+          <p:cNvCxnSpPr>
+            <a:stCxn id="5" idx="2"/>
+            <a:endCxn id="1026" idx="1"/>
+          </p:cNvCxnSpPr>
+          <p:nvPr/>
+        </p:nvCxnSpPr>
+        <p:spPr>
+          <a:xfrm rot="5400000">
+            <a:off x="922052" y="3954748"/>
+            <a:ext cx="1676400" cy="1082104"/>
+          </a:xfrm>
+          <a:prstGeom prst="bentConnector4">
+            <a:avLst>
+              <a:gd name="adj1" fmla="val 15909"/>
+              <a:gd name="adj2" fmla="val 121126"/>
+            </a:avLst>
+          </a:prstGeom>
+          <a:ln w="38100">
+            <a:solidFill>
+              <a:srgbClr val="00B0F0"/>
+            </a:solidFill>
+            <a:tailEnd type="arrow"/>
+          </a:ln>
+        </p:spPr>
+        <p:style>
+          <a:lnRef idx="1">
+            <a:schemeClr val="accent1"/>
+          </a:lnRef>
+          <a:fillRef idx="0">
+            <a:schemeClr val="accent1"/>
+          </a:fillRef>
+          <a:effectRef idx="0">
+            <a:schemeClr val="accent1"/>
+          </a:effectRef>
+          <a:fontRef idx="minor">
+            <a:schemeClr val="tx1"/>
+          </a:fontRef>
+        </p:style>
+      </p:cxnSp>
+      <p:sp>
+        <p:nvSpPr>
+          <p:cNvPr id="63" name="Content Placeholder 2"/>
+          <p:cNvSpPr txBox="1">
+            <a:spLocks/>
+          </p:cNvSpPr>
+          <p:nvPr/>
+        </p:nvSpPr>
+        <p:spPr>
+          <a:xfrm>
+            <a:off x="2762466" y="6019800"/>
+            <a:ext cx="1524000" cy="304800"/>
+          </a:xfrm>
+          <a:prstGeom prst="rect">
+            <a:avLst/>
+          </a:prstGeom>
+          <a:ln>
+            <a:noFill/>
+          </a:ln>
+        </p:spPr>
+        <p:txBody>
+          <a:bodyPr vert="horz" lIns="91440" tIns="45720" rIns="91440" bIns="45720" rtlCol="0">
+            <a:noAutofit/>
+          </a:bodyPr>
+          <a:lstStyle/>
+          <a:p>
+            <a:pPr marR="0" lvl="0" algn="l" defTabSz="914400" rtl="0" eaLnBrk="1" fontAlgn="auto" latinLnBrk="0" hangingPunct="1">
+              <a:lnSpc>
+                <a:spcPct val="100000"/>
+              </a:lnSpc>
+              <a:spcBef>
+                <a:spcPct val="20000"/>
+              </a:spcBef>
+              <a:spcAft>
+                <a:spcPts val="0"/>
+              </a:spcAft>
+              <a:buClrTx/>
+              <a:buSzTx/>
+              <a:tabLst/>
+              <a:defRPr/>
+            </a:pPr>
+            <a:r>
+              <a:rPr kumimoji="0" lang="en-US" sz="1400" b="1" i="0" u="none" strike="noStrike" kern="1200" cap="none" spc="0" normalizeH="0" baseline="0" noProof="0" dirty="0" smtClean="0">
+                <a:ln>
+                  <a:noFill/>
+                </a:ln>
+                <a:solidFill>
+                  <a:srgbClr val="00B0F0"/>
+                </a:solidFill>
+                <a:effectLst/>
+                <a:uLnTx/>
+                <a:uFillTx/>
+                <a:latin typeface="+mn-lt"/>
+                <a:ea typeface="+mn-ea"/>
+                <a:cs typeface="+mn-cs"/>
+              </a:rPr>
+              <a:t>Good Calibration</a:t>
+            </a:r>
+          </a:p>
+        </p:txBody>
+      </p:sp>
+      <p:sp>
+        <p:nvSpPr>
+          <p:cNvPr id="65" name="Content Placeholder 2"/>
+          <p:cNvSpPr txBox="1">
+            <a:spLocks/>
+          </p:cNvSpPr>
+          <p:nvPr/>
+        </p:nvSpPr>
+        <p:spPr>
+          <a:xfrm>
+            <a:off x="6172200" y="6019800"/>
+            <a:ext cx="1524000" cy="304800"/>
+          </a:xfrm>
+          <a:prstGeom prst="rect">
+            <a:avLst/>
+          </a:prstGeom>
+          <a:ln>
+            <a:noFill/>
+          </a:ln>
+        </p:spPr>
+        <p:txBody>
+          <a:bodyPr vert="horz" lIns="91440" tIns="45720" rIns="91440" bIns="45720" rtlCol="0">
+            <a:noAutofit/>
+          </a:bodyPr>
+          <a:lstStyle/>
+          <a:p>
+            <a:pPr marR="0" lvl="0" algn="l" defTabSz="914400" rtl="0" eaLnBrk="1" fontAlgn="auto" latinLnBrk="0" hangingPunct="1">
+              <a:lnSpc>
+                <a:spcPct val="100000"/>
+              </a:lnSpc>
+              <a:spcBef>
+                <a:spcPct val="20000"/>
+              </a:spcBef>
+              <a:spcAft>
+                <a:spcPts val="0"/>
+              </a:spcAft>
+              <a:buClrTx/>
+              <a:buSzTx/>
+              <a:tabLst/>
+              <a:defRPr/>
+            </a:pPr>
+            <a:r>
+              <a:rPr kumimoji="0" lang="en-US" sz="1400" b="1" i="0" u="none" strike="noStrike" kern="1200" cap="none" spc="0" normalizeH="0" baseline="0" noProof="0" dirty="0" smtClean="0">
+                <a:ln>
+                  <a:noFill/>
+                </a:ln>
+                <a:solidFill>
+                  <a:srgbClr val="00B0F0"/>
+                </a:solidFill>
+                <a:effectLst/>
+                <a:uLnTx/>
+                <a:uFillTx/>
+                <a:latin typeface="+mn-lt"/>
+                <a:ea typeface="+mn-ea"/>
+                <a:cs typeface="+mn-cs"/>
+              </a:rPr>
+              <a:t>Bad Calibration</a:t>
+            </a:r>
+          </a:p>
+        </p:txBody>
+      </p:sp>
+    </p:spTree>
+    <p:extLst>
+      <p:ext uri="{BB962C8B-B14F-4D97-AF65-F5344CB8AC3E}">
+        <p14:creationId xmlns:p14="http://schemas.microsoft.com/office/powerpoint/2010/main" val="3114426116"/>
+      </p:ext>
+    </p:extLst>
+  </p:cSld>
+  <p:clrMapOvr>
+    <a:masterClrMapping/>
+  </p:clrMapOvr>
+</p:sld>
+</file>
+
 <file path=ppt/slides/slide2.xml><?xml version="1.0" encoding="utf-8"?>
 <p:sld xmlns:a="http://schemas.openxmlformats.org/drawingml/2006/main" xmlns:r="http://schemas.openxmlformats.org/officeDocument/2006/relationships" xmlns:p="http://schemas.openxmlformats.org/presentationml/2006/main">
   <p:cSld>
@@ -3671,82 +8825,22 @@
           <a:p>
             <a:r>
               <a:rPr lang="en-CA" dirty="0" smtClean="0"/>
-              <a:t>N-wires are attached to a precisely manufactured calibration phantom (see image below) – see phantom building tutorial </a:t>
-            </a:r>
-            <a:r>
-              <a:rPr lang="en-CA" dirty="0"/>
-              <a:t>(PlusTutorialBuildingfCalPhantom.pptx </a:t>
+              <a:t>N-wires are attached to a precisely manufactured calibration phantom (see image below) – see </a:t>
+            </a:r>
+            <a:r>
+              <a:rPr lang="en-CA" dirty="0" smtClean="0">
+                <a:hlinkClick r:id="rId2"/>
+              </a:rPr>
+              <a:t>phantom building tutorial </a:t>
             </a:r>
             <a:r>
               <a:rPr lang="en-CA" dirty="0" smtClean="0"/>
-              <a:t>) for phantom building instructions.</a:t>
+              <a:t>for instructions for building a phantom</a:t>
             </a:r>
             <a:endParaRPr lang="en-CA" dirty="0"/>
           </a:p>
         </p:txBody>
       </p:sp>
-      <p:pic>
-        <p:nvPicPr>
-          <p:cNvPr id="1026" name="Picture 2"/>
-          <p:cNvPicPr>
-            <a:picLocks noChangeAspect="1" noChangeArrowheads="1"/>
-          </p:cNvPicPr>
-          <p:nvPr/>
-        </p:nvPicPr>
-        <p:blipFill rotWithShape="1">
-          <a:blip r:embed="rId2" cstate="print">
-            <a:extLst>
-              <a:ext uri="{28A0092B-C50C-407E-A947-70E740481C1C}">
-                <a14:useLocalDpi xmlns:a14="http://schemas.microsoft.com/office/drawing/2010/main" val="0"/>
-              </a:ext>
-            </a:extLst>
-          </a:blip>
-          <a:srcRect t="4032" b="5473"/>
-          <a:stretch/>
-        </p:blipFill>
-        <p:spPr bwMode="auto">
-          <a:xfrm>
-            <a:off x="1667078" y="3886200"/>
-            <a:ext cx="5876722" cy="2474334"/>
-          </a:xfrm>
-          <a:prstGeom prst="rect">
-            <a:avLst/>
-          </a:prstGeom>
-          <a:noFill/>
-          <a:ln>
-            <a:noFill/>
-          </a:ln>
-          <a:effectLst/>
-          <a:extLst>
-            <a:ext uri="{909E8E84-426E-40DD-AFC4-6F175D3DCCD1}">
-              <a14:hiddenFill xmlns:a14="http://schemas.microsoft.com/office/drawing/2010/main">
-                <a:solidFill>
-                  <a:schemeClr val="accent1"/>
-                </a:solidFill>
-              </a14:hiddenFill>
-            </a:ext>
-            <a:ext uri="{91240B29-F687-4F45-9708-019B960494DF}">
-              <a14:hiddenLine xmlns:a14="http://schemas.microsoft.com/office/drawing/2010/main" w="9525">
-                <a:solidFill>
-                  <a:schemeClr val="tx1"/>
-                </a:solidFill>
-                <a:miter lim="800000"/>
-                <a:headEnd/>
-                <a:tailEnd/>
-              </a14:hiddenLine>
-            </a:ext>
-            <a:ext uri="{AF507438-7753-43E0-B8FC-AC1667EBCBE1}">
-              <a14:hiddenEffects xmlns:a14="http://schemas.microsoft.com/office/drawing/2010/main">
-                <a:effectLst>
-                  <a:outerShdw dist="35921" dir="2700000" algn="ctr" rotWithShape="0">
-                    <a:schemeClr val="bg2"/>
-                  </a:outerShdw>
-                </a:effectLst>
-              </a14:hiddenEffects>
-            </a:ext>
-          </a:extLst>
-        </p:spPr>
-      </p:pic>
       <p:sp>
         <p:nvSpPr>
           <p:cNvPr id="4" name="Footer Placeholder 3"/>
@@ -3763,8 +8857,8 @@
           <a:lstStyle/>
           <a:p>
             <a:r>
-              <a:rPr lang="en-US" smtClean="0"/>
-              <a:t>Laboratory for Percutaneous Surgery (The Perk Lab) – Copyright © Queen’s University, 2011</a:t>
+              <a:rPr lang="en-US" dirty="0" smtClean="0"/>
+              <a:t>Laboratory for Percutaneous Surgery (The Perk Lab) – Copyright © Queen’s University, 2012</a:t>
             </a:r>
           </a:p>
           <a:p>
@@ -3772,6 +8866,45 @@
           </a:p>
         </p:txBody>
       </p:sp>
+      <p:pic>
+        <p:nvPicPr>
+          <p:cNvPr id="5" name="Picture 2" descr="S:\data\Sue\DSC01316s.jpg"/>
+          <p:cNvPicPr>
+            <a:picLocks noChangeAspect="1" noChangeArrowheads="1"/>
+          </p:cNvPicPr>
+          <p:nvPr/>
+        </p:nvPicPr>
+        <p:blipFill rotWithShape="1">
+          <a:blip r:embed="rId3">
+            <a:extLst>
+              <a:ext uri="{28A0092B-C50C-407E-A947-70E740481C1C}">
+                <a14:useLocalDpi xmlns:a14="http://schemas.microsoft.com/office/drawing/2010/main" val="0"/>
+              </a:ext>
+            </a:extLst>
+          </a:blip>
+          <a:srcRect t="19360"/>
+          <a:stretch/>
+        </p:blipFill>
+        <p:spPr bwMode="auto">
+          <a:xfrm>
+            <a:off x="2209798" y="3474720"/>
+            <a:ext cx="4838111" cy="2926080"/>
+          </a:xfrm>
+          <a:prstGeom prst="rect">
+            <a:avLst/>
+          </a:prstGeom>
+          <a:noFill/>
+          <a:extLst>
+            <a:ext uri="{909E8E84-426E-40DD-AFC4-6F175D3DCCD1}">
+              <a14:hiddenFill xmlns:a14="http://schemas.microsoft.com/office/drawing/2010/main">
+                <a:solidFill>
+                  <a:srgbClr val="FFFFFF"/>
+                </a:solidFill>
+              </a14:hiddenFill>
+            </a:ext>
+          </a:extLst>
+        </p:spPr>
+      </p:pic>
     </p:spTree>
     <p:extLst>
       <p:ext uri="{BB962C8B-B14F-4D97-AF65-F5344CB8AC3E}">
@@ -3851,24 +8984,18 @@
               <a:buNone/>
             </a:pPr>
             <a:r>
-              <a:rPr lang="en-CA" sz="1100" dirty="0">
+              <a:rPr lang="en-CA" sz="1600" dirty="0" smtClean="0">
                 <a:hlinkClick r:id="rId2"/>
               </a:rPr>
-              <a:t>https://</a:t>
-            </a:r>
-            <a:r>
-              <a:rPr lang="en-CA" sz="1100" dirty="0" smtClean="0">
-                <a:hlinkClick r:id="rId2"/>
-              </a:rPr>
-              <a:t>subversion.assembla.com/svn/plus/trunk/doc/specifications/CoordinateSystems/FreehandCalibration_CoordinateRepresentation.png</a:t>
-            </a:r>
-            <a:endParaRPr lang="en-CA" sz="1100" dirty="0"/>
+              <a:t>https://www.assembla.com/code/plus/subversion/nodes/trunk/PlusLib/docs/fCAL/CoordinateSystems/FreehandCalibration_CoordinateRepresentation.png</a:t>
+            </a:r>
+            <a:endParaRPr lang="en-CA" sz="1600" dirty="0" smtClean="0"/>
           </a:p>
           <a:p>
             <a:pPr>
               <a:buNone/>
             </a:pPr>
-            <a:endParaRPr lang="en-CA" sz="1600" dirty="0" smtClean="0"/>
+            <a:endParaRPr lang="en-CA" sz="1600" dirty="0"/>
           </a:p>
         </p:txBody>
       </p:sp>
@@ -3888,8 +9015,8 @@
           <a:lstStyle/>
           <a:p>
             <a:r>
-              <a:rPr lang="en-US" smtClean="0"/>
-              <a:t>Laboratory for Percutaneous Surgery (The Perk Lab) – Copyright © Queen’s University, 2011</a:t>
+              <a:rPr lang="en-US" dirty="0" smtClean="0"/>
+              <a:t>Laboratory for Percutaneous Surgery (The Perk Lab) – Copyright © Queen’s University, 2012</a:t>
             </a:r>
           </a:p>
           <a:p>
@@ -4054,7 +9181,7 @@
             </a:r>
             <a:r>
               <a:rPr lang="en-US" dirty="0" smtClean="0"/>
-              <a:t> 1.x calibration phantom</a:t>
+              <a:t> 2.x calibration phantom</a:t>
             </a:r>
           </a:p>
           <a:p>
@@ -4070,45 +9197,6 @@
           </a:p>
         </p:txBody>
       </p:sp>
-      <p:pic>
-        <p:nvPicPr>
-          <p:cNvPr id="4" name="Picture 3"/>
-          <p:cNvPicPr>
-            <a:picLocks noChangeAspect="1"/>
-          </p:cNvPicPr>
-          <p:nvPr/>
-        </p:nvPicPr>
-        <p:blipFill>
-          <a:blip r:embed="rId2" cstate="print">
-            <a:extLst>
-              <a:ext uri="{BEBA8EAE-BF5A-486C-A8C5-ECC9F3942E4B}">
-                <a14:imgProps xmlns:a14="http://schemas.microsoft.com/office/drawing/2010/main">
-                  <a14:imgLayer r:embed="rId3">
-                    <a14:imgEffect>
-                      <a14:brightnessContrast bright="40000" contrast="-20000"/>
-                    </a14:imgEffect>
-                  </a14:imgLayer>
-                </a14:imgProps>
-              </a:ext>
-              <a:ext uri="{28A0092B-C50C-407E-A947-70E740481C1C}">
-                <a14:useLocalDpi xmlns:a14="http://schemas.microsoft.com/office/drawing/2010/main" val="0"/>
-              </a:ext>
-            </a:extLst>
-          </a:blip>
-          <a:stretch>
-            <a:fillRect/>
-          </a:stretch>
-        </p:blipFill>
-        <p:spPr>
-          <a:xfrm>
-            <a:off x="228600" y="1295400"/>
-            <a:ext cx="3810000" cy="2547938"/>
-          </a:xfrm>
-          <a:prstGeom prst="rect">
-            <a:avLst/>
-          </a:prstGeom>
-        </p:spPr>
-      </p:pic>
       <p:pic>
         <p:nvPicPr>
           <p:cNvPr id="5" name="Picture 4"/>
@@ -4118,7 +9206,7 @@
           <p:nvPr/>
         </p:nvPicPr>
         <p:blipFill>
-          <a:blip r:embed="rId4" cstate="print">
+          <a:blip r:embed="rId2" cstate="print">
             <a:extLst>
               <a:ext uri="{28A0092B-C50C-407E-A947-70E740481C1C}">
                 <a14:useLocalDpi xmlns:a14="http://schemas.microsoft.com/office/drawing/2010/main" val="0"/>
@@ -4132,7 +9220,7 @@
         <p:spPr>
           <a:xfrm>
             <a:off x="238124" y="3886200"/>
-            <a:ext cx="3800475" cy="2536817"/>
+            <a:ext cx="3657600" cy="2441448"/>
           </a:xfrm>
           <a:prstGeom prst="rect">
             <a:avLst/>
@@ -4155,8 +9243,8 @@
           <a:lstStyle/>
           <a:p>
             <a:r>
-              <a:rPr lang="en-US" smtClean="0"/>
-              <a:t>Laboratory for Percutaneous Surgery (The Perk Lab) – Copyright © Queen’s University, 2011</a:t>
+              <a:rPr lang="en-US" dirty="0" smtClean="0"/>
+              <a:t>Laboratory for Percutaneous Surgery (The Perk Lab) – Copyright © Queen’s University, 2012</a:t>
             </a:r>
           </a:p>
           <a:p>
@@ -4164,6 +9252,47 @@
           </a:p>
         </p:txBody>
       </p:sp>
+      <p:pic>
+        <p:nvPicPr>
+          <p:cNvPr id="1026" name="Picture 2" descr="S:\data\Sue\DSC01315s.jpg"/>
+          <p:cNvPicPr>
+            <a:picLocks noChangeAspect="1" noChangeArrowheads="1"/>
+          </p:cNvPicPr>
+          <p:nvPr/>
+        </p:nvPicPr>
+        <p:blipFill>
+          <a:blip r:embed="rId3">
+            <a:extLst>
+              <a:ext uri="{28A0092B-C50C-407E-A947-70E740481C1C}">
+                <a14:useLocalDpi xmlns:a14="http://schemas.microsoft.com/office/drawing/2010/main" val="0"/>
+              </a:ext>
+            </a:extLst>
+          </a:blip>
+          <a:srcRect/>
+          <a:stretch>
+            <a:fillRect/>
+          </a:stretch>
+        </p:blipFill>
+        <p:spPr bwMode="auto">
+          <a:xfrm>
+            <a:off x="228600" y="1117600"/>
+            <a:ext cx="3657600" cy="2743200"/>
+          </a:xfrm>
+          <a:prstGeom prst="rect">
+            <a:avLst/>
+          </a:prstGeom>
+          <a:noFill/>
+          <a:extLst>
+            <a:ext uri="{909E8E84-426E-40DD-AFC4-6F175D3DCCD1}">
+              <a14:hiddenFill xmlns:a14="http://schemas.microsoft.com/office/drawing/2010/main">
+                <a:solidFill>
+                  <a:srgbClr val="FFFFFF"/>
+                </a:solidFill>
+              </a14:hiddenFill>
+            </a:ext>
+          </a:extLst>
+        </p:spPr>
+      </p:pic>
     </p:spTree>
     <p:extLst>
       <p:ext uri="{BB962C8B-B14F-4D97-AF65-F5344CB8AC3E}">
@@ -4241,23 +9370,157 @@
           </a:xfrm>
         </p:spPr>
         <p:txBody>
-          <a:bodyPr/>
-          <a:lstStyle/>
-          <a:p>
+          <a:bodyPr>
+            <a:normAutofit lnSpcReduction="10000"/>
+          </a:bodyPr>
+          <a:lstStyle/>
+          <a:p>
+            <a:pPr marL="457200" indent="-457200">
+              <a:buFont typeface="+mj-lt"/>
+              <a:buAutoNum type="arabicPeriod"/>
+            </a:pPr>
             <a:r>
               <a:rPr lang="en-US" dirty="0" smtClean="0"/>
-              <a:t>Start fCal.exe</a:t>
-            </a:r>
-          </a:p>
-          <a:p>
+              <a:t>Download Plus applications </a:t>
+            </a:r>
+            <a:r>
+              <a:rPr lang="en-US" dirty="0"/>
+              <a:t>releases from </a:t>
+            </a:r>
+            <a:r>
+              <a:rPr lang="en-US" dirty="0">
+                <a:hlinkClick r:id="rId2"/>
+              </a:rPr>
+              <a:t>https://</a:t>
+            </a:r>
+            <a:r>
+              <a:rPr lang="en-US" dirty="0" smtClean="0">
+                <a:hlinkClick r:id="rId2"/>
+              </a:rPr>
+              <a:t>www.assembla.com/spaces/plus/wiki/Downloads</a:t>
+            </a:r>
+            <a:endParaRPr lang="en-US" dirty="0"/>
+          </a:p>
+          <a:p>
+            <a:pPr marL="457200" indent="-457200">
+              <a:buFont typeface="+mj-lt"/>
+              <a:buAutoNum type="arabicPeriod"/>
+            </a:pPr>
             <a:r>
               <a:rPr lang="en-US" dirty="0" smtClean="0"/>
-              <a:t>Select your device set and click </a:t>
-            </a:r>
-            <a:r>
-              <a:rPr lang="en-US" i="1" dirty="0" smtClean="0"/>
-              <a:t>Connect</a:t>
-            </a:r>
+              <a:t>Start fCal.exe (</a:t>
+            </a:r>
+            <a:r>
+              <a:rPr lang="en-US" dirty="0" err="1" smtClean="0"/>
+              <a:t>PlusApp_x.x.x.xxxx</a:t>
+            </a:r>
+            <a:r>
+              <a:rPr lang="en-US" dirty="0" smtClean="0"/>
+              <a:t>/bin/fCal.exe)</a:t>
+            </a:r>
+            <a:endParaRPr lang="en-US" dirty="0"/>
+          </a:p>
+          <a:p>
+            <a:pPr marL="457200" indent="-457200">
+              <a:buFont typeface="+mj-lt"/>
+              <a:buAutoNum type="arabicPeriod"/>
+            </a:pPr>
+            <a:r>
+              <a:rPr lang="en-US" dirty="0" smtClean="0"/>
+              <a:t>Select your Device set as “</a:t>
+            </a:r>
+            <a:r>
+              <a:rPr lang="en-US" dirty="0" err="1" smtClean="0"/>
+              <a:t>SonixTouch</a:t>
+            </a:r>
+            <a:r>
+              <a:rPr lang="en-US" dirty="0" smtClean="0"/>
+              <a:t> GPS L14 + Reference + Stylus + Phantom </a:t>
+            </a:r>
+            <a:r>
+              <a:rPr lang="en-US" dirty="0" err="1" smtClean="0"/>
+              <a:t>x.x</a:t>
+            </a:r>
+            <a:r>
+              <a:rPr lang="en-US" dirty="0" smtClean="0"/>
+              <a:t>” </a:t>
+            </a:r>
+          </a:p>
+          <a:p>
+            <a:pPr marL="457200" indent="-457200">
+              <a:buFont typeface="+mj-lt"/>
+              <a:buAutoNum type="arabicPeriod"/>
+            </a:pPr>
+            <a:r>
+              <a:rPr lang="en-US" dirty="0" smtClean="0"/>
+              <a:t>Click Connect</a:t>
+            </a:r>
+          </a:p>
+          <a:p>
+            <a:pPr marL="457200" indent="-457200">
+              <a:buFont typeface="+mj-lt"/>
+              <a:buAutoNum type="arabicPeriod"/>
+            </a:pPr>
+            <a:r>
+              <a:rPr lang="en-US" dirty="0" smtClean="0"/>
+              <a:t>Check if all the devices are shown “OK”</a:t>
+            </a:r>
+          </a:p>
+          <a:p>
+            <a:pPr marL="457200" indent="-457200">
+              <a:buFont typeface="+mj-lt"/>
+              <a:buAutoNum type="arabicPeriod"/>
+            </a:pPr>
+            <a:r>
+              <a:rPr lang="en-US" dirty="0" smtClean="0"/>
+              <a:t>Start Stylus calibration</a:t>
+            </a:r>
+          </a:p>
+          <a:p>
+            <a:pPr marL="457200" indent="-457200">
+              <a:buFont typeface="+mj-lt"/>
+              <a:buAutoNum type="arabicPeriod"/>
+            </a:pPr>
+            <a:r>
+              <a:rPr lang="en-US" dirty="0" smtClean="0"/>
+              <a:t>Phantom registration</a:t>
+            </a:r>
+          </a:p>
+          <a:p>
+            <a:pPr marL="457200" indent="-457200">
+              <a:buFont typeface="+mj-lt"/>
+              <a:buAutoNum type="arabicPeriod"/>
+            </a:pPr>
+            <a:r>
+              <a:rPr lang="en-US" dirty="0" smtClean="0"/>
+              <a:t>Temporal Calibration</a:t>
+            </a:r>
+          </a:p>
+          <a:p>
+            <a:pPr marL="457200" indent="-457200">
+              <a:buFont typeface="+mj-lt"/>
+              <a:buAutoNum type="arabicPeriod"/>
+            </a:pPr>
+            <a:r>
+              <a:rPr lang="en-US" dirty="0" smtClean="0"/>
+              <a:t>Spatial calibration</a:t>
+            </a:r>
+          </a:p>
+          <a:p>
+            <a:pPr marL="0" indent="0">
+              <a:buNone/>
+            </a:pPr>
+            <a:endParaRPr lang="en-US" dirty="0" smtClean="0"/>
+          </a:p>
+          <a:p>
+            <a:pPr marL="457200" indent="-457200">
+              <a:buFont typeface="+mj-lt"/>
+              <a:buAutoNum type="arabicPeriod"/>
+            </a:pPr>
+            <a:endParaRPr lang="en-US" dirty="0" smtClean="0"/>
+          </a:p>
+          <a:p>
+            <a:endParaRPr lang="en-US" i="1" dirty="0" smtClean="0"/>
           </a:p>
         </p:txBody>
       </p:sp>
@@ -4277,8 +9540,8 @@
           <a:lstStyle/>
           <a:p>
             <a:r>
-              <a:rPr lang="en-US" smtClean="0"/>
-              <a:t>Laboratory for Percutaneous Surgery (The Perk Lab) – Copyright © Queen’s University, 2011</a:t>
+              <a:rPr lang="en-US" dirty="0" smtClean="0"/>
+              <a:t>Laboratory for Percutaneous Surgery (The Perk Lab) – Copyright © Queen’s University, 2012</a:t>
             </a:r>
           </a:p>
           <a:p>
@@ -4286,38 +9549,6 @@
           </a:p>
         </p:txBody>
       </p:sp>
-      <p:pic>
-        <p:nvPicPr>
-          <p:cNvPr id="2051" name="Picture 3"/>
-          <p:cNvPicPr>
-            <a:picLocks noChangeAspect="1" noChangeArrowheads="1"/>
-          </p:cNvPicPr>
-          <p:nvPr/>
-        </p:nvPicPr>
-        <p:blipFill>
-          <a:blip r:embed="rId2" cstate="print"/>
-          <a:srcRect/>
-          <a:stretch>
-            <a:fillRect/>
-          </a:stretch>
-        </p:blipFill>
-        <p:spPr bwMode="auto">
-          <a:xfrm>
-            <a:off x="1676400" y="2133600"/>
-            <a:ext cx="5770746" cy="4266311"/>
-          </a:xfrm>
-          <a:prstGeom prst="rect">
-            <a:avLst/>
-          </a:prstGeom>
-          <a:noFill/>
-          <a:ln w="9525">
-            <a:noFill/>
-            <a:miter lim="800000"/>
-            <a:headEnd/>
-            <a:tailEnd/>
-          </a:ln>
-        </p:spPr>
-      </p:pic>
     </p:spTree>
     <p:extLst>
       <p:ext uri="{BB962C8B-B14F-4D97-AF65-F5344CB8AC3E}">
@@ -4372,7 +9603,7 @@
           <a:p>
             <a:r>
               <a:rPr lang="en-US" dirty="0" smtClean="0"/>
-              <a:t>Stylus calibration</a:t>
+              <a:t>Software setup</a:t>
             </a:r>
             <a:endParaRPr lang="en-US" dirty="0"/>
           </a:p>
@@ -4390,80 +9621,140 @@
         </p:nvSpPr>
         <p:spPr>
           <a:xfrm>
-            <a:off x="4648200" y="1600200"/>
-            <a:ext cx="4038600" cy="4525963"/>
-          </a:xfrm>
-        </p:spPr>
-        <p:txBody>
-          <a:bodyPr/>
-          <a:lstStyle/>
-          <a:p>
-            <a:r>
-              <a:rPr lang="en-US" dirty="0" smtClean="0"/>
-              <a:t>Attach an EM sensor to any pointing object.</a:t>
-            </a:r>
-          </a:p>
-          <a:p>
-            <a:r>
-              <a:rPr lang="en-US" dirty="0" err="1" smtClean="0"/>
-              <a:t>fCal</a:t>
-            </a:r>
-            <a:r>
-              <a:rPr lang="en-US" dirty="0" smtClean="0"/>
-              <a:t> collects 100 different points.</a:t>
-            </a:r>
-          </a:p>
-          <a:p>
-            <a:r>
-              <a:rPr lang="en-US" dirty="0" smtClean="0"/>
-              <a:t>Stylus tip should be fixed to the reference while pivoting the sensor on a sphere surface.</a:t>
-            </a:r>
-            <a:endParaRPr lang="en-US" dirty="0"/>
-          </a:p>
-        </p:txBody>
-      </p:sp>
-      <p:pic>
-        <p:nvPicPr>
-          <p:cNvPr id="4" name="Picture 3"/>
-          <p:cNvPicPr>
-            <a:picLocks noChangeAspect="1"/>
-          </p:cNvPicPr>
-          <p:nvPr/>
-        </p:nvPicPr>
-        <p:blipFill>
-          <a:blip r:embed="rId2" cstate="print">
-            <a:extLst>
-              <a:ext uri="{BEBA8EAE-BF5A-486C-A8C5-ECC9F3942E4B}">
-                <a14:imgProps xmlns:a14="http://schemas.microsoft.com/office/drawing/2010/main">
-                  <a14:imgLayer r:embed="rId3">
-                    <a14:imgEffect>
-                      <a14:brightnessContrast bright="20000" contrast="-20000"/>
-                    </a14:imgEffect>
-                  </a14:imgLayer>
-                </a14:imgProps>
-              </a:ext>
-              <a:ext uri="{28A0092B-C50C-407E-A947-70E740481C1C}">
-                <a14:useLocalDpi xmlns:a14="http://schemas.microsoft.com/office/drawing/2010/main" val="0"/>
-              </a:ext>
-            </a:extLst>
-          </a:blip>
-          <a:stretch>
-            <a:fillRect/>
-          </a:stretch>
-        </p:blipFill>
-        <p:spPr>
-          <a:xfrm>
-            <a:off x="762000" y="1676400"/>
-            <a:ext cx="3405188" cy="3810000"/>
-          </a:xfrm>
-          <a:prstGeom prst="rect">
-            <a:avLst/>
-          </a:prstGeom>
-        </p:spPr>
-      </p:pic>
-      <p:sp>
-        <p:nvSpPr>
-          <p:cNvPr id="5" name="Footer Placeholder 4"/>
+            <a:off x="5257800" y="1066800"/>
+            <a:ext cx="3733800" cy="5257800"/>
+          </a:xfrm>
+          <a:ln w="38100">
+            <a:solidFill>
+              <a:srgbClr val="FF0000"/>
+            </a:solidFill>
+          </a:ln>
+        </p:spPr>
+        <p:style>
+          <a:lnRef idx="2">
+            <a:schemeClr val="accent2"/>
+          </a:lnRef>
+          <a:fillRef idx="1">
+            <a:schemeClr val="lt1"/>
+          </a:fillRef>
+          <a:effectRef idx="0">
+            <a:schemeClr val="accent2"/>
+          </a:effectRef>
+          <a:fontRef idx="minor">
+            <a:schemeClr val="dk1"/>
+          </a:fontRef>
+        </p:style>
+        <p:txBody>
+          <a:bodyPr>
+            <a:normAutofit/>
+          </a:bodyPr>
+          <a:lstStyle/>
+          <a:p>
+            <a:pPr marL="457200" indent="-457200">
+              <a:buFont typeface="+mj-lt"/>
+              <a:buAutoNum type="arabicPeriod"/>
+            </a:pPr>
+            <a:r>
+              <a:rPr lang="en-US" sz="1800" dirty="0" smtClean="0"/>
+              <a:t>Download Plus applications </a:t>
+            </a:r>
+            <a:r>
+              <a:rPr lang="en-US" sz="1800" dirty="0"/>
+              <a:t>releases from </a:t>
+            </a:r>
+            <a:r>
+              <a:rPr lang="en-US" sz="1800" dirty="0">
+                <a:hlinkClick r:id="rId2"/>
+              </a:rPr>
+              <a:t>https://</a:t>
+            </a:r>
+            <a:r>
+              <a:rPr lang="en-US" sz="1800" dirty="0" smtClean="0">
+                <a:hlinkClick r:id="rId2"/>
+              </a:rPr>
+              <a:t>www.assembla.com/spaces/plus/wiki/Downloads</a:t>
+            </a:r>
+            <a:endParaRPr lang="en-US" sz="1800" dirty="0"/>
+          </a:p>
+          <a:p>
+            <a:pPr marL="457200" indent="-457200">
+              <a:buFont typeface="+mj-lt"/>
+              <a:buAutoNum type="arabicPeriod"/>
+            </a:pPr>
+            <a:r>
+              <a:rPr lang="en-US" sz="1800" dirty="0" smtClean="0"/>
+              <a:t>Start fCal.exe (</a:t>
+            </a:r>
+            <a:r>
+              <a:rPr lang="en-US" sz="1800" dirty="0" err="1" smtClean="0"/>
+              <a:t>PlusApp_x.x.x.xxxx</a:t>
+            </a:r>
+            <a:r>
+              <a:rPr lang="en-US" sz="1800" dirty="0" smtClean="0"/>
+              <a:t>/bin/fCal.exe)</a:t>
+            </a:r>
+            <a:endParaRPr lang="en-US" sz="1800" dirty="0"/>
+          </a:p>
+          <a:p>
+            <a:pPr marL="457200" indent="-457200">
+              <a:buFont typeface="+mj-lt"/>
+              <a:buAutoNum type="arabicPeriod"/>
+            </a:pPr>
+            <a:r>
+              <a:rPr lang="en-US" sz="1800" dirty="0" smtClean="0"/>
+              <a:t>Select your Device set as “</a:t>
+            </a:r>
+            <a:r>
+              <a:rPr lang="en-US" sz="1800" dirty="0" err="1" smtClean="0"/>
+              <a:t>SonixTouch</a:t>
+            </a:r>
+            <a:r>
+              <a:rPr lang="en-US" sz="1800" dirty="0" smtClean="0"/>
+              <a:t> GPS L14 + Reference + Stylus + Phantom </a:t>
+            </a:r>
+            <a:r>
+              <a:rPr lang="en-US" sz="1800" dirty="0" err="1" smtClean="0"/>
+              <a:t>x.x</a:t>
+            </a:r>
+            <a:r>
+              <a:rPr lang="en-US" sz="1800" dirty="0" smtClean="0"/>
+              <a:t>” </a:t>
+            </a:r>
+          </a:p>
+          <a:p>
+            <a:pPr marL="0" indent="0">
+              <a:buNone/>
+            </a:pPr>
+            <a:r>
+              <a:rPr lang="en-US" sz="1500" i="1" dirty="0" smtClean="0"/>
+              <a:t>*L14 refers to .STL file for the probe only but not limits to the probe calibration, the user can use this </a:t>
+            </a:r>
+            <a:r>
+              <a:rPr lang="en-US" sz="1500" i="1" dirty="0" err="1" smtClean="0"/>
+              <a:t>config</a:t>
+            </a:r>
+            <a:r>
+              <a:rPr lang="en-US" sz="1500" i="1" dirty="0" smtClean="0"/>
+              <a:t> file for both C5 and L14</a:t>
+            </a:r>
+          </a:p>
+          <a:p>
+            <a:pPr marL="0" indent="0">
+              <a:buNone/>
+            </a:pPr>
+            <a:endParaRPr lang="en-US" dirty="0" smtClean="0"/>
+          </a:p>
+          <a:p>
+            <a:pPr marL="0" indent="0">
+              <a:buNone/>
+            </a:pPr>
+            <a:endParaRPr lang="en-US" i="1" dirty="0" smtClean="0"/>
+          </a:p>
+        </p:txBody>
+      </p:sp>
+      <p:sp>
+        <p:nvSpPr>
+          <p:cNvPr id="6" name="Footer Placeholder 5"/>
           <p:cNvSpPr>
             <a:spLocks noGrp="1"/>
           </p:cNvSpPr>
@@ -4477,8 +9768,8 @@
           <a:lstStyle/>
           <a:p>
             <a:r>
-              <a:rPr lang="en-US" smtClean="0"/>
-              <a:t>Laboratory for Percutaneous Surgery (The Perk Lab) – Copyright © Queen’s University, 2011</a:t>
+              <a:rPr lang="en-US" dirty="0" smtClean="0"/>
+              <a:t>Laboratory for Percutaneous Surgery (The Perk Lab) – Copyright © Queen’s University, 2012</a:t>
             </a:r>
           </a:p>
           <a:p>
@@ -4486,10 +9777,131 @@
           </a:p>
         </p:txBody>
       </p:sp>
+      <p:pic>
+        <p:nvPicPr>
+          <p:cNvPr id="2050" name="Picture 2" descr="S:\data\Sue\SueSue\UserGuideCapture\11-13-2012 2-33-11 PMs.tif"/>
+          <p:cNvPicPr>
+            <a:picLocks noChangeAspect="1" noChangeArrowheads="1"/>
+          </p:cNvPicPr>
+          <p:nvPr/>
+        </p:nvPicPr>
+        <p:blipFill rotWithShape="1">
+          <a:blip r:embed="rId3">
+            <a:extLst>
+              <a:ext uri="{28A0092B-C50C-407E-A947-70E740481C1C}">
+                <a14:useLocalDpi xmlns:a14="http://schemas.microsoft.com/office/drawing/2010/main" val="0"/>
+              </a:ext>
+            </a:extLst>
+          </a:blip>
+          <a:srcRect r="42071"/>
+          <a:stretch/>
+        </p:blipFill>
+        <p:spPr bwMode="auto">
+          <a:xfrm>
+            <a:off x="381000" y="990600"/>
+            <a:ext cx="4241801" cy="5486400"/>
+          </a:xfrm>
+          <a:prstGeom prst="rect">
+            <a:avLst/>
+          </a:prstGeom>
+          <a:noFill/>
+          <a:extLst>
+            <a:ext uri="{909E8E84-426E-40DD-AFC4-6F175D3DCCD1}">
+              <a14:hiddenFill xmlns:a14="http://schemas.microsoft.com/office/drawing/2010/main">
+                <a:solidFill>
+                  <a:srgbClr val="FFFFFF"/>
+                </a:solidFill>
+              </a14:hiddenFill>
+            </a:ext>
+          </a:extLst>
+        </p:spPr>
+      </p:pic>
+      <p:sp>
+        <p:nvSpPr>
+          <p:cNvPr id="4" name="Rectangle 3"/>
+          <p:cNvSpPr/>
+          <p:nvPr/>
+        </p:nvSpPr>
+        <p:spPr>
+          <a:xfrm>
+            <a:off x="228600" y="1524000"/>
+            <a:ext cx="4191000" cy="2209800"/>
+          </a:xfrm>
+          <a:prstGeom prst="rect">
+            <a:avLst/>
+          </a:prstGeom>
+          <a:noFill/>
+          <a:ln w="38100">
+            <a:solidFill>
+              <a:srgbClr val="FF0000"/>
+            </a:solidFill>
+          </a:ln>
+        </p:spPr>
+        <p:style>
+          <a:lnRef idx="2">
+            <a:schemeClr val="accent1">
+              <a:shade val="50000"/>
+            </a:schemeClr>
+          </a:lnRef>
+          <a:fillRef idx="1">
+            <a:schemeClr val="accent1"/>
+          </a:fillRef>
+          <a:effectRef idx="0">
+            <a:schemeClr val="accent1"/>
+          </a:effectRef>
+          <a:fontRef idx="minor">
+            <a:schemeClr val="lt1"/>
+          </a:fontRef>
+        </p:style>
+        <p:txBody>
+          <a:bodyPr rtlCol="0" anchor="ctr"/>
+          <a:lstStyle/>
+          <a:p>
+            <a:pPr algn="ctr"/>
+            <a:endParaRPr lang="en-US"/>
+          </a:p>
+        </p:txBody>
+      </p:sp>
+      <p:cxnSp>
+        <p:nvCxnSpPr>
+          <p:cNvPr id="7" name="Elbow Connector 6"/>
+          <p:cNvCxnSpPr/>
+          <p:nvPr/>
+        </p:nvCxnSpPr>
+        <p:spPr>
+          <a:xfrm>
+            <a:off x="4419600" y="2628900"/>
+            <a:ext cx="838200" cy="419100"/>
+          </a:xfrm>
+          <a:prstGeom prst="bentConnector3">
+            <a:avLst/>
+          </a:prstGeom>
+          <a:ln w="38100">
+            <a:solidFill>
+              <a:srgbClr val="FF0000"/>
+            </a:solidFill>
+            <a:tailEnd type="arrow"/>
+          </a:ln>
+        </p:spPr>
+        <p:style>
+          <a:lnRef idx="1">
+            <a:schemeClr val="accent1"/>
+          </a:lnRef>
+          <a:fillRef idx="0">
+            <a:schemeClr val="accent1"/>
+          </a:fillRef>
+          <a:effectRef idx="0">
+            <a:schemeClr val="accent1"/>
+          </a:effectRef>
+          <a:fontRef idx="minor">
+            <a:schemeClr val="tx1"/>
+          </a:fontRef>
+        </p:style>
+      </p:cxnSp>
     </p:spTree>
     <p:extLst>
       <p:ext uri="{BB962C8B-B14F-4D97-AF65-F5344CB8AC3E}">
-        <p14:creationId xmlns:p14="http://schemas.microsoft.com/office/powerpoint/2010/main" val="1962539014"/>
+        <p14:creationId xmlns:p14="http://schemas.microsoft.com/office/powerpoint/2010/main" val="1120495417"/>
       </p:ext>
     </p:extLst>
   </p:cSld>
@@ -4540,7 +9952,7 @@
           <a:p>
             <a:r>
               <a:rPr lang="en-US" dirty="0" smtClean="0"/>
-              <a:t>Phantom registration</a:t>
+              <a:t>Software setup</a:t>
             </a:r>
             <a:endParaRPr lang="en-US" dirty="0"/>
           </a:p>
@@ -4548,116 +9960,332 @@
       </p:sp>
       <p:sp>
         <p:nvSpPr>
-          <p:cNvPr id="3" name="Content Placeholder 2"/>
+          <p:cNvPr id="4" name="Footer Placeholder 3"/>
           <p:cNvSpPr>
             <a:spLocks noGrp="1"/>
           </p:cNvSpPr>
           <p:nvPr>
-            <p:ph idx="1"/>
+            <p:ph type="ftr" sz="quarter" idx="11"/>
           </p:nvPr>
         </p:nvSpPr>
-        <p:spPr>
-          <a:xfrm>
-            <a:off x="4876800" y="1600200"/>
-            <a:ext cx="3810000" cy="4525963"/>
-          </a:xfrm>
-        </p:spPr>
+        <p:spPr/>
         <p:txBody>
           <a:bodyPr/>
           <a:lstStyle/>
           <a:p>
             <a:r>
               <a:rPr lang="en-US" dirty="0" smtClean="0"/>
-              <a:t>Registration of predefined landmark points.</a:t>
-            </a:r>
-          </a:p>
-          <a:p>
-            <a:r>
-              <a:rPr lang="en-US" dirty="0" smtClean="0"/>
-              <a:t>Model points are defined in the configuration XML file.</a:t>
-            </a:r>
-          </a:p>
-          <a:p>
-            <a:r>
-              <a:rPr lang="en-US" dirty="0" smtClean="0"/>
-              <a:t>Tracked points are collected by the stylus.</a:t>
-            </a:r>
+              <a:t>Laboratory for Percutaneous Surgery (The Perk Lab) – Copyright © Queen’s University, 2012</a:t>
+            </a:r>
+          </a:p>
+          <a:p>
             <a:endParaRPr lang="en-US" dirty="0"/>
           </a:p>
         </p:txBody>
       </p:sp>
       <p:pic>
         <p:nvPicPr>
-          <p:cNvPr id="4" name="Picture 3"/>
+          <p:cNvPr id="5" name="Picture 3" descr="S:\data\Sue\SueSue\UserGuideCapture\11-13-2012 2-33-58 PMs.tif"/>
           <p:cNvPicPr>
-            <a:picLocks noChangeAspect="1"/>
+            <a:picLocks noChangeAspect="1" noChangeArrowheads="1"/>
           </p:cNvPicPr>
           <p:nvPr/>
         </p:nvPicPr>
-        <p:blipFill>
-          <a:blip r:embed="rId2" cstate="print">
+        <p:blipFill rotWithShape="1">
+          <a:blip r:embed="rId2">
             <a:extLst>
               <a:ext uri="{28A0092B-C50C-407E-A947-70E740481C1C}">
                 <a14:useLocalDpi xmlns:a14="http://schemas.microsoft.com/office/drawing/2010/main" val="0"/>
               </a:ext>
             </a:extLst>
           </a:blip>
+          <a:srcRect r="75439"/>
+          <a:stretch/>
+        </p:blipFill>
+        <p:spPr bwMode="auto">
+          <a:xfrm>
+            <a:off x="6934200" y="838200"/>
+            <a:ext cx="1800225" cy="5486400"/>
+          </a:xfrm>
+          <a:prstGeom prst="rect">
+            <a:avLst/>
+          </a:prstGeom>
+          <a:noFill/>
+          <a:extLst>
+            <a:ext uri="{909E8E84-426E-40DD-AFC4-6F175D3DCCD1}">
+              <a14:hiddenFill xmlns:a14="http://schemas.microsoft.com/office/drawing/2010/main">
+                <a:solidFill>
+                  <a:srgbClr val="FFFFFF"/>
+                </a:solidFill>
+              </a14:hiddenFill>
+            </a:ext>
+          </a:extLst>
+        </p:spPr>
+      </p:pic>
+      <p:sp>
+        <p:nvSpPr>
+          <p:cNvPr id="7" name="Rectangle 6"/>
+          <p:cNvSpPr/>
+          <p:nvPr/>
+        </p:nvSpPr>
+        <p:spPr>
+          <a:xfrm>
+            <a:off x="609600" y="5638800"/>
+            <a:ext cx="5825745" cy="646331"/>
+          </a:xfrm>
+          <a:prstGeom prst="rect">
+            <a:avLst/>
+          </a:prstGeom>
+          <a:ln w="38100">
+            <a:solidFill>
+              <a:srgbClr val="FF0000"/>
+            </a:solidFill>
+          </a:ln>
+        </p:spPr>
+        <p:txBody>
+          <a:bodyPr wrap="square">
+            <a:spAutoFit/>
+          </a:bodyPr>
+          <a:lstStyle/>
+          <a:p>
+            <a:pPr marL="457200" indent="-457200">
+              <a:buFont typeface="+mj-lt"/>
+              <a:buAutoNum type="arabicPeriod" startAt="4"/>
+            </a:pPr>
+            <a:r>
+              <a:rPr lang="en-US" dirty="0"/>
+              <a:t>Click Connect and check if all the devices are shown “OK”</a:t>
+            </a:r>
+          </a:p>
+        </p:txBody>
+      </p:sp>
+      <p:pic>
+        <p:nvPicPr>
+          <p:cNvPr id="3074" name="Picture 2" descr="S:\data\Sue\SueSue\UserGuideCapture\11-13-2012 2-33-38 PMs.tif"/>
+          <p:cNvPicPr>
+            <a:picLocks noChangeAspect="1" noChangeArrowheads="1"/>
+          </p:cNvPicPr>
+          <p:nvPr/>
+        </p:nvPicPr>
+        <p:blipFill>
+          <a:blip r:embed="rId3">
+            <a:extLst>
+              <a:ext uri="{28A0092B-C50C-407E-A947-70E740481C1C}">
+                <a14:useLocalDpi xmlns:a14="http://schemas.microsoft.com/office/drawing/2010/main" val="0"/>
+              </a:ext>
+            </a:extLst>
+          </a:blip>
+          <a:srcRect/>
           <a:stretch>
             <a:fillRect/>
           </a:stretch>
         </p:blipFill>
-        <p:spPr>
-          <a:xfrm>
-            <a:off x="271608" y="1676400"/>
-            <a:ext cx="4300392" cy="4047744"/>
+        <p:spPr bwMode="auto">
+          <a:xfrm>
+            <a:off x="533400" y="990600"/>
+            <a:ext cx="6109908" cy="4572000"/>
           </a:xfrm>
           <a:prstGeom prst="rect">
             <a:avLst/>
           </a:prstGeom>
+          <a:noFill/>
+          <a:extLst>
+            <a:ext uri="{909E8E84-426E-40DD-AFC4-6F175D3DCCD1}">
+              <a14:hiddenFill xmlns:a14="http://schemas.microsoft.com/office/drawing/2010/main">
+                <a:solidFill>
+                  <a:srgbClr val="FFFFFF"/>
+                </a:solidFill>
+              </a14:hiddenFill>
+            </a:ext>
+          </a:extLst>
         </p:spPr>
       </p:pic>
       <p:sp>
         <p:nvSpPr>
-          <p:cNvPr id="5" name="Footer Placeholder 4"/>
-          <p:cNvSpPr>
-            <a:spLocks noGrp="1"/>
-          </p:cNvSpPr>
-          <p:nvPr>
-            <p:ph type="ftr" sz="quarter" idx="11"/>
-          </p:nvPr>
-        </p:nvSpPr>
-        <p:spPr/>
-        <p:txBody>
-          <a:bodyPr/>
-          <a:lstStyle/>
-          <a:p>
-            <a:r>
-              <a:rPr lang="en-US" smtClean="0"/>
-              <a:t>Laboratory for Percutaneous Surgery (The Perk Lab) – Copyright © Queen’s University, 2011</a:t>
-            </a:r>
-          </a:p>
-          <a:p>
-            <a:endParaRPr lang="en-US" dirty="0"/>
-          </a:p>
-        </p:txBody>
-      </p:sp>
+          <p:cNvPr id="9" name="Rectangle 8"/>
+          <p:cNvSpPr/>
+          <p:nvPr/>
+        </p:nvSpPr>
+        <p:spPr>
+          <a:xfrm>
+            <a:off x="914400" y="2514600"/>
+            <a:ext cx="685800" cy="304800"/>
+          </a:xfrm>
+          <a:prstGeom prst="rect">
+            <a:avLst/>
+          </a:prstGeom>
+          <a:noFill/>
+          <a:ln w="38100">
+            <a:solidFill>
+              <a:srgbClr val="FF0000"/>
+            </a:solidFill>
+          </a:ln>
+        </p:spPr>
+        <p:style>
+          <a:lnRef idx="2">
+            <a:schemeClr val="accent1">
+              <a:shade val="50000"/>
+            </a:schemeClr>
+          </a:lnRef>
+          <a:fillRef idx="1">
+            <a:schemeClr val="accent1"/>
+          </a:fillRef>
+          <a:effectRef idx="0">
+            <a:schemeClr val="accent1"/>
+          </a:effectRef>
+          <a:fontRef idx="minor">
+            <a:schemeClr val="lt1"/>
+          </a:fontRef>
+        </p:style>
+        <p:txBody>
+          <a:bodyPr rtlCol="0" anchor="ctr"/>
+          <a:lstStyle/>
+          <a:p>
+            <a:pPr algn="ctr"/>
+            <a:endParaRPr lang="en-US"/>
+          </a:p>
+        </p:txBody>
+      </p:sp>
+      <p:sp>
+        <p:nvSpPr>
+          <p:cNvPr id="10" name="Rectangle 9"/>
+          <p:cNvSpPr/>
+          <p:nvPr/>
+        </p:nvSpPr>
+        <p:spPr>
+          <a:xfrm>
+            <a:off x="6934200" y="2895600"/>
+            <a:ext cx="1800225" cy="914400"/>
+          </a:xfrm>
+          <a:prstGeom prst="rect">
+            <a:avLst/>
+          </a:prstGeom>
+          <a:noFill/>
+          <a:ln w="38100">
+            <a:solidFill>
+              <a:srgbClr val="FF0000"/>
+            </a:solidFill>
+          </a:ln>
+        </p:spPr>
+        <p:style>
+          <a:lnRef idx="2">
+            <a:schemeClr val="accent1">
+              <a:shade val="50000"/>
+            </a:schemeClr>
+          </a:lnRef>
+          <a:fillRef idx="1">
+            <a:schemeClr val="accent1"/>
+          </a:fillRef>
+          <a:effectRef idx="0">
+            <a:schemeClr val="accent1"/>
+          </a:effectRef>
+          <a:fontRef idx="minor">
+            <a:schemeClr val="lt1"/>
+          </a:fontRef>
+        </p:style>
+        <p:txBody>
+          <a:bodyPr rtlCol="0" anchor="ctr"/>
+          <a:lstStyle/>
+          <a:p>
+            <a:pPr algn="ctr"/>
+            <a:endParaRPr lang="en-US"/>
+          </a:p>
+        </p:txBody>
+      </p:sp>
+      <p:cxnSp>
+        <p:nvCxnSpPr>
+          <p:cNvPr id="11" name="Elbow Connector 10"/>
+          <p:cNvCxnSpPr>
+            <a:stCxn id="9" idx="3"/>
+            <a:endCxn id="7" idx="1"/>
+          </p:cNvCxnSpPr>
+          <p:nvPr/>
+        </p:nvCxnSpPr>
+        <p:spPr>
+          <a:xfrm flipH="1">
+            <a:off x="609600" y="2667000"/>
+            <a:ext cx="990600" cy="3294966"/>
+          </a:xfrm>
+          <a:prstGeom prst="bentConnector5">
+            <a:avLst>
+              <a:gd name="adj1" fmla="val -23077"/>
+              <a:gd name="adj2" fmla="val 47409"/>
+              <a:gd name="adj3" fmla="val 123077"/>
+            </a:avLst>
+          </a:prstGeom>
+          <a:ln w="38100">
+            <a:solidFill>
+              <a:srgbClr val="FF0000"/>
+            </a:solidFill>
+            <a:tailEnd type="arrow"/>
+          </a:ln>
+        </p:spPr>
+        <p:style>
+          <a:lnRef idx="1">
+            <a:schemeClr val="accent1"/>
+          </a:lnRef>
+          <a:fillRef idx="0">
+            <a:schemeClr val="accent1"/>
+          </a:fillRef>
+          <a:effectRef idx="0">
+            <a:schemeClr val="accent1"/>
+          </a:effectRef>
+          <a:fontRef idx="minor">
+            <a:schemeClr val="tx1"/>
+          </a:fontRef>
+        </p:style>
+      </p:cxnSp>
+      <p:cxnSp>
+        <p:nvCxnSpPr>
+          <p:cNvPr id="17" name="Elbow Connector 16"/>
+          <p:cNvCxnSpPr>
+            <a:stCxn id="10" idx="1"/>
+            <a:endCxn id="7" idx="3"/>
+          </p:cNvCxnSpPr>
+          <p:nvPr/>
+        </p:nvCxnSpPr>
+        <p:spPr>
+          <a:xfrm rot="10800000" flipV="1">
+            <a:off x="6435346" y="3352800"/>
+            <a:ext cx="498855" cy="2609166"/>
+          </a:xfrm>
+          <a:prstGeom prst="bentConnector3">
+            <a:avLst>
+              <a:gd name="adj1" fmla="val 50000"/>
+            </a:avLst>
+          </a:prstGeom>
+          <a:ln w="38100">
+            <a:solidFill>
+              <a:srgbClr val="FF0000"/>
+            </a:solidFill>
+            <a:tailEnd type="arrow"/>
+          </a:ln>
+        </p:spPr>
+        <p:style>
+          <a:lnRef idx="1">
+            <a:schemeClr val="accent1"/>
+          </a:lnRef>
+          <a:fillRef idx="0">
+            <a:schemeClr val="accent1"/>
+          </a:fillRef>
+          <a:effectRef idx="0">
+            <a:schemeClr val="accent1"/>
+          </a:effectRef>
+          <a:fontRef idx="minor">
+            <a:schemeClr val="tx1"/>
+          </a:fontRef>
+        </p:style>
+      </p:cxnSp>
     </p:spTree>
     <p:extLst>
       <p:ext uri="{BB962C8B-B14F-4D97-AF65-F5344CB8AC3E}">
-        <p14:creationId xmlns:p14="http://schemas.microsoft.com/office/powerpoint/2010/main" val="3455682234"/>
+        <p14:creationId xmlns:p14="http://schemas.microsoft.com/office/powerpoint/2010/main" val="4203361905"/>
       </p:ext>
     </p:extLst>
   </p:cSld>
   <p:clrMapOvr>
     <a:masterClrMapping/>
   </p:clrMapOvr>
-  <p:timing>
-    <p:tnLst>
-      <p:par>
-        <p:cTn id="1" dur="indefinite" restart="never" nodeType="tmRoot"/>
-      </p:par>
-    </p:tnLst>
-  </p:timing>
 </p:sld>
 </file>
 
@@ -4695,7 +10323,7 @@
           <a:p>
             <a:r>
               <a:rPr lang="en-US" dirty="0" smtClean="0"/>
-              <a:t>Image collection and calibration</a:t>
+              <a:t>Stylus calibration</a:t>
             </a:r>
             <a:endParaRPr lang="en-US" dirty="0"/>
           </a:p>
@@ -4703,7 +10331,32 @@
       </p:sp>
       <p:sp>
         <p:nvSpPr>
-          <p:cNvPr id="3" name="Content Placeholder 2"/>
+          <p:cNvPr id="4" name="Footer Placeholder 3"/>
+          <p:cNvSpPr>
+            <a:spLocks noGrp="1"/>
+          </p:cNvSpPr>
+          <p:nvPr>
+            <p:ph type="ftr" sz="quarter" idx="11"/>
+          </p:nvPr>
+        </p:nvSpPr>
+        <p:spPr/>
+        <p:txBody>
+          <a:bodyPr/>
+          <a:lstStyle/>
+          <a:p>
+            <a:r>
+              <a:rPr lang="en-US" dirty="0" smtClean="0"/>
+              <a:t>Laboratory for Percutaneous Surgery (The Perk Lab) – Copyright © Queen’s University, 2012</a:t>
+            </a:r>
+          </a:p>
+          <a:p>
+            <a:endParaRPr lang="en-US" dirty="0"/>
+          </a:p>
+        </p:txBody>
+      </p:sp>
+      <p:sp>
+        <p:nvSpPr>
+          <p:cNvPr id="5" name="Content Placeholder 2"/>
           <p:cNvSpPr>
             <a:spLocks noGrp="1"/>
           </p:cNvSpPr>
@@ -4713,584 +10366,519 @@
         </p:nvSpPr>
         <p:spPr>
           <a:xfrm>
-            <a:off x="4267200" y="1143000"/>
-            <a:ext cx="4267200" cy="4525963"/>
-          </a:xfrm>
-        </p:spPr>
-        <p:txBody>
-          <a:bodyPr/>
-          <a:lstStyle/>
-          <a:p>
-            <a:r>
-              <a:rPr lang="en-US" dirty="0" smtClean="0"/>
-              <a:t>Align the transducer to have the marked side on the A1 side of the phantom</a:t>
-            </a:r>
+            <a:off x="381000" y="5105400"/>
+            <a:ext cx="8153400" cy="1295400"/>
+          </a:xfrm>
+          <a:ln w="38100">
+            <a:solidFill>
+              <a:srgbClr val="FF0000"/>
+            </a:solidFill>
+          </a:ln>
+        </p:spPr>
+        <p:txBody>
+          <a:bodyPr>
+            <a:normAutofit lnSpcReduction="10000"/>
+          </a:bodyPr>
+          <a:lstStyle/>
+          <a:p>
+            <a:pPr>
+              <a:buFont typeface="+mj-lt"/>
+              <a:buAutoNum type="arabicPeriod" startAt="5"/>
+            </a:pPr>
+            <a:r>
+              <a:rPr lang="en-US" sz="1800" dirty="0" smtClean="0">
+                <a:solidFill>
+                  <a:srgbClr val="FF0000"/>
+                </a:solidFill>
+              </a:rPr>
+              <a:t>Attach an EM sensor to any pointing object. </a:t>
+            </a:r>
+          </a:p>
+          <a:p>
+            <a:pPr>
+              <a:buFont typeface="+mj-lt"/>
+              <a:buAutoNum type="arabicPeriod" startAt="5"/>
+            </a:pPr>
+            <a:r>
+              <a:rPr lang="en-US" sz="1800" dirty="0" smtClean="0">
+                <a:solidFill>
+                  <a:srgbClr val="00B0F0"/>
+                </a:solidFill>
+              </a:rPr>
+              <a:t>Click “Start” </a:t>
+            </a:r>
+            <a:r>
+              <a:rPr lang="en-US" sz="1800" dirty="0" err="1" smtClean="0">
+                <a:solidFill>
+                  <a:srgbClr val="00B0F0"/>
+                </a:solidFill>
+              </a:rPr>
+              <a:t>fCal</a:t>
+            </a:r>
+            <a:r>
+              <a:rPr lang="en-US" sz="1800" dirty="0" smtClean="0">
+                <a:solidFill>
+                  <a:srgbClr val="00B0F0"/>
+                </a:solidFill>
+              </a:rPr>
+              <a:t> collects 200 different points. Stylus tip should be fixed to the reference while pivoting the sensor on a sphere surface</a:t>
+            </a:r>
+          </a:p>
+          <a:p>
+            <a:pPr>
+              <a:buFont typeface="+mj-lt"/>
+              <a:buAutoNum type="arabicPeriod" startAt="5"/>
+            </a:pPr>
+            <a:r>
+              <a:rPr lang="en-US" sz="1800" dirty="0" smtClean="0">
+                <a:solidFill>
+                  <a:srgbClr val="00B050"/>
+                </a:solidFill>
+              </a:rPr>
+              <a:t>Save the calibration, select the directory to be saved </a:t>
+            </a:r>
+            <a:endParaRPr lang="en-US" sz="1800" dirty="0">
+              <a:solidFill>
+                <a:srgbClr val="00B050"/>
+              </a:solidFill>
+            </a:endParaRPr>
           </a:p>
         </p:txBody>
       </p:sp>
       <p:pic>
         <p:nvPicPr>
-          <p:cNvPr id="4" name="Picture 3"/>
+          <p:cNvPr id="4098" name="Picture 2" descr="S:\data\Sue\DSC01314s.jpg"/>
           <p:cNvPicPr>
-            <a:picLocks noChangeAspect="1"/>
+            <a:picLocks noChangeAspect="1" noChangeArrowheads="1"/>
           </p:cNvPicPr>
           <p:nvPr/>
         </p:nvPicPr>
-        <p:blipFill>
-          <a:blip r:embed="rId2" cstate="print">
-            <a:extLst>
-              <a:ext uri="{BEBA8EAE-BF5A-486C-A8C5-ECC9F3942E4B}">
-                <a14:imgProps xmlns:a14="http://schemas.microsoft.com/office/drawing/2010/main">
-                  <a14:imgLayer r:embed="rId3">
-                    <a14:imgEffect>
-                      <a14:brightnessContrast bright="20000" contrast="-20000"/>
-                    </a14:imgEffect>
-                  </a14:imgLayer>
-                </a14:imgProps>
-              </a:ext>
-              <a:ext uri="{28A0092B-C50C-407E-A947-70E740481C1C}">
-                <a14:useLocalDpi xmlns:a14="http://schemas.microsoft.com/office/drawing/2010/main" val="0"/>
-              </a:ext>
-            </a:extLst>
-          </a:blip>
-          <a:stretch>
-            <a:fillRect/>
-          </a:stretch>
-        </p:blipFill>
-        <p:spPr>
-          <a:xfrm>
-            <a:off x="228600" y="1249483"/>
-            <a:ext cx="3670993" cy="2560517"/>
-          </a:xfrm>
-          <a:prstGeom prst="rect">
-            <a:avLst/>
-          </a:prstGeom>
-          <a:noFill/>
-          <a:ln>
-            <a:noFill/>
-          </a:ln>
-        </p:spPr>
-      </p:pic>
-      <p:pic>
-        <p:nvPicPr>
-          <p:cNvPr id="5" name="Picture 4"/>
-          <p:cNvPicPr>
-            <a:picLocks noChangeAspect="1"/>
-          </p:cNvPicPr>
-          <p:nvPr/>
-        </p:nvPicPr>
-        <p:blipFill>
-          <a:blip r:embed="rId4" cstate="print">
+        <p:blipFill rotWithShape="1">
+          <a:blip r:embed="rId2">
             <a:extLst>
               <a:ext uri="{28A0092B-C50C-407E-A947-70E740481C1C}">
                 <a14:useLocalDpi xmlns:a14="http://schemas.microsoft.com/office/drawing/2010/main" val="0"/>
               </a:ext>
             </a:extLst>
           </a:blip>
-          <a:stretch>
-            <a:fillRect/>
-          </a:stretch>
+          <a:srcRect r="21131"/>
+          <a:stretch/>
         </p:blipFill>
-        <p:spPr>
-          <a:xfrm>
-            <a:off x="209550" y="3962401"/>
-            <a:ext cx="3657599" cy="2438399"/>
+        <p:spPr bwMode="auto">
+          <a:xfrm>
+            <a:off x="527957" y="1219200"/>
+            <a:ext cx="3846286" cy="3657600"/>
           </a:xfrm>
           <a:prstGeom prst="rect">
             <a:avLst/>
           </a:prstGeom>
+          <a:noFill/>
+          <a:extLst>
+            <a:ext uri="{909E8E84-426E-40DD-AFC4-6F175D3DCCD1}">
+              <a14:hiddenFill xmlns:a14="http://schemas.microsoft.com/office/drawing/2010/main">
+                <a:solidFill>
+                  <a:srgbClr val="FFFFFF"/>
+                </a:solidFill>
+              </a14:hiddenFill>
+            </a:ext>
+          </a:extLst>
         </p:spPr>
       </p:pic>
-      <p:sp>
-        <p:nvSpPr>
-          <p:cNvPr id="6" name="Footer Placeholder 5"/>
-          <p:cNvSpPr>
-            <a:spLocks noGrp="1"/>
-          </p:cNvSpPr>
-          <p:nvPr>
-            <p:ph type="ftr" sz="quarter" idx="11"/>
-          </p:nvPr>
-        </p:nvSpPr>
-        <p:spPr/>
-        <p:txBody>
-          <a:bodyPr/>
-          <a:lstStyle/>
-          <a:p>
-            <a:r>
-              <a:rPr lang="en-US" smtClean="0"/>
-              <a:t>Laboratory for Percutaneous Surgery (The Perk Lab) – Copyright © Queen’s University, 2011</a:t>
-            </a:r>
-          </a:p>
-          <a:p>
-            <a:endParaRPr lang="en-US" dirty="0"/>
-          </a:p>
-        </p:txBody>
-      </p:sp>
       <p:pic>
         <p:nvPicPr>
-          <p:cNvPr id="3074" name="Picture 2" descr="H:\DCIM\100OLYMP\PA250554.JPG"/>
+          <p:cNvPr id="4100" name="Picture 4" descr="S:\data\Sue\SueSue\UserGuideCapture\11-13-2012 2-48-25 PMs.tif"/>
           <p:cNvPicPr>
             <a:picLocks noChangeAspect="1" noChangeArrowheads="1"/>
           </p:cNvPicPr>
           <p:nvPr/>
         </p:nvPicPr>
-        <p:blipFill>
-          <a:blip r:embed="rId5" cstate="print"/>
-          <a:srcRect l="4314" t="23011" r="774" b="11792"/>
-          <a:stretch>
-            <a:fillRect/>
-          </a:stretch>
+        <p:blipFill rotWithShape="1">
+          <a:blip r:embed="rId3">
+            <a:extLst>
+              <a:ext uri="{28A0092B-C50C-407E-A947-70E740481C1C}">
+                <a14:useLocalDpi xmlns:a14="http://schemas.microsoft.com/office/drawing/2010/main" val="0"/>
+              </a:ext>
+            </a:extLst>
+          </a:blip>
+          <a:srcRect r="16235"/>
+          <a:stretch/>
         </p:blipFill>
         <p:spPr bwMode="auto">
           <a:xfrm>
-            <a:off x="5715000" y="2438400"/>
-            <a:ext cx="2667000" cy="1373909"/>
+            <a:off x="4572000" y="1219200"/>
+            <a:ext cx="4093029" cy="3657600"/>
           </a:xfrm>
           <a:prstGeom prst="rect">
             <a:avLst/>
           </a:prstGeom>
           <a:noFill/>
+          <a:extLst>
+            <a:ext uri="{909E8E84-426E-40DD-AFC4-6F175D3DCCD1}">
+              <a14:hiddenFill xmlns:a14="http://schemas.microsoft.com/office/drawing/2010/main">
+                <a:solidFill>
+                  <a:srgbClr val="FFFFFF"/>
+                </a:solidFill>
+              </a14:hiddenFill>
+            </a:ext>
+          </a:extLst>
         </p:spPr>
       </p:pic>
       <p:sp>
         <p:nvSpPr>
-          <p:cNvPr id="8" name="Content Placeholder 2"/>
-          <p:cNvSpPr txBox="1">
-            <a:spLocks/>
-          </p:cNvSpPr>
+          <p:cNvPr id="10" name="Rectangle 9"/>
+          <p:cNvSpPr/>
           <p:nvPr/>
         </p:nvSpPr>
         <p:spPr>
           <a:xfrm>
-            <a:off x="4267200" y="3886200"/>
-            <a:ext cx="4267200" cy="2514600"/>
+            <a:off x="4495800" y="914400"/>
+            <a:ext cx="457200" cy="609600"/>
           </a:xfrm>
           <a:prstGeom prst="rect">
             <a:avLst/>
           </a:prstGeom>
-        </p:spPr>
-        <p:txBody>
-          <a:bodyPr vert="horz" lIns="91440" tIns="45720" rIns="91440" bIns="45720" rtlCol="0">
-            <a:normAutofit fontScale="85000" lnSpcReduction="20000"/>
-          </a:bodyPr>
-          <a:lstStyle/>
-          <a:p>
-            <a:pPr marL="342900" marR="0" lvl="0" indent="-342900" algn="l" defTabSz="914400" rtl="0" eaLnBrk="1" fontAlgn="auto" latinLnBrk="0" hangingPunct="1">
-              <a:lnSpc>
-                <a:spcPct val="100000"/>
-              </a:lnSpc>
-              <a:spcBef>
-                <a:spcPct val="20000"/>
-              </a:spcBef>
-              <a:spcAft>
-                <a:spcPts val="0"/>
-              </a:spcAft>
-              <a:buClrTx/>
-              <a:buSzTx/>
-              <a:buFont typeface="Arial" pitchFamily="34" charset="0"/>
-              <a:buChar char="•"/>
-              <a:tabLst/>
-              <a:defRPr/>
-            </a:pPr>
-            <a:r>
-              <a:rPr kumimoji="0" lang="en-US" sz="2400" b="0" i="0" u="none" strike="noStrike" kern="1200" cap="none" spc="0" normalizeH="0" baseline="0" noProof="0" dirty="0" smtClean="0">
-                <a:ln>
-                  <a:noFill/>
-                </a:ln>
-                <a:solidFill>
-                  <a:schemeClr val="tx1"/>
-                </a:solidFill>
-                <a:effectLst/>
-                <a:uLnTx/>
-                <a:uFillTx/>
-                <a:latin typeface="+mn-lt"/>
-                <a:ea typeface="+mn-ea"/>
-                <a:cs typeface="+mn-cs"/>
+          <a:noFill/>
+          <a:ln w="38100">
+            <a:solidFill>
+              <a:srgbClr val="00B050"/>
+            </a:solidFill>
+          </a:ln>
+        </p:spPr>
+        <p:style>
+          <a:lnRef idx="2">
+            <a:schemeClr val="accent1">
+              <a:shade val="50000"/>
+            </a:schemeClr>
+          </a:lnRef>
+          <a:fillRef idx="1">
+            <a:schemeClr val="accent1"/>
+          </a:fillRef>
+          <a:effectRef idx="0">
+            <a:schemeClr val="accent1"/>
+          </a:effectRef>
+          <a:fontRef idx="minor">
+            <a:schemeClr val="lt1"/>
+          </a:fontRef>
+        </p:style>
+        <p:txBody>
+          <a:bodyPr rtlCol="0" anchor="t"/>
+          <a:lstStyle/>
+          <a:p>
+            <a:r>
+              <a:rPr lang="en-US" b="1" dirty="0" smtClean="0">
+                <a:solidFill>
+                  <a:srgbClr val="00B050"/>
+                </a:solidFill>
               </a:rPr>
-              <a:t>Module automatically collects 100 images for validation, 200 images for calibration.</a:t>
-            </a:r>
-          </a:p>
-          <a:p>
-            <a:pPr marL="342900" marR="0" lvl="0" indent="-342900" algn="l" defTabSz="914400" rtl="0" eaLnBrk="1" fontAlgn="auto" latinLnBrk="0" hangingPunct="1">
-              <a:lnSpc>
-                <a:spcPct val="100000"/>
-              </a:lnSpc>
-              <a:spcBef>
-                <a:spcPct val="20000"/>
-              </a:spcBef>
-              <a:spcAft>
-                <a:spcPts val="0"/>
-              </a:spcAft>
-              <a:buClrTx/>
-              <a:buSzTx/>
-              <a:buFont typeface="Arial" pitchFamily="34" charset="0"/>
-              <a:buChar char="•"/>
-              <a:tabLst/>
-              <a:defRPr/>
-            </a:pPr>
-            <a:r>
-              <a:rPr kumimoji="0" lang="en-US" sz="2400" b="0" i="0" u="none" strike="noStrike" kern="1200" cap="none" spc="0" normalizeH="0" baseline="0" noProof="0" dirty="0" smtClean="0">
-                <a:ln>
-                  <a:noFill/>
-                </a:ln>
-                <a:solidFill>
-                  <a:schemeClr val="tx1"/>
-                </a:solidFill>
-                <a:effectLst/>
-                <a:uLnTx/>
-                <a:uFillTx/>
-                <a:latin typeface="+mn-lt"/>
-                <a:ea typeface="+mn-ea"/>
-                <a:cs typeface="+mn-cs"/>
-              </a:rPr>
-              <a:t>Images with failed registration are discarded.</a:t>
-            </a:r>
-          </a:p>
-          <a:p>
-            <a:pPr marL="342900" marR="0" lvl="0" indent="-342900" algn="l" defTabSz="914400" rtl="0" eaLnBrk="1" fontAlgn="auto" latinLnBrk="0" hangingPunct="1">
-              <a:lnSpc>
-                <a:spcPct val="100000"/>
-              </a:lnSpc>
-              <a:spcBef>
-                <a:spcPct val="20000"/>
-              </a:spcBef>
-              <a:spcAft>
-                <a:spcPts val="0"/>
-              </a:spcAft>
-              <a:buClrTx/>
-              <a:buSzTx/>
-              <a:buFont typeface="Arial" pitchFamily="34" charset="0"/>
-              <a:buChar char="•"/>
-              <a:tabLst/>
-              <a:defRPr/>
-            </a:pPr>
-            <a:r>
-              <a:rPr kumimoji="0" lang="en-US" sz="2400" b="0" i="0" u="none" strike="noStrike" kern="1200" cap="none" spc="0" normalizeH="0" baseline="0" noProof="0" dirty="0" smtClean="0">
-                <a:ln>
-                  <a:noFill/>
-                </a:ln>
-                <a:solidFill>
-                  <a:schemeClr val="tx1"/>
-                </a:solidFill>
-                <a:effectLst/>
-                <a:uLnTx/>
-                <a:uFillTx/>
-                <a:latin typeface="+mn-lt"/>
-                <a:ea typeface="+mn-ea"/>
-                <a:cs typeface="+mn-cs"/>
-              </a:rPr>
-              <a:t>Move slowly.</a:t>
-            </a:r>
-          </a:p>
-          <a:p>
-            <a:pPr marL="342900" marR="0" lvl="0" indent="-342900" algn="l" defTabSz="914400" rtl="0" eaLnBrk="1" fontAlgn="auto" latinLnBrk="0" hangingPunct="1">
-              <a:lnSpc>
-                <a:spcPct val="100000"/>
-              </a:lnSpc>
-              <a:spcBef>
-                <a:spcPct val="20000"/>
-              </a:spcBef>
-              <a:spcAft>
-                <a:spcPts val="0"/>
-              </a:spcAft>
-              <a:buClrTx/>
-              <a:buSzTx/>
-              <a:buFont typeface="Arial" pitchFamily="34" charset="0"/>
-              <a:buChar char="•"/>
-              <a:tabLst/>
-              <a:defRPr/>
-            </a:pPr>
-            <a:r>
-              <a:rPr kumimoji="0" lang="en-US" sz="2400" b="0" i="0" u="none" strike="noStrike" kern="1200" cap="none" spc="0" normalizeH="0" baseline="0" noProof="0" dirty="0" smtClean="0">
-                <a:ln>
-                  <a:noFill/>
-                </a:ln>
-                <a:solidFill>
-                  <a:schemeClr val="tx1"/>
-                </a:solidFill>
-                <a:effectLst/>
-                <a:uLnTx/>
-                <a:uFillTx/>
-                <a:latin typeface="+mn-lt"/>
-                <a:ea typeface="+mn-ea"/>
-                <a:cs typeface="+mn-cs"/>
-              </a:rPr>
-              <a:t>Keep the transducer</a:t>
-            </a:r>
-            <a:r>
-              <a:rPr kumimoji="0" lang="en-US" sz="2400" b="0" i="0" u="none" strike="noStrike" kern="1200" cap="none" spc="0" normalizeH="0" noProof="0" dirty="0" smtClean="0">
-                <a:ln>
-                  <a:noFill/>
-                </a:ln>
-                <a:solidFill>
-                  <a:schemeClr val="tx1"/>
-                </a:solidFill>
-                <a:effectLst/>
-                <a:uLnTx/>
-                <a:uFillTx/>
-                <a:latin typeface="+mn-lt"/>
-                <a:ea typeface="+mn-ea"/>
-                <a:cs typeface="+mn-cs"/>
-              </a:rPr>
-              <a:t> orthogonal to the wires to have optimal image quality</a:t>
-            </a:r>
-            <a:r>
-              <a:rPr kumimoji="0" lang="en-US" sz="2400" b="0" i="0" u="none" strike="noStrike" kern="1200" cap="none" spc="0" normalizeH="0" baseline="0" noProof="0" dirty="0" smtClean="0">
-                <a:ln>
-                  <a:noFill/>
-                </a:ln>
-                <a:solidFill>
-                  <a:schemeClr val="tx1"/>
-                </a:solidFill>
-                <a:effectLst/>
-                <a:uLnTx/>
-                <a:uFillTx/>
-                <a:latin typeface="+mn-lt"/>
-                <a:ea typeface="+mn-ea"/>
-                <a:cs typeface="+mn-cs"/>
-              </a:rPr>
-              <a:t>.</a:t>
-            </a:r>
-          </a:p>
-        </p:txBody>
-      </p:sp>
-      <p:sp>
-        <p:nvSpPr>
-          <p:cNvPr id="9" name="Content Placeholder 2"/>
-          <p:cNvSpPr txBox="1">
-            <a:spLocks/>
-          </p:cNvSpPr>
+              <a:t>7</a:t>
+            </a:r>
+            <a:endParaRPr lang="en-US" b="1" dirty="0">
+              <a:solidFill>
+                <a:srgbClr val="00B050"/>
+              </a:solidFill>
+            </a:endParaRPr>
+          </a:p>
+        </p:txBody>
+      </p:sp>
+      <p:sp>
+        <p:nvSpPr>
+          <p:cNvPr id="11" name="Rectangle 10"/>
+          <p:cNvSpPr/>
           <p:nvPr/>
         </p:nvSpPr>
         <p:spPr>
           <a:xfrm>
-            <a:off x="5828655" y="3520698"/>
-            <a:ext cx="533400" cy="228600"/>
+            <a:off x="2278743" y="3200400"/>
+            <a:ext cx="1350282" cy="914400"/>
           </a:xfrm>
           <a:prstGeom prst="rect">
             <a:avLst/>
           </a:prstGeom>
-        </p:spPr>
-        <p:txBody>
-          <a:bodyPr vert="horz" lIns="91440" tIns="45720" rIns="91440" bIns="45720" rtlCol="0">
-            <a:normAutofit fontScale="47500" lnSpcReduction="20000"/>
-          </a:bodyPr>
-          <a:lstStyle/>
-          <a:p>
-            <a:pPr marL="342900" marR="0" lvl="0" indent="-342900" algn="l" defTabSz="914400" rtl="0" eaLnBrk="1" fontAlgn="auto" latinLnBrk="0" hangingPunct="1">
-              <a:lnSpc>
-                <a:spcPct val="100000"/>
-              </a:lnSpc>
-              <a:spcBef>
-                <a:spcPct val="20000"/>
-              </a:spcBef>
-              <a:spcAft>
-                <a:spcPts val="0"/>
-              </a:spcAft>
-              <a:buClrTx/>
-              <a:buSzTx/>
-              <a:tabLst/>
-              <a:defRPr/>
-            </a:pPr>
-            <a:r>
-              <a:rPr kumimoji="0" lang="en-US" sz="2400" b="0" i="0" u="none" strike="noStrike" kern="1200" cap="none" spc="0" normalizeH="0" baseline="0" noProof="0" dirty="0" smtClean="0">
-                <a:ln>
-                  <a:noFill/>
-                </a:ln>
-                <a:effectLst/>
-                <a:uLnTx/>
-                <a:uFillTx/>
-                <a:latin typeface="+mn-lt"/>
-                <a:ea typeface="+mn-ea"/>
-                <a:cs typeface="+mn-cs"/>
+          <a:noFill/>
+          <a:ln w="38100">
+            <a:solidFill>
+              <a:srgbClr val="FF0000"/>
+            </a:solidFill>
+          </a:ln>
+        </p:spPr>
+        <p:style>
+          <a:lnRef idx="2">
+            <a:schemeClr val="accent1">
+              <a:shade val="50000"/>
+            </a:schemeClr>
+          </a:lnRef>
+          <a:fillRef idx="1">
+            <a:schemeClr val="accent1"/>
+          </a:fillRef>
+          <a:effectRef idx="0">
+            <a:schemeClr val="accent1"/>
+          </a:effectRef>
+          <a:fontRef idx="minor">
+            <a:schemeClr val="lt1"/>
+          </a:fontRef>
+        </p:style>
+        <p:txBody>
+          <a:bodyPr rtlCol="0" anchor="t"/>
+          <a:lstStyle/>
+          <a:p>
+            <a:r>
+              <a:rPr lang="en-US" b="1" dirty="0">
+                <a:solidFill>
+                  <a:srgbClr val="FF0000"/>
+                </a:solidFill>
               </a:rPr>
-              <a:t>Front</a:t>
-            </a:r>
-          </a:p>
-        </p:txBody>
-      </p:sp>
-      <p:sp>
-        <p:nvSpPr>
-          <p:cNvPr id="10" name="Content Placeholder 2"/>
-          <p:cNvSpPr txBox="1">
-            <a:spLocks/>
-          </p:cNvSpPr>
+              <a:t>5</a:t>
+            </a:r>
+          </a:p>
+        </p:txBody>
+      </p:sp>
+      <p:sp>
+        <p:nvSpPr>
+          <p:cNvPr id="12" name="Rectangle 11"/>
+          <p:cNvSpPr/>
           <p:nvPr/>
         </p:nvSpPr>
         <p:spPr>
           <a:xfrm>
-            <a:off x="6214120" y="3250069"/>
-            <a:ext cx="533400" cy="228600"/>
+            <a:off x="5848350" y="2209800"/>
+            <a:ext cx="2381250" cy="1600200"/>
           </a:xfrm>
           <a:prstGeom prst="rect">
             <a:avLst/>
           </a:prstGeom>
-        </p:spPr>
-        <p:txBody>
-          <a:bodyPr vert="horz" lIns="91440" tIns="45720" rIns="91440" bIns="45720" rtlCol="0">
-            <a:noAutofit/>
-          </a:bodyPr>
-          <a:lstStyle/>
-          <a:p>
-            <a:pPr marL="342900" marR="0" lvl="0" indent="-342900" algn="l" defTabSz="914400" rtl="0" eaLnBrk="1" fontAlgn="auto" latinLnBrk="0" hangingPunct="1">
-              <a:lnSpc>
-                <a:spcPct val="100000"/>
-              </a:lnSpc>
-              <a:spcBef>
-                <a:spcPct val="20000"/>
-              </a:spcBef>
-              <a:spcAft>
-                <a:spcPts val="0"/>
-              </a:spcAft>
-              <a:buClrTx/>
-              <a:buSzTx/>
-              <a:tabLst/>
-              <a:defRPr/>
-            </a:pPr>
-            <a:r>
-              <a:rPr kumimoji="0" lang="en-US" sz="700" b="0" i="0" u="none" strike="noStrike" kern="1200" cap="none" spc="0" normalizeH="0" baseline="0" noProof="0" dirty="0" smtClean="0">
-                <a:ln>
-                  <a:noFill/>
-                </a:ln>
-                <a:effectLst/>
-                <a:uLnTx/>
-                <a:uFillTx/>
-                <a:latin typeface="+mn-lt"/>
-                <a:ea typeface="+mn-ea"/>
-                <a:cs typeface="+mn-cs"/>
-              </a:rPr>
-              <a:t>A</a:t>
-            </a:r>
-          </a:p>
-        </p:txBody>
-      </p:sp>
-      <p:sp>
-        <p:nvSpPr>
-          <p:cNvPr id="11" name="Content Placeholder 2"/>
-          <p:cNvSpPr txBox="1">
-            <a:spLocks/>
-          </p:cNvSpPr>
+          <a:noFill/>
+          <a:ln w="38100">
+            <a:solidFill>
+              <a:srgbClr val="00B050"/>
+            </a:solidFill>
+          </a:ln>
+        </p:spPr>
+        <p:style>
+          <a:lnRef idx="2">
+            <a:schemeClr val="accent1">
+              <a:shade val="50000"/>
+            </a:schemeClr>
+          </a:lnRef>
+          <a:fillRef idx="1">
+            <a:schemeClr val="accent1"/>
+          </a:fillRef>
+          <a:effectRef idx="0">
+            <a:schemeClr val="accent1"/>
+          </a:effectRef>
+          <a:fontRef idx="minor">
+            <a:schemeClr val="lt1"/>
+          </a:fontRef>
+        </p:style>
+        <p:txBody>
+          <a:bodyPr rtlCol="0" anchor="ctr"/>
+          <a:lstStyle/>
+          <a:p>
+            <a:pPr algn="ctr"/>
+            <a:endParaRPr lang="en-US"/>
+          </a:p>
+        </p:txBody>
+      </p:sp>
+      <p:cxnSp>
+        <p:nvCxnSpPr>
+          <p:cNvPr id="13" name="Elbow Connector 12"/>
+          <p:cNvCxnSpPr>
+            <a:stCxn id="12" idx="3"/>
+            <a:endCxn id="5" idx="3"/>
+          </p:cNvCxnSpPr>
           <p:nvPr/>
-        </p:nvSpPr>
-        <p:spPr>
-          <a:xfrm>
-            <a:off x="6127750" y="3292475"/>
-            <a:ext cx="533400" cy="228600"/>
+        </p:nvCxnSpPr>
+        <p:spPr>
+          <a:xfrm>
+            <a:off x="8229600" y="3009900"/>
+            <a:ext cx="304800" cy="2743200"/>
+          </a:xfrm>
+          <a:prstGeom prst="bentConnector3">
+            <a:avLst>
+              <a:gd name="adj1" fmla="val 175000"/>
+            </a:avLst>
+          </a:prstGeom>
+          <a:ln w="38100">
+            <a:solidFill>
+              <a:srgbClr val="00B050"/>
+            </a:solidFill>
+            <a:tailEnd type="arrow"/>
+          </a:ln>
+        </p:spPr>
+        <p:style>
+          <a:lnRef idx="1">
+            <a:schemeClr val="accent1"/>
+          </a:lnRef>
+          <a:fillRef idx="0">
+            <a:schemeClr val="accent1"/>
+          </a:fillRef>
+          <a:effectRef idx="0">
+            <a:schemeClr val="accent1"/>
+          </a:effectRef>
+          <a:fontRef idx="minor">
+            <a:schemeClr val="tx1"/>
+          </a:fontRef>
+        </p:style>
+      </p:cxnSp>
+      <p:cxnSp>
+        <p:nvCxnSpPr>
+          <p:cNvPr id="14" name="Elbow Connector 13"/>
+          <p:cNvCxnSpPr>
+            <a:stCxn id="10" idx="3"/>
+            <a:endCxn id="12" idx="0"/>
+          </p:cNvCxnSpPr>
+          <p:nvPr/>
+        </p:nvCxnSpPr>
+        <p:spPr>
+          <a:xfrm>
+            <a:off x="4953000" y="1219200"/>
+            <a:ext cx="2085975" cy="990600"/>
+          </a:xfrm>
+          <a:prstGeom prst="bentConnector2">
+            <a:avLst/>
+          </a:prstGeom>
+          <a:ln w="38100">
+            <a:solidFill>
+              <a:srgbClr val="00B050"/>
+            </a:solidFill>
+            <a:tailEnd type="arrow"/>
+          </a:ln>
+        </p:spPr>
+        <p:style>
+          <a:lnRef idx="1">
+            <a:schemeClr val="accent1"/>
+          </a:lnRef>
+          <a:fillRef idx="0">
+            <a:schemeClr val="accent1"/>
+          </a:fillRef>
+          <a:effectRef idx="0">
+            <a:schemeClr val="accent1"/>
+          </a:effectRef>
+          <a:fontRef idx="minor">
+            <a:schemeClr val="tx1"/>
+          </a:fontRef>
+        </p:style>
+      </p:cxnSp>
+      <p:cxnSp>
+        <p:nvCxnSpPr>
+          <p:cNvPr id="15" name="Elbow Connector 14"/>
+          <p:cNvCxnSpPr>
+            <a:stCxn id="11" idx="1"/>
+            <a:endCxn id="5" idx="1"/>
+          </p:cNvCxnSpPr>
+          <p:nvPr/>
+        </p:nvCxnSpPr>
+        <p:spPr>
+          <a:xfrm rot="10800000" flipV="1">
+            <a:off x="381001" y="3657600"/>
+            <a:ext cx="1897743" cy="2095500"/>
+          </a:xfrm>
+          <a:prstGeom prst="bentConnector3">
+            <a:avLst>
+              <a:gd name="adj1" fmla="val 112046"/>
+            </a:avLst>
+          </a:prstGeom>
+          <a:ln w="38100">
+            <a:solidFill>
+              <a:srgbClr val="FF0000"/>
+            </a:solidFill>
+            <a:tailEnd type="arrow"/>
+          </a:ln>
+        </p:spPr>
+        <p:style>
+          <a:lnRef idx="1">
+            <a:schemeClr val="accent1"/>
+          </a:lnRef>
+          <a:fillRef idx="0">
+            <a:schemeClr val="accent1"/>
+          </a:fillRef>
+          <a:effectRef idx="0">
+            <a:schemeClr val="accent1"/>
+          </a:effectRef>
+          <a:fontRef idx="minor">
+            <a:schemeClr val="tx1"/>
+          </a:fontRef>
+        </p:style>
+      </p:cxnSp>
+      <p:sp>
+        <p:nvSpPr>
+          <p:cNvPr id="26" name="Rectangle 25"/>
+          <p:cNvSpPr/>
+          <p:nvPr/>
+        </p:nvSpPr>
+        <p:spPr>
+          <a:xfrm>
+            <a:off x="4533900" y="1790700"/>
+            <a:ext cx="1257299" cy="1562100"/>
           </a:xfrm>
           <a:prstGeom prst="rect">
             <a:avLst/>
           </a:prstGeom>
-        </p:spPr>
-        <p:txBody>
-          <a:bodyPr vert="horz" lIns="91440" tIns="45720" rIns="91440" bIns="45720" rtlCol="0">
-            <a:noAutofit/>
-          </a:bodyPr>
-          <a:lstStyle/>
-          <a:p>
-            <a:pPr marL="342900" marR="0" lvl="0" indent="-342900" algn="l" defTabSz="914400" rtl="0" eaLnBrk="1" fontAlgn="auto" latinLnBrk="0" hangingPunct="1">
-              <a:lnSpc>
-                <a:spcPct val="100000"/>
-              </a:lnSpc>
-              <a:spcBef>
-                <a:spcPct val="20000"/>
-              </a:spcBef>
-              <a:spcAft>
-                <a:spcPts val="0"/>
-              </a:spcAft>
-              <a:buClrTx/>
-              <a:buSzTx/>
-              <a:tabLst/>
-              <a:defRPr/>
-            </a:pPr>
-            <a:r>
-              <a:rPr kumimoji="0" lang="en-US" sz="700" b="0" i="0" u="none" strike="noStrike" kern="1200" cap="none" spc="0" normalizeH="0" baseline="0" noProof="0" dirty="0" smtClean="0">
-                <a:ln>
-                  <a:noFill/>
-                </a:ln>
-                <a:effectLst/>
-                <a:uLnTx/>
-                <a:uFillTx/>
-                <a:latin typeface="+mn-lt"/>
-                <a:ea typeface="+mn-ea"/>
-                <a:cs typeface="+mn-cs"/>
+          <a:noFill/>
+          <a:ln w="38100">
+            <a:solidFill>
+              <a:srgbClr val="00B0F0"/>
+            </a:solidFill>
+          </a:ln>
+        </p:spPr>
+        <p:style>
+          <a:lnRef idx="2">
+            <a:schemeClr val="accent1">
+              <a:shade val="50000"/>
+            </a:schemeClr>
+          </a:lnRef>
+          <a:fillRef idx="1">
+            <a:schemeClr val="accent1"/>
+          </a:fillRef>
+          <a:effectRef idx="0">
+            <a:schemeClr val="accent1"/>
+          </a:effectRef>
+          <a:fontRef idx="minor">
+            <a:schemeClr val="lt1"/>
+          </a:fontRef>
+        </p:style>
+        <p:txBody>
+          <a:bodyPr rtlCol="0" anchor="ctr"/>
+          <a:lstStyle/>
+          <a:p>
+            <a:pPr algn="ctr"/>
+            <a:r>
+              <a:rPr lang="en-US" b="1" dirty="0" smtClean="0">
+                <a:solidFill>
+                  <a:srgbClr val="00B0F0"/>
+                </a:solidFill>
               </a:rPr>
-              <a:t>1</a:t>
-            </a:r>
-          </a:p>
-        </p:txBody>
-      </p:sp>
-      <p:sp>
-        <p:nvSpPr>
-          <p:cNvPr id="12" name="Content Placeholder 2"/>
-          <p:cNvSpPr txBox="1">
-            <a:spLocks/>
-          </p:cNvSpPr>
-          <p:nvPr/>
-        </p:nvSpPr>
-        <p:spPr>
-          <a:xfrm>
-            <a:off x="4953000" y="2438400"/>
-            <a:ext cx="1371600" cy="457200"/>
-          </a:xfrm>
-          <a:prstGeom prst="rect">
-            <a:avLst/>
-          </a:prstGeom>
-        </p:spPr>
-        <p:txBody>
-          <a:bodyPr vert="horz" lIns="91440" tIns="45720" rIns="91440" bIns="45720" rtlCol="0">
-            <a:normAutofit fontScale="62500" lnSpcReduction="20000"/>
-          </a:bodyPr>
-          <a:lstStyle/>
-          <a:p>
-            <a:pPr marR="0" lvl="0" algn="l" defTabSz="914400" rtl="0" eaLnBrk="1" fontAlgn="auto" latinLnBrk="0" hangingPunct="1">
-              <a:lnSpc>
-                <a:spcPct val="100000"/>
-              </a:lnSpc>
-              <a:spcBef>
-                <a:spcPct val="20000"/>
-              </a:spcBef>
-              <a:spcAft>
-                <a:spcPts val="0"/>
-              </a:spcAft>
-              <a:buClrTx/>
-              <a:buSzTx/>
-              <a:tabLst/>
-              <a:defRPr/>
-            </a:pPr>
-            <a:r>
-              <a:rPr kumimoji="0" lang="en-US" sz="2400" b="0" i="0" u="none" strike="noStrike" kern="1200" cap="none" spc="0" normalizeH="0" baseline="0" noProof="0" dirty="0" smtClean="0">
-                <a:ln>
-                  <a:noFill/>
-                </a:ln>
-                <a:effectLst/>
-                <a:uLnTx/>
-                <a:uFillTx/>
-                <a:latin typeface="+mn-lt"/>
-                <a:ea typeface="+mn-ea"/>
-                <a:cs typeface="+mn-cs"/>
-              </a:rPr>
-              <a:t>Marking on the transducer</a:t>
-            </a:r>
+              <a:t>6</a:t>
+            </a:r>
+            <a:endParaRPr lang="en-US" b="1" dirty="0">
+              <a:solidFill>
+                <a:srgbClr val="00B0F0"/>
+              </a:solidFill>
+            </a:endParaRPr>
           </a:p>
         </p:txBody>
       </p:sp>
       <p:cxnSp>
         <p:nvCxnSpPr>
-          <p:cNvPr id="15" name="Straight Arrow Connector 14"/>
-          <p:cNvCxnSpPr/>
+          <p:cNvPr id="28" name="Elbow Connector 27"/>
+          <p:cNvCxnSpPr>
+            <a:stCxn id="26" idx="2"/>
+            <a:endCxn id="5" idx="0"/>
+          </p:cNvCxnSpPr>
           <p:nvPr/>
         </p:nvCxnSpPr>
         <p:spPr>
-          <a:xfrm>
-            <a:off x="5943600" y="2743200"/>
-            <a:ext cx="457200" cy="152400"/>
-          </a:xfrm>
-          <a:prstGeom prst="straightConnector1">
-            <a:avLst/>
-          </a:prstGeom>
-          <a:ln w="19050">
+          <a:xfrm rot="5400000">
+            <a:off x="3933825" y="3876675"/>
+            <a:ext cx="1752600" cy="704850"/>
+          </a:xfrm>
+          <a:prstGeom prst="bentConnector3">
+            <a:avLst>
+              <a:gd name="adj1" fmla="val 28261"/>
+            </a:avLst>
+          </a:prstGeom>
+          <a:ln w="38100">
             <a:solidFill>
-              <a:schemeClr val="tx1"/>
+              <a:srgbClr val="00B0F0"/>
             </a:solidFill>
             <a:tailEnd type="arrow"/>
           </a:ln>
@@ -5313,20 +10901,491 @@
     </p:spTree>
     <p:extLst>
       <p:ext uri="{BB962C8B-B14F-4D97-AF65-F5344CB8AC3E}">
-        <p14:creationId xmlns:p14="http://schemas.microsoft.com/office/powerpoint/2010/main" val="192657947"/>
+        <p14:creationId xmlns:p14="http://schemas.microsoft.com/office/powerpoint/2010/main" val="2055026269"/>
       </p:ext>
     </p:extLst>
   </p:cSld>
   <p:clrMapOvr>
     <a:masterClrMapping/>
   </p:clrMapOvr>
-  <p:timing>
-    <p:tnLst>
-      <p:par>
-        <p:cTn id="1" dur="indefinite" restart="never" nodeType="tmRoot"/>
-      </p:par>
-    </p:tnLst>
-  </p:timing>
+</p:sld>
+</file>
+
+<file path=ppt/slides/slide9.xml><?xml version="1.0" encoding="utf-8"?>
+<p:sld xmlns:a="http://schemas.openxmlformats.org/drawingml/2006/main" xmlns:r="http://schemas.openxmlformats.org/officeDocument/2006/relationships" xmlns:p="http://schemas.openxmlformats.org/presentationml/2006/main">
+  <p:cSld>
+    <p:spTree>
+      <p:nvGrpSpPr>
+        <p:cNvPr id="1" name=""/>
+        <p:cNvGrpSpPr/>
+        <p:nvPr/>
+      </p:nvGrpSpPr>
+      <p:grpSpPr>
+        <a:xfrm>
+          <a:off x="0" y="0"/>
+          <a:ext cx="0" cy="0"/>
+          <a:chOff x="0" y="0"/>
+          <a:chExt cx="0" cy="0"/>
+        </a:xfrm>
+      </p:grpSpPr>
+      <p:sp>
+        <p:nvSpPr>
+          <p:cNvPr id="2" name="Title 1"/>
+          <p:cNvSpPr>
+            <a:spLocks noGrp="1"/>
+          </p:cNvSpPr>
+          <p:nvPr>
+            <p:ph type="title"/>
+          </p:nvPr>
+        </p:nvSpPr>
+        <p:spPr/>
+        <p:txBody>
+          <a:bodyPr/>
+          <a:lstStyle/>
+          <a:p>
+            <a:r>
+              <a:rPr lang="en-US" dirty="0" smtClean="0"/>
+              <a:t>Phantom registration</a:t>
+            </a:r>
+            <a:endParaRPr lang="en-US" dirty="0"/>
+          </a:p>
+        </p:txBody>
+      </p:sp>
+      <p:sp>
+        <p:nvSpPr>
+          <p:cNvPr id="4" name="Footer Placeholder 3"/>
+          <p:cNvSpPr>
+            <a:spLocks noGrp="1"/>
+          </p:cNvSpPr>
+          <p:nvPr>
+            <p:ph type="ftr" sz="quarter" idx="11"/>
+          </p:nvPr>
+        </p:nvSpPr>
+        <p:spPr/>
+        <p:txBody>
+          <a:bodyPr/>
+          <a:lstStyle/>
+          <a:p>
+            <a:r>
+              <a:rPr lang="en-US" dirty="0" smtClean="0"/>
+              <a:t>Laboratory for Percutaneous Surgery (The Perk Lab) – Copyright © Queen’s University, 2012</a:t>
+            </a:r>
+          </a:p>
+          <a:p>
+            <a:endParaRPr lang="en-US" dirty="0"/>
+          </a:p>
+        </p:txBody>
+      </p:sp>
+      <p:sp>
+        <p:nvSpPr>
+          <p:cNvPr id="5" name="Content Placeholder 2"/>
+          <p:cNvSpPr>
+            <a:spLocks noGrp="1"/>
+          </p:cNvSpPr>
+          <p:nvPr>
+            <p:ph idx="1"/>
+          </p:nvPr>
+        </p:nvSpPr>
+        <p:spPr>
+          <a:xfrm>
+            <a:off x="762000" y="5257800"/>
+            <a:ext cx="6324600" cy="990600"/>
+          </a:xfrm>
+          <a:ln w="38100">
+            <a:solidFill>
+              <a:srgbClr val="FF0000"/>
+            </a:solidFill>
+          </a:ln>
+        </p:spPr>
+        <p:txBody>
+          <a:bodyPr>
+            <a:normAutofit lnSpcReduction="10000"/>
+          </a:bodyPr>
+          <a:lstStyle/>
+          <a:p>
+            <a:pPr>
+              <a:buFont typeface="+mj-lt"/>
+              <a:buAutoNum type="arabicPeriod" startAt="8"/>
+            </a:pPr>
+            <a:r>
+              <a:rPr lang="en-US" sz="1800" dirty="0"/>
+              <a:t>Click “Record </a:t>
+            </a:r>
+            <a:r>
+              <a:rPr lang="en-US" sz="1800" dirty="0" smtClean="0"/>
+              <a:t>point” to register 8 predefined landmark points </a:t>
+            </a:r>
+          </a:p>
+          <a:p>
+            <a:pPr>
+              <a:buFont typeface="+mj-lt"/>
+              <a:buAutoNum type="arabicPeriod" startAt="8"/>
+            </a:pPr>
+            <a:r>
+              <a:rPr lang="en-US" sz="1800" dirty="0" smtClean="0"/>
+              <a:t>Model points are defined in the configuration XML file</a:t>
+            </a:r>
+          </a:p>
+          <a:p>
+            <a:pPr>
+              <a:buFont typeface="+mj-lt"/>
+              <a:buAutoNum type="arabicPeriod" startAt="8"/>
+            </a:pPr>
+            <a:r>
+              <a:rPr lang="en-US" sz="1800" dirty="0" smtClean="0"/>
+              <a:t>Tracked points are collected by the stylus. Then “save”</a:t>
+            </a:r>
+            <a:endParaRPr lang="en-US" sz="1800" dirty="0"/>
+          </a:p>
+        </p:txBody>
+      </p:sp>
+      <p:pic>
+        <p:nvPicPr>
+          <p:cNvPr id="5124" name="Picture 4" descr="S:\data\Sue\SueSue\UserGuideCapture\11-13-2012 2-57-54 PMs.tif"/>
+          <p:cNvPicPr>
+            <a:picLocks noChangeAspect="1" noChangeArrowheads="1"/>
+          </p:cNvPicPr>
+          <p:nvPr/>
+        </p:nvPicPr>
+        <p:blipFill rotWithShape="1">
+          <a:blip r:embed="rId2">
+            <a:extLst>
+              <a:ext uri="{28A0092B-C50C-407E-A947-70E740481C1C}">
+                <a14:useLocalDpi xmlns:a14="http://schemas.microsoft.com/office/drawing/2010/main" val="0"/>
+              </a:ext>
+            </a:extLst>
+          </a:blip>
+          <a:srcRect t="3125" r="13673" b="4167"/>
+          <a:stretch/>
+        </p:blipFill>
+        <p:spPr bwMode="auto">
+          <a:xfrm>
+            <a:off x="3810000" y="1143000"/>
+            <a:ext cx="5004992" cy="4023360"/>
+          </a:xfrm>
+          <a:prstGeom prst="rect">
+            <a:avLst/>
+          </a:prstGeom>
+          <a:noFill/>
+          <a:extLst>
+            <a:ext uri="{909E8E84-426E-40DD-AFC4-6F175D3DCCD1}">
+              <a14:hiddenFill xmlns:a14="http://schemas.microsoft.com/office/drawing/2010/main">
+                <a:solidFill>
+                  <a:srgbClr val="FFFFFF"/>
+                </a:solidFill>
+              </a14:hiddenFill>
+            </a:ext>
+          </a:extLst>
+        </p:spPr>
+      </p:pic>
+      <p:pic>
+        <p:nvPicPr>
+          <p:cNvPr id="5123" name="Picture 3" descr="S:\data\Sue\DSC01319s.jpg"/>
+          <p:cNvPicPr>
+            <a:picLocks noChangeAspect="1" noChangeArrowheads="1"/>
+          </p:cNvPicPr>
+          <p:nvPr/>
+        </p:nvPicPr>
+        <p:blipFill rotWithShape="1">
+          <a:blip r:embed="rId3">
+            <a:extLst>
+              <a:ext uri="{28A0092B-C50C-407E-A947-70E740481C1C}">
+                <a14:useLocalDpi xmlns:a14="http://schemas.microsoft.com/office/drawing/2010/main" val="0"/>
+              </a:ext>
+            </a:extLst>
+          </a:blip>
+          <a:srcRect l="9259"/>
+          <a:stretch/>
+        </p:blipFill>
+        <p:spPr bwMode="auto">
+          <a:xfrm>
+            <a:off x="685800" y="1143000"/>
+            <a:ext cx="2738120" cy="4023360"/>
+          </a:xfrm>
+          <a:prstGeom prst="rect">
+            <a:avLst/>
+          </a:prstGeom>
+          <a:noFill/>
+          <a:extLst>
+            <a:ext uri="{909E8E84-426E-40DD-AFC4-6F175D3DCCD1}">
+              <a14:hiddenFill xmlns:a14="http://schemas.microsoft.com/office/drawing/2010/main">
+                <a:solidFill>
+                  <a:srgbClr val="FFFFFF"/>
+                </a:solidFill>
+              </a14:hiddenFill>
+            </a:ext>
+          </a:extLst>
+        </p:spPr>
+      </p:pic>
+      <p:sp>
+        <p:nvSpPr>
+          <p:cNvPr id="10" name="Rectangle 9"/>
+          <p:cNvSpPr/>
+          <p:nvPr/>
+        </p:nvSpPr>
+        <p:spPr>
+          <a:xfrm>
+            <a:off x="5535232" y="2438400"/>
+            <a:ext cx="1856168" cy="990600"/>
+          </a:xfrm>
+          <a:prstGeom prst="rect">
+            <a:avLst/>
+          </a:prstGeom>
+          <a:noFill/>
+          <a:ln w="38100">
+            <a:solidFill>
+              <a:srgbClr val="FF0000"/>
+            </a:solidFill>
+          </a:ln>
+        </p:spPr>
+        <p:style>
+          <a:lnRef idx="2">
+            <a:schemeClr val="accent1">
+              <a:shade val="50000"/>
+            </a:schemeClr>
+          </a:lnRef>
+          <a:fillRef idx="1">
+            <a:schemeClr val="accent1"/>
+          </a:fillRef>
+          <a:effectRef idx="0">
+            <a:schemeClr val="accent1"/>
+          </a:effectRef>
+          <a:fontRef idx="minor">
+            <a:schemeClr val="lt1"/>
+          </a:fontRef>
+        </p:style>
+        <p:txBody>
+          <a:bodyPr rtlCol="0" anchor="ctr"/>
+          <a:lstStyle/>
+          <a:p>
+            <a:pPr algn="ctr"/>
+            <a:endParaRPr lang="en-US"/>
+          </a:p>
+        </p:txBody>
+      </p:sp>
+      <p:cxnSp>
+        <p:nvCxnSpPr>
+          <p:cNvPr id="11" name="Elbow Connector 10"/>
+          <p:cNvCxnSpPr>
+            <a:stCxn id="15" idx="3"/>
+            <a:endCxn id="10" idx="2"/>
+          </p:cNvCxnSpPr>
+          <p:nvPr/>
+        </p:nvCxnSpPr>
+        <p:spPr>
+          <a:xfrm flipV="1">
+            <a:off x="5285807" y="3429000"/>
+            <a:ext cx="1177509" cy="752475"/>
+          </a:xfrm>
+          <a:prstGeom prst="bentConnector2">
+            <a:avLst/>
+          </a:prstGeom>
+          <a:ln w="38100">
+            <a:solidFill>
+              <a:srgbClr val="FF0000"/>
+            </a:solidFill>
+            <a:tailEnd type="arrow"/>
+          </a:ln>
+        </p:spPr>
+        <p:style>
+          <a:lnRef idx="1">
+            <a:schemeClr val="accent1"/>
+          </a:lnRef>
+          <a:fillRef idx="0">
+            <a:schemeClr val="accent1"/>
+          </a:fillRef>
+          <a:effectRef idx="0">
+            <a:schemeClr val="accent1"/>
+          </a:effectRef>
+          <a:fontRef idx="minor">
+            <a:schemeClr val="tx1"/>
+          </a:fontRef>
+        </p:style>
+      </p:cxnSp>
+      <p:sp>
+        <p:nvSpPr>
+          <p:cNvPr id="14" name="Rectangle 13"/>
+          <p:cNvSpPr/>
+          <p:nvPr/>
+        </p:nvSpPr>
+        <p:spPr>
+          <a:xfrm>
+            <a:off x="2054860" y="3724275"/>
+            <a:ext cx="916940" cy="914400"/>
+          </a:xfrm>
+          <a:prstGeom prst="rect">
+            <a:avLst/>
+          </a:prstGeom>
+          <a:noFill/>
+          <a:ln w="38100">
+            <a:solidFill>
+              <a:srgbClr val="FF0000"/>
+            </a:solidFill>
+          </a:ln>
+        </p:spPr>
+        <p:style>
+          <a:lnRef idx="2">
+            <a:schemeClr val="accent1">
+              <a:shade val="50000"/>
+            </a:schemeClr>
+          </a:lnRef>
+          <a:fillRef idx="1">
+            <a:schemeClr val="accent1"/>
+          </a:fillRef>
+          <a:effectRef idx="0">
+            <a:schemeClr val="accent1"/>
+          </a:effectRef>
+          <a:fontRef idx="minor">
+            <a:schemeClr val="lt1"/>
+          </a:fontRef>
+        </p:style>
+        <p:txBody>
+          <a:bodyPr rtlCol="0" anchor="ctr"/>
+          <a:lstStyle/>
+          <a:p>
+            <a:pPr algn="ctr"/>
+            <a:endParaRPr lang="en-US"/>
+          </a:p>
+        </p:txBody>
+      </p:sp>
+      <p:sp>
+        <p:nvSpPr>
+          <p:cNvPr id="15" name="Rectangle 14"/>
+          <p:cNvSpPr/>
+          <p:nvPr/>
+        </p:nvSpPr>
+        <p:spPr>
+          <a:xfrm>
+            <a:off x="3809999" y="3724275"/>
+            <a:ext cx="1475808" cy="914400"/>
+          </a:xfrm>
+          <a:prstGeom prst="rect">
+            <a:avLst/>
+          </a:prstGeom>
+          <a:noFill/>
+          <a:ln w="38100">
+            <a:solidFill>
+              <a:srgbClr val="FF0000"/>
+            </a:solidFill>
+          </a:ln>
+        </p:spPr>
+        <p:style>
+          <a:lnRef idx="2">
+            <a:schemeClr val="accent1">
+              <a:shade val="50000"/>
+            </a:schemeClr>
+          </a:lnRef>
+          <a:fillRef idx="1">
+            <a:schemeClr val="accent1"/>
+          </a:fillRef>
+          <a:effectRef idx="0">
+            <a:schemeClr val="accent1"/>
+          </a:effectRef>
+          <a:fontRef idx="minor">
+            <a:schemeClr val="lt1"/>
+          </a:fontRef>
+        </p:style>
+        <p:txBody>
+          <a:bodyPr rtlCol="0" anchor="ctr"/>
+          <a:lstStyle/>
+          <a:p>
+            <a:pPr algn="ctr"/>
+            <a:endParaRPr lang="en-US"/>
+          </a:p>
+        </p:txBody>
+      </p:sp>
+      <p:cxnSp>
+        <p:nvCxnSpPr>
+          <p:cNvPr id="18" name="Elbow Connector 17"/>
+          <p:cNvCxnSpPr>
+            <a:stCxn id="10" idx="3"/>
+            <a:endCxn id="5" idx="3"/>
+          </p:cNvCxnSpPr>
+          <p:nvPr/>
+        </p:nvCxnSpPr>
+        <p:spPr>
+          <a:xfrm flipH="1">
+            <a:off x="7086600" y="2933700"/>
+            <a:ext cx="304800" cy="2819400"/>
+          </a:xfrm>
+          <a:prstGeom prst="bentConnector3">
+            <a:avLst>
+              <a:gd name="adj1" fmla="val -75000"/>
+            </a:avLst>
+          </a:prstGeom>
+          <a:ln w="38100">
+            <a:solidFill>
+              <a:srgbClr val="FF0000"/>
+            </a:solidFill>
+            <a:tailEnd type="arrow"/>
+          </a:ln>
+        </p:spPr>
+        <p:style>
+          <a:lnRef idx="1">
+            <a:schemeClr val="accent1"/>
+          </a:lnRef>
+          <a:fillRef idx="0">
+            <a:schemeClr val="accent1"/>
+          </a:fillRef>
+          <a:effectRef idx="0">
+            <a:schemeClr val="accent1"/>
+          </a:effectRef>
+          <a:fontRef idx="minor">
+            <a:schemeClr val="tx1"/>
+          </a:fontRef>
+        </p:style>
+      </p:cxnSp>
+      <p:cxnSp>
+        <p:nvCxnSpPr>
+          <p:cNvPr id="19" name="Elbow Connector 18"/>
+          <p:cNvCxnSpPr>
+            <a:stCxn id="14" idx="3"/>
+            <a:endCxn id="15" idx="1"/>
+          </p:cNvCxnSpPr>
+          <p:nvPr/>
+        </p:nvCxnSpPr>
+        <p:spPr>
+          <a:xfrm>
+            <a:off x="2971800" y="4181475"/>
+            <a:ext cx="838199" cy="12700"/>
+          </a:xfrm>
+          <a:prstGeom prst="bentConnector3">
+            <a:avLst>
+              <a:gd name="adj1" fmla="val 50000"/>
+            </a:avLst>
+          </a:prstGeom>
+          <a:ln w="38100">
+            <a:solidFill>
+              <a:srgbClr val="FF0000"/>
+            </a:solidFill>
+            <a:tailEnd type="arrow"/>
+          </a:ln>
+        </p:spPr>
+        <p:style>
+          <a:lnRef idx="1">
+            <a:schemeClr val="accent1"/>
+          </a:lnRef>
+          <a:fillRef idx="0">
+            <a:schemeClr val="accent1"/>
+          </a:fillRef>
+          <a:effectRef idx="0">
+            <a:schemeClr val="accent1"/>
+          </a:effectRef>
+          <a:fontRef idx="minor">
+            <a:schemeClr val="tx1"/>
+          </a:fontRef>
+        </p:style>
+      </p:cxnSp>
+    </p:spTree>
+    <p:extLst>
+      <p:ext uri="{BB962C8B-B14F-4D97-AF65-F5344CB8AC3E}">
+        <p14:creationId xmlns:p14="http://schemas.microsoft.com/office/powerpoint/2010/main" val="4203361905"/>
+      </p:ext>
+    </p:extLst>
+  </p:cSld>
+  <p:clrMapOvr>
+    <a:masterClrMapping/>
+  </p:clrMapOvr>
 </p:sld>
 </file>
 
